--- a/final/2nd review/Fake Currency Detection Using Image Processing.pptx
+++ b/final/2nd review/Fake Currency Detection Using Image Processing.pptx
@@ -259,8 +259,11 @@
     </a:lvl9pPr>
   </p:defaultTextStyle>
   <p:extLst>
+    <p:ext uri="{EFAFB233-063F-42B5-8137-9DF3F51BA10A}">
+      <p15:sldGuideLst xmlns:p15="http://schemas.microsoft.com/office/powerpoint/2012/main"/>
+    </p:ext>
     <p:ext uri="http://customooxmlschemas.google.com/">
-      <go:slidesCustomData xmlns:go="http://customooxmlschemas.google.com/" xmlns:ahyp="http://schemas.microsoft.com/office/drawing/2018/hyperlinkcolor" xmlns:p15="http://schemas.microsoft.com/office/powerpoint/2012/main" xmlns:p14="http://schemas.microsoft.com/office/powerpoint/2010/main" xmlns:com="http://schemas.openxmlformats.org/drawingml/2006/compatibility" xmlns:pvml="urn:schemas-microsoft-com:office:powerpoint" xmlns:v="urn:schemas-microsoft-com:vml" xmlns:o="urn:schemas-microsoft-com:office:office" xmlns:dgm="http://schemas.openxmlformats.org/drawingml/2006/diagram" xmlns:c="http://schemas.openxmlformats.org/drawingml/2006/chart" xmlns:mv="urn:schemas-microsoft-com:mac:vml" xmlns:mc="http://schemas.openxmlformats.org/markup-compatibility/2006" xmlns="" r:id="rId21" roundtripDataSignature="AMtx7mjB/43COq52bOFiCQ0Kf1DjMl6qGQ=="/>
+      <go:slidesCustomData xmlns="" xmlns:mc="http://schemas.openxmlformats.org/markup-compatibility/2006" xmlns:mv="urn:schemas-microsoft-com:mac:vml" xmlns:c="http://schemas.openxmlformats.org/drawingml/2006/chart" xmlns:dgm="http://schemas.openxmlformats.org/drawingml/2006/diagram" xmlns:o="urn:schemas-microsoft-com:office:office" xmlns:v="urn:schemas-microsoft-com:vml" xmlns:pvml="urn:schemas-microsoft-com:office:powerpoint" xmlns:com="http://schemas.openxmlformats.org/drawingml/2006/compatibility" xmlns:p14="http://schemas.microsoft.com/office/powerpoint/2010/main" xmlns:p15="http://schemas.microsoft.com/office/powerpoint/2012/main" xmlns:ahyp="http://schemas.microsoft.com/office/drawing/2018/hyperlinkcolor" xmlns:go="http://customooxmlschemas.google.com/" r:id="rId21" roundtripDataSignature="AMtx7mjB/43COq52bOFiCQ0Kf1DjMl6qGQ=="/>
     </p:ext>
   </p:extLst>
 </p:presentation>
@@ -16660,6 +16663,100 @@
           </a:p>
         </p:txBody>
       </p:sp>
+      <p:sp>
+        <p:nvSpPr>
+          <p:cNvPr id="3" name="Text Placeholder 2">
+            <a:extLst>
+              <a:ext uri="{FF2B5EF4-FFF2-40B4-BE49-F238E27FC236}">
+                <a16:creationId xmlns:a16="http://schemas.microsoft.com/office/drawing/2014/main" id="{7B8D1F30-9C63-B832-965E-C3AB64DC6A07}"/>
+              </a:ext>
+            </a:extLst>
+          </p:cNvPr>
+          <p:cNvSpPr>
+            <a:spLocks noGrp="1"/>
+          </p:cNvSpPr>
+          <p:nvPr>
+            <p:ph type="body" idx="1"/>
+          </p:nvPr>
+        </p:nvSpPr>
+        <p:spPr/>
+        <p:txBody>
+          <a:bodyPr/>
+          <a:lstStyle/>
+          <a:p>
+            <a:pPr marL="114300" indent="0">
+              <a:buNone/>
+            </a:pPr>
+            <a:r>
+              <a:rPr lang="en-US" dirty="0"/>
+              <a:t>We have completed about 25% of work till now. Which includes the processes mentioned below,</a:t>
+            </a:r>
+          </a:p>
+          <a:p>
+            <a:r>
+              <a:rPr lang="en-IN" sz="1800" b="0" i="0" u="none" strike="noStrike" dirty="0">
+                <a:solidFill>
+                  <a:srgbClr val="000000"/>
+                </a:solidFill>
+                <a:effectLst/>
+                <a:latin typeface="Arial" panose="020B0604020202020204" pitchFamily="34" charset="0"/>
+              </a:rPr>
+              <a:t>finding dataset</a:t>
+            </a:r>
+            <a:endParaRPr lang="en-US" sz="1800" b="0" i="0" u="none" strike="noStrike" dirty="0">
+              <a:solidFill>
+                <a:srgbClr val="000000"/>
+              </a:solidFill>
+              <a:effectLst/>
+              <a:latin typeface="Arial" panose="020B0604020202020204" pitchFamily="34" charset="0"/>
+            </a:endParaRPr>
+          </a:p>
+          <a:p>
+            <a:r>
+              <a:rPr lang="en-US" sz="1800" dirty="0">
+                <a:solidFill>
+                  <a:srgbClr val="000000"/>
+                </a:solidFill>
+                <a:latin typeface="Arial" panose="020B0604020202020204" pitchFamily="34" charset="0"/>
+              </a:rPr>
+              <a:t>Analysis the dataset </a:t>
+            </a:r>
+          </a:p>
+          <a:p>
+            <a:r>
+              <a:rPr lang="en-US" sz="1800" dirty="0">
+                <a:solidFill>
+                  <a:srgbClr val="000000"/>
+                </a:solidFill>
+                <a:latin typeface="Arial" panose="020B0604020202020204" pitchFamily="34" charset="0"/>
+              </a:rPr>
+              <a:t>Cleaning the dataset</a:t>
+            </a:r>
+          </a:p>
+          <a:p>
+            <a:r>
+              <a:rPr lang="en-US" sz="1800" dirty="0">
+                <a:solidFill>
+                  <a:srgbClr val="000000"/>
+                </a:solidFill>
+                <a:latin typeface="Arial" panose="020B0604020202020204" pitchFamily="34" charset="0"/>
+              </a:rPr>
+              <a:t>Normalizing the dataset based on the formula</a:t>
+            </a:r>
+          </a:p>
+          <a:p>
+            <a:r>
+              <a:rPr lang="en-US" sz="1800" dirty="0">
+                <a:solidFill>
+                  <a:srgbClr val="000000"/>
+                </a:solidFill>
+                <a:latin typeface="Arial" panose="020B0604020202020204" pitchFamily="34" charset="0"/>
+              </a:rPr>
+              <a:t>Currently testing the dataset on KNN-Model and Support Vector Classifier (SVC) model</a:t>
+            </a:r>
+          </a:p>
+        </p:txBody>
+      </p:sp>
     </p:spTree>
     <p:extLst>
       <p:ext uri="{BB962C8B-B14F-4D97-AF65-F5344CB8AC3E}">
@@ -17704,6 +17801,38 @@
               <a:rPr lang="en-US" sz="5400" dirty="0"/>
               <a:t>Deviation</a:t>
             </a:r>
+          </a:p>
+        </p:txBody>
+      </p:sp>
+      <p:sp>
+        <p:nvSpPr>
+          <p:cNvPr id="6" name="Text Placeholder 5">
+            <a:extLst>
+              <a:ext uri="{FF2B5EF4-FFF2-40B4-BE49-F238E27FC236}">
+                <a16:creationId xmlns:a16="http://schemas.microsoft.com/office/drawing/2014/main" id="{123A5FF2-76C1-547B-DB89-702F7A598920}"/>
+              </a:ext>
+            </a:extLst>
+          </p:cNvPr>
+          <p:cNvSpPr>
+            <a:spLocks noGrp="1"/>
+          </p:cNvSpPr>
+          <p:nvPr>
+            <p:ph type="body" idx="1"/>
+          </p:nvPr>
+        </p:nvSpPr>
+        <p:spPr/>
+        <p:txBody>
+          <a:bodyPr/>
+          <a:lstStyle/>
+          <a:p>
+            <a:pPr marL="114300" indent="0" algn="ctr">
+              <a:buNone/>
+            </a:pPr>
+            <a:r>
+              <a:rPr lang="en-US" dirty="0"/>
+              <a:t>Till now we have not deviated from our base idea.</a:t>
+            </a:r>
+            <a:endParaRPr lang="en-IN" dirty="0"/>
           </a:p>
         </p:txBody>
       </p:sp>

--- a/final/2nd review/Fake Currency Detection Using Image Processing.pptx
+++ b/final/2nd review/Fake Currency Detection Using Image Processing.pptx
@@ -5,7 +5,7 @@
     <p:sldMasterId id="2147483648" r:id="rId1"/>
   </p:sldMasterIdLst>
   <p:notesMasterIdLst>
-    <p:notesMasterId r:id="rId20"/>
+    <p:notesMasterId r:id="rId25"/>
   </p:notesMasterIdLst>
   <p:sldIdLst>
     <p:sldId id="256" r:id="rId2"/>
@@ -15,17 +15,22 @@
     <p:sldId id="262" r:id="rId6"/>
     <p:sldId id="259" r:id="rId7"/>
     <p:sldId id="260" r:id="rId8"/>
-    <p:sldId id="273" r:id="rId9"/>
-    <p:sldId id="263" r:id="rId10"/>
-    <p:sldId id="264" r:id="rId11"/>
-    <p:sldId id="269" r:id="rId12"/>
-    <p:sldId id="270" r:id="rId13"/>
-    <p:sldId id="271" r:id="rId14"/>
-    <p:sldId id="272" r:id="rId15"/>
-    <p:sldId id="265" r:id="rId16"/>
-    <p:sldId id="266" r:id="rId17"/>
-    <p:sldId id="267" r:id="rId18"/>
-    <p:sldId id="268" r:id="rId19"/>
+    <p:sldId id="274" r:id="rId9"/>
+    <p:sldId id="275" r:id="rId10"/>
+    <p:sldId id="265" r:id="rId11"/>
+    <p:sldId id="266" r:id="rId12"/>
+    <p:sldId id="263" r:id="rId13"/>
+    <p:sldId id="264" r:id="rId14"/>
+    <p:sldId id="278" r:id="rId15"/>
+    <p:sldId id="279" r:id="rId16"/>
+    <p:sldId id="277" r:id="rId17"/>
+    <p:sldId id="276" r:id="rId18"/>
+    <p:sldId id="270" r:id="rId19"/>
+    <p:sldId id="271" r:id="rId20"/>
+    <p:sldId id="280" r:id="rId21"/>
+    <p:sldId id="272" r:id="rId22"/>
+    <p:sldId id="267" r:id="rId23"/>
+    <p:sldId id="268" r:id="rId24"/>
   </p:sldIdLst>
   <p:sldSz cx="12192000" cy="6858000"/>
   <p:notesSz cx="6858000" cy="9144000"/>
@@ -263,7 +268,7 @@
       <p15:sldGuideLst xmlns:p15="http://schemas.microsoft.com/office/powerpoint/2012/main"/>
     </p:ext>
     <p:ext uri="http://customooxmlschemas.google.com/">
-      <go:slidesCustomData xmlns="" xmlns:mc="http://schemas.openxmlformats.org/markup-compatibility/2006" xmlns:mv="urn:schemas-microsoft-com:mac:vml" xmlns:c="http://schemas.openxmlformats.org/drawingml/2006/chart" xmlns:dgm="http://schemas.openxmlformats.org/drawingml/2006/diagram" xmlns:o="urn:schemas-microsoft-com:office:office" xmlns:v="urn:schemas-microsoft-com:vml" xmlns:pvml="urn:schemas-microsoft-com:office:powerpoint" xmlns:com="http://schemas.openxmlformats.org/drawingml/2006/compatibility" xmlns:p14="http://schemas.microsoft.com/office/powerpoint/2010/main" xmlns:p15="http://schemas.microsoft.com/office/powerpoint/2012/main" xmlns:ahyp="http://schemas.microsoft.com/office/drawing/2018/hyperlinkcolor" xmlns:go="http://customooxmlschemas.google.com/" r:id="rId21" roundtripDataSignature="AMtx7mjB/43COq52bOFiCQ0Kf1DjMl6qGQ=="/>
+      <go:slidesCustomData xmlns="" xmlns:mc="http://schemas.openxmlformats.org/markup-compatibility/2006" xmlns:mv="urn:schemas-microsoft-com:mac:vml" xmlns:c="http://schemas.openxmlformats.org/drawingml/2006/chart" xmlns:dgm="http://schemas.openxmlformats.org/drawingml/2006/diagram" xmlns:o="urn:schemas-microsoft-com:office:office" xmlns:v="urn:schemas-microsoft-com:vml" xmlns:pvml="urn:schemas-microsoft-com:office:powerpoint" xmlns:com="http://schemas.openxmlformats.org/drawingml/2006/compatibility" xmlns:p14="http://schemas.microsoft.com/office/powerpoint/2010/main" xmlns:p15="http://schemas.microsoft.com/office/powerpoint/2012/main" xmlns:ahyp="http://schemas.microsoft.com/office/drawing/2018/hyperlinkcolor" xmlns:go="http://customooxmlschemas.google.com/" r:id="rId26" roundtripDataSignature="AMtx7mjB/43COq52bOFiCQ0Kf1DjMl6qGQ=="/>
     </p:ext>
   </p:extLst>
 </p:presentation>
@@ -975,7 +980,7 @@
   <p:cSld>
     <p:spTree>
       <p:nvGrpSpPr>
-        <p:cNvPr id="1" name="Shape 144"/>
+        <p:cNvPr id="1" name="Shape 117"/>
         <p:cNvGrpSpPr/>
         <p:nvPr/>
       </p:nvGrpSpPr>
@@ -989,7 +994,7 @@
       </p:grpSpPr>
       <p:sp>
         <p:nvSpPr>
-          <p:cNvPr id="145" name="Google Shape;145;p24:notes"/>
+          <p:cNvPr id="118" name="Google Shape;118;p6:notes"/>
           <p:cNvSpPr txBox="1">
             <a:spLocks noGrp="1"/>
           </p:cNvSpPr>
@@ -1035,7 +1040,7 @@
       </p:sp>
       <p:sp>
         <p:nvSpPr>
-          <p:cNvPr id="146" name="Google Shape;146;p24:notes"/>
+          <p:cNvPr id="119" name="Google Shape;119;p6:notes"/>
           <p:cNvSpPr>
             <a:spLocks noGrp="1" noRot="1" noChangeAspect="1"/>
           </p:cNvSpPr>
@@ -1097,7 +1102,7 @@
   <p:cSld>
     <p:spTree>
       <p:nvGrpSpPr>
-        <p:cNvPr id="1" name="Shape 150"/>
+        <p:cNvPr id="1" name="Shape 138"/>
         <p:cNvGrpSpPr/>
         <p:nvPr/>
       </p:nvGrpSpPr>
@@ -1111,7 +1116,7 @@
       </p:grpSpPr>
       <p:sp>
         <p:nvSpPr>
-          <p:cNvPr id="151" name="Google Shape;151;p25:notes"/>
+          <p:cNvPr id="139" name="Google Shape;139;p23:notes"/>
           <p:cNvSpPr txBox="1">
             <a:spLocks noGrp="1"/>
           </p:cNvSpPr>
@@ -1127,10 +1132,6 @@
           <a:prstGeom prst="rect">
             <a:avLst/>
           </a:prstGeom>
-          <a:noFill/>
-          <a:ln>
-            <a:noFill/>
-          </a:ln>
         </p:spPr>
         <p:txBody>
           <a:bodyPr spcFirstLastPara="1" wrap="square" lIns="91425" tIns="91425" rIns="91425" bIns="91425" anchor="t" anchorCtr="0">
@@ -1139,16 +1140,12 @@
           <a:lstStyle/>
           <a:p>
             <a:pPr marL="0" lvl="0" indent="0" algn="l" rtl="0">
-              <a:lnSpc>
-                <a:spcPct val="100000"/>
-              </a:lnSpc>
-              <a:spcBef>
-                <a:spcPts val="0"/>
-              </a:spcBef>
-              <a:spcAft>
-                <a:spcPts val="0"/>
-              </a:spcAft>
-              <a:buSzPts val="1100"/>
+              <a:spcBef>
+                <a:spcPts val="0"/>
+              </a:spcBef>
+              <a:spcAft>
+                <a:spcPts val="0"/>
+              </a:spcAft>
               <a:buNone/>
             </a:pPr>
             <a:endParaRPr/>
@@ -1157,7 +1154,7 @@
       </p:sp>
       <p:sp>
         <p:nvSpPr>
-          <p:cNvPr id="152" name="Google Shape;152;p25:notes"/>
+          <p:cNvPr id="140" name="Google Shape;140;p23:notes"/>
           <p:cNvSpPr>
             <a:spLocks noGrp="1" noRot="1" noChangeAspect="1"/>
           </p:cNvSpPr>
@@ -1194,16 +1191,6 @@
               </a:path>
             </a:pathLst>
           </a:custGeom>
-          <a:noFill/>
-          <a:ln w="9525" cap="flat" cmpd="sng">
-            <a:solidFill>
-              <a:srgbClr val="000000"/>
-            </a:solidFill>
-            <a:prstDash val="solid"/>
-            <a:round/>
-            <a:headEnd type="none" w="sm" len="sm"/>
-            <a:tailEnd type="none" w="sm" len="sm"/>
-          </a:ln>
         </p:spPr>
       </p:sp>
     </p:spTree>
@@ -1273,7 +1260,7 @@
               <a:buSzPts val="1100"/>
               <a:buNone/>
             </a:pPr>
-            <a:endParaRPr/>
+            <a:endParaRPr dirty="0"/>
           </a:p>
         </p:txBody>
       </p:sp>
@@ -2141,7 +2128,7 @@
   <p:cSld>
     <p:spTree>
       <p:nvGrpSpPr>
-        <p:cNvPr id="1" name="Shape 117"/>
+        <p:cNvPr id="1" name="Shape 144"/>
         <p:cNvGrpSpPr/>
         <p:nvPr/>
       </p:nvGrpSpPr>
@@ -2155,7 +2142,7 @@
       </p:grpSpPr>
       <p:sp>
         <p:nvSpPr>
-          <p:cNvPr id="118" name="Google Shape;118;p6:notes"/>
+          <p:cNvPr id="145" name="Google Shape;145;p24:notes"/>
           <p:cNvSpPr txBox="1">
             <a:spLocks noGrp="1"/>
           </p:cNvSpPr>
@@ -2201,7 +2188,7 @@
       </p:sp>
       <p:sp>
         <p:nvSpPr>
-          <p:cNvPr id="119" name="Google Shape;119;p6:notes"/>
+          <p:cNvPr id="146" name="Google Shape;146;p24:notes"/>
           <p:cNvSpPr>
             <a:spLocks noGrp="1" noRot="1" noChangeAspect="1"/>
           </p:cNvSpPr>
@@ -2263,7 +2250,7 @@
   <p:cSld>
     <p:spTree>
       <p:nvGrpSpPr>
-        <p:cNvPr id="1" name="Shape 138"/>
+        <p:cNvPr id="1" name="Shape 150"/>
         <p:cNvGrpSpPr/>
         <p:nvPr/>
       </p:nvGrpSpPr>
@@ -2277,7 +2264,7 @@
       </p:grpSpPr>
       <p:sp>
         <p:nvSpPr>
-          <p:cNvPr id="139" name="Google Shape;139;p23:notes"/>
+          <p:cNvPr id="151" name="Google Shape;151;p25:notes"/>
           <p:cNvSpPr txBox="1">
             <a:spLocks noGrp="1"/>
           </p:cNvSpPr>
@@ -2293,6 +2280,10 @@
           <a:prstGeom prst="rect">
             <a:avLst/>
           </a:prstGeom>
+          <a:noFill/>
+          <a:ln>
+            <a:noFill/>
+          </a:ln>
         </p:spPr>
         <p:txBody>
           <a:bodyPr spcFirstLastPara="1" wrap="square" lIns="91425" tIns="91425" rIns="91425" bIns="91425" anchor="t" anchorCtr="0">
@@ -2301,12 +2292,16 @@
           <a:lstStyle/>
           <a:p>
             <a:pPr marL="0" lvl="0" indent="0" algn="l" rtl="0">
-              <a:spcBef>
-                <a:spcPts val="0"/>
-              </a:spcBef>
-              <a:spcAft>
-                <a:spcPts val="0"/>
-              </a:spcAft>
+              <a:lnSpc>
+                <a:spcPct val="100000"/>
+              </a:lnSpc>
+              <a:spcBef>
+                <a:spcPts val="0"/>
+              </a:spcBef>
+              <a:spcAft>
+                <a:spcPts val="0"/>
+              </a:spcAft>
+              <a:buSzPts val="1100"/>
               <a:buNone/>
             </a:pPr>
             <a:endParaRPr/>
@@ -2315,7 +2310,7 @@
       </p:sp>
       <p:sp>
         <p:nvSpPr>
-          <p:cNvPr id="140" name="Google Shape;140;p23:notes"/>
+          <p:cNvPr id="152" name="Google Shape;152;p25:notes"/>
           <p:cNvSpPr>
             <a:spLocks noGrp="1" noRot="1" noChangeAspect="1"/>
           </p:cNvSpPr>
@@ -2352,6 +2347,16 @@
               </a:path>
             </a:pathLst>
           </a:custGeom>
+          <a:noFill/>
+          <a:ln w="9525" cap="flat" cmpd="sng">
+            <a:solidFill>
+              <a:srgbClr val="000000"/>
+            </a:solidFill>
+            <a:prstDash val="solid"/>
+            <a:round/>
+            <a:headEnd type="none" w="sm" len="sm"/>
+            <a:tailEnd type="none" w="sm" len="sm"/>
+          </a:ln>
         </p:spPr>
       </p:sp>
     </p:spTree>
@@ -15272,6 +15277,1315 @@
   <p:cSld>
     <p:spTree>
       <p:nvGrpSpPr>
+        <p:cNvPr id="1" name="Shape 147"/>
+        <p:cNvGrpSpPr/>
+        <p:nvPr/>
+      </p:nvGrpSpPr>
+      <p:grpSpPr>
+        <a:xfrm>
+          <a:off x="0" y="0"/>
+          <a:ext cx="0" cy="0"/>
+          <a:chOff x="0" y="0"/>
+          <a:chExt cx="0" cy="0"/>
+        </a:xfrm>
+      </p:grpSpPr>
+      <p:sp>
+        <p:nvSpPr>
+          <p:cNvPr id="148" name="Google Shape;148;p24"/>
+          <p:cNvSpPr txBox="1">
+            <a:spLocks noGrp="1"/>
+          </p:cNvSpPr>
+          <p:nvPr>
+            <p:ph type="title"/>
+          </p:nvPr>
+        </p:nvSpPr>
+        <p:spPr>
+          <a:xfrm>
+            <a:off x="838200" y="599052"/>
+            <a:ext cx="10515600" cy="770338"/>
+          </a:xfrm>
+          <a:prstGeom prst="rect">
+            <a:avLst/>
+          </a:prstGeom>
+          <a:noFill/>
+          <a:ln>
+            <a:noFill/>
+          </a:ln>
+        </p:spPr>
+        <p:txBody>
+          <a:bodyPr spcFirstLastPara="1" wrap="square" lIns="91425" tIns="45700" rIns="91425" bIns="45700" anchor="ctr" anchorCtr="0">
+            <a:normAutofit fontScale="90000"/>
+          </a:bodyPr>
+          <a:lstStyle/>
+          <a:p>
+            <a:pPr marL="0" lvl="0" indent="0" algn="ctr" rtl="0">
+              <a:lnSpc>
+                <a:spcPct val="90000"/>
+              </a:lnSpc>
+              <a:spcBef>
+                <a:spcPts val="0"/>
+              </a:spcBef>
+              <a:spcAft>
+                <a:spcPts val="0"/>
+              </a:spcAft>
+              <a:buClr>
+                <a:schemeClr val="dk1"/>
+              </a:buClr>
+              <a:buSzPct val="100000"/>
+              <a:buFont typeface="Calibri"/>
+              <a:buNone/>
+            </a:pPr>
+            <a:r>
+              <a:rPr lang="en-US" sz="6000"/>
+              <a:t>Hardware Requirements</a:t>
+            </a:r>
+            <a:endParaRPr sz="6000"/>
+          </a:p>
+        </p:txBody>
+      </p:sp>
+      <p:sp>
+        <p:nvSpPr>
+          <p:cNvPr id="149" name="Google Shape;149;p24"/>
+          <p:cNvSpPr txBox="1">
+            <a:spLocks noGrp="1"/>
+          </p:cNvSpPr>
+          <p:nvPr>
+            <p:ph type="body" idx="1"/>
+          </p:nvPr>
+        </p:nvSpPr>
+        <p:spPr>
+          <a:xfrm>
+            <a:off x="838200" y="1850066"/>
+            <a:ext cx="10515600" cy="2966485"/>
+          </a:xfrm>
+          <a:prstGeom prst="rect">
+            <a:avLst/>
+          </a:prstGeom>
+          <a:noFill/>
+          <a:ln>
+            <a:noFill/>
+          </a:ln>
+        </p:spPr>
+        <p:txBody>
+          <a:bodyPr spcFirstLastPara="1" wrap="square" lIns="91425" tIns="45700" rIns="91425" bIns="45700" anchor="t" anchorCtr="0">
+            <a:normAutofit/>
+          </a:bodyPr>
+          <a:lstStyle/>
+          <a:p>
+            <a:pPr marL="635000" lvl="0" indent="-457200" algn="just" rtl="0">
+              <a:lnSpc>
+                <a:spcPct val="90000"/>
+              </a:lnSpc>
+              <a:spcBef>
+                <a:spcPts val="0"/>
+              </a:spcBef>
+              <a:spcAft>
+                <a:spcPts val="0"/>
+              </a:spcAft>
+              <a:buSzPts val="2800"/>
+              <a:buChar char="•"/>
+            </a:pPr>
+            <a:r>
+              <a:rPr lang="en-US" dirty="0"/>
+              <a:t>8GB RAM</a:t>
+            </a:r>
+            <a:endParaRPr dirty="0"/>
+          </a:p>
+          <a:p>
+            <a:pPr marL="635000" lvl="0" indent="-457200" algn="just" rtl="0">
+              <a:lnSpc>
+                <a:spcPct val="90000"/>
+              </a:lnSpc>
+              <a:spcBef>
+                <a:spcPts val="0"/>
+              </a:spcBef>
+              <a:spcAft>
+                <a:spcPts val="0"/>
+              </a:spcAft>
+              <a:buSzPts val="2800"/>
+              <a:buChar char="•"/>
+            </a:pPr>
+            <a:r>
+              <a:rPr lang="en-US" dirty="0"/>
+              <a:t>AMD 3600 processor or an equivalent Intel processor</a:t>
+            </a:r>
+            <a:endParaRPr dirty="0"/>
+          </a:p>
+          <a:p>
+            <a:pPr marL="635000" lvl="0" indent="-457200" algn="just" rtl="0">
+              <a:lnSpc>
+                <a:spcPct val="90000"/>
+              </a:lnSpc>
+              <a:spcBef>
+                <a:spcPts val="0"/>
+              </a:spcBef>
+              <a:spcAft>
+                <a:spcPts val="0"/>
+              </a:spcAft>
+              <a:buSzPts val="2800"/>
+              <a:buChar char="•"/>
+            </a:pPr>
+            <a:r>
+              <a:rPr lang="en-US" dirty="0"/>
+              <a:t>2GB storage capacity</a:t>
+            </a:r>
+            <a:endParaRPr dirty="0"/>
+          </a:p>
+        </p:txBody>
+      </p:sp>
+    </p:spTree>
+  </p:cSld>
+  <p:clrMapOvr>
+    <a:masterClrMapping/>
+  </p:clrMapOvr>
+</p:sld>
+</file>
+
+<file path=ppt/slides/slide11.xml><?xml version="1.0" encoding="utf-8"?>
+<p:sld xmlns:a="http://schemas.openxmlformats.org/drawingml/2006/main" xmlns:r="http://schemas.openxmlformats.org/officeDocument/2006/relationships" xmlns:p="http://schemas.openxmlformats.org/presentationml/2006/main">
+  <p:cSld>
+    <p:spTree>
+      <p:nvGrpSpPr>
+        <p:cNvPr id="1" name="Shape 153"/>
+        <p:cNvGrpSpPr/>
+        <p:nvPr/>
+      </p:nvGrpSpPr>
+      <p:grpSpPr>
+        <a:xfrm>
+          <a:off x="0" y="0"/>
+          <a:ext cx="0" cy="0"/>
+          <a:chOff x="0" y="0"/>
+          <a:chExt cx="0" cy="0"/>
+        </a:xfrm>
+      </p:grpSpPr>
+      <p:sp>
+        <p:nvSpPr>
+          <p:cNvPr id="154" name="Google Shape;154;p25"/>
+          <p:cNvSpPr txBox="1">
+            <a:spLocks noGrp="1"/>
+          </p:cNvSpPr>
+          <p:nvPr>
+            <p:ph type="title"/>
+          </p:nvPr>
+        </p:nvSpPr>
+        <p:spPr>
+          <a:xfrm>
+            <a:off x="838200" y="599052"/>
+            <a:ext cx="10515600" cy="770338"/>
+          </a:xfrm>
+          <a:prstGeom prst="rect">
+            <a:avLst/>
+          </a:prstGeom>
+          <a:noFill/>
+          <a:ln>
+            <a:noFill/>
+          </a:ln>
+        </p:spPr>
+        <p:txBody>
+          <a:bodyPr spcFirstLastPara="1" wrap="square" lIns="91425" tIns="45700" rIns="91425" bIns="45700" anchor="ctr" anchorCtr="0">
+            <a:normAutofit fontScale="90000"/>
+          </a:bodyPr>
+          <a:lstStyle/>
+          <a:p>
+            <a:pPr marL="0" lvl="0" indent="0" algn="ctr" rtl="0">
+              <a:lnSpc>
+                <a:spcPct val="90000"/>
+              </a:lnSpc>
+              <a:spcBef>
+                <a:spcPts val="0"/>
+              </a:spcBef>
+              <a:spcAft>
+                <a:spcPts val="0"/>
+              </a:spcAft>
+              <a:buClr>
+                <a:schemeClr val="dk1"/>
+              </a:buClr>
+              <a:buSzPct val="100000"/>
+              <a:buFont typeface="Calibri"/>
+              <a:buNone/>
+            </a:pPr>
+            <a:r>
+              <a:rPr lang="en-US" sz="6000"/>
+              <a:t>Software Requirements</a:t>
+            </a:r>
+            <a:endParaRPr sz="6000"/>
+          </a:p>
+        </p:txBody>
+      </p:sp>
+      <p:sp>
+        <p:nvSpPr>
+          <p:cNvPr id="155" name="Google Shape;155;p25"/>
+          <p:cNvSpPr txBox="1">
+            <a:spLocks noGrp="1"/>
+          </p:cNvSpPr>
+          <p:nvPr>
+            <p:ph type="body" idx="1"/>
+          </p:nvPr>
+        </p:nvSpPr>
+        <p:spPr>
+          <a:xfrm>
+            <a:off x="838200" y="1850066"/>
+            <a:ext cx="10515600" cy="3317359"/>
+          </a:xfrm>
+          <a:prstGeom prst="rect">
+            <a:avLst/>
+          </a:prstGeom>
+          <a:noFill/>
+          <a:ln>
+            <a:noFill/>
+          </a:ln>
+        </p:spPr>
+        <p:txBody>
+          <a:bodyPr spcFirstLastPara="1" wrap="square" lIns="91425" tIns="45700" rIns="91425" bIns="45700" anchor="t" anchorCtr="0">
+            <a:normAutofit/>
+          </a:bodyPr>
+          <a:lstStyle/>
+          <a:p>
+            <a:pPr marL="635000" lvl="0" indent="-457200" algn="just" rtl="0">
+              <a:lnSpc>
+                <a:spcPct val="90000"/>
+              </a:lnSpc>
+              <a:spcBef>
+                <a:spcPts val="0"/>
+              </a:spcBef>
+              <a:spcAft>
+                <a:spcPts val="0"/>
+              </a:spcAft>
+              <a:buSzPts val="2800"/>
+              <a:buChar char="•"/>
+            </a:pPr>
+            <a:r>
+              <a:rPr lang="en-US"/>
+              <a:t>Python</a:t>
+            </a:r>
+            <a:endParaRPr dirty="0"/>
+          </a:p>
+          <a:p>
+            <a:pPr marL="635000" lvl="0" indent="-457200" algn="just" rtl="0">
+              <a:lnSpc>
+                <a:spcPct val="90000"/>
+              </a:lnSpc>
+              <a:spcBef>
+                <a:spcPts val="0"/>
+              </a:spcBef>
+              <a:spcAft>
+                <a:spcPts val="0"/>
+              </a:spcAft>
+              <a:buSzPts val="2800"/>
+              <a:buChar char="•"/>
+            </a:pPr>
+            <a:r>
+              <a:rPr lang="en-US" dirty="0" err="1"/>
+              <a:t>Jupyter</a:t>
+            </a:r>
+            <a:r>
+              <a:rPr lang="en-US" dirty="0"/>
+              <a:t> notebook</a:t>
+            </a:r>
+            <a:endParaRPr dirty="0"/>
+          </a:p>
+          <a:p>
+            <a:pPr marL="635000" lvl="0" indent="-457200" algn="just" rtl="0">
+              <a:lnSpc>
+                <a:spcPct val="90000"/>
+              </a:lnSpc>
+              <a:spcBef>
+                <a:spcPts val="0"/>
+              </a:spcBef>
+              <a:spcAft>
+                <a:spcPts val="0"/>
+              </a:spcAft>
+              <a:buSzPts val="2800"/>
+              <a:buChar char="•"/>
+            </a:pPr>
+            <a:r>
+              <a:rPr lang="en-US" dirty="0"/>
+              <a:t>Visual Studio Code</a:t>
+            </a:r>
+            <a:endParaRPr dirty="0"/>
+          </a:p>
+          <a:p>
+            <a:pPr marL="635000" lvl="0" indent="-457200" algn="just" rtl="0">
+              <a:lnSpc>
+                <a:spcPct val="90000"/>
+              </a:lnSpc>
+              <a:spcBef>
+                <a:spcPts val="0"/>
+              </a:spcBef>
+              <a:spcAft>
+                <a:spcPts val="0"/>
+              </a:spcAft>
+              <a:buSzPts val="2800"/>
+              <a:buChar char="•"/>
+            </a:pPr>
+            <a:r>
+              <a:rPr lang="en-US" dirty="0"/>
+              <a:t>Nodejs</a:t>
+            </a:r>
+            <a:endParaRPr dirty="0"/>
+          </a:p>
+        </p:txBody>
+      </p:sp>
+    </p:spTree>
+  </p:cSld>
+  <p:clrMapOvr>
+    <a:masterClrMapping/>
+  </p:clrMapOvr>
+</p:sld>
+</file>
+
+<file path=ppt/slides/slide12.xml><?xml version="1.0" encoding="utf-8"?>
+<p:sld xmlns:a="http://schemas.openxmlformats.org/drawingml/2006/main" xmlns:r="http://schemas.openxmlformats.org/officeDocument/2006/relationships" xmlns:p="http://schemas.openxmlformats.org/presentationml/2006/main">
+  <p:cSld>
+    <p:spTree>
+      <p:nvGrpSpPr>
+        <p:cNvPr id="1" name="Shape 120"/>
+        <p:cNvGrpSpPr/>
+        <p:nvPr/>
+      </p:nvGrpSpPr>
+      <p:grpSpPr>
+        <a:xfrm>
+          <a:off x="0" y="0"/>
+          <a:ext cx="0" cy="0"/>
+          <a:chOff x="0" y="0"/>
+          <a:chExt cx="0" cy="0"/>
+        </a:xfrm>
+      </p:grpSpPr>
+      <p:sp>
+        <p:nvSpPr>
+          <p:cNvPr id="126" name="Google Shape;126;p6"/>
+          <p:cNvSpPr/>
+          <p:nvPr/>
+        </p:nvSpPr>
+        <p:spPr>
+          <a:xfrm>
+            <a:off x="3131563" y="2915480"/>
+            <a:ext cx="415500" cy="178200"/>
+          </a:xfrm>
+          <a:prstGeom prst="rightArrow">
+            <a:avLst>
+              <a:gd name="adj1" fmla="val 50000"/>
+              <a:gd name="adj2" fmla="val 50000"/>
+            </a:avLst>
+          </a:prstGeom>
+          <a:solidFill>
+            <a:srgbClr val="EEEEEE"/>
+          </a:solidFill>
+          <a:ln w="9525" cap="flat" cmpd="sng">
+            <a:solidFill>
+              <a:srgbClr val="595959"/>
+            </a:solidFill>
+            <a:prstDash val="solid"/>
+            <a:round/>
+            <a:headEnd type="none" w="sm" len="sm"/>
+            <a:tailEnd type="none" w="sm" len="sm"/>
+          </a:ln>
+        </p:spPr>
+        <p:txBody>
+          <a:bodyPr spcFirstLastPara="1" wrap="square" lIns="91425" tIns="91425" rIns="91425" bIns="91425" anchor="ctr" anchorCtr="0">
+            <a:noAutofit/>
+          </a:bodyPr>
+          <a:lstStyle/>
+          <a:p>
+            <a:pPr marL="0" lvl="0" indent="0" algn="l" rtl="0">
+              <a:spcBef>
+                <a:spcPts val="0"/>
+              </a:spcBef>
+              <a:spcAft>
+                <a:spcPts val="0"/>
+              </a:spcAft>
+              <a:buNone/>
+            </a:pPr>
+            <a:endParaRPr/>
+          </a:p>
+        </p:txBody>
+      </p:sp>
+      <p:sp>
+        <p:nvSpPr>
+          <p:cNvPr id="133" name="Google Shape;133;p6"/>
+          <p:cNvSpPr/>
+          <p:nvPr/>
+        </p:nvSpPr>
+        <p:spPr>
+          <a:xfrm>
+            <a:off x="5839705" y="2899278"/>
+            <a:ext cx="415500" cy="210600"/>
+          </a:xfrm>
+          <a:prstGeom prst="rightArrow">
+            <a:avLst>
+              <a:gd name="adj1" fmla="val 50000"/>
+              <a:gd name="adj2" fmla="val 50000"/>
+            </a:avLst>
+          </a:prstGeom>
+          <a:solidFill>
+            <a:srgbClr val="EEEEEE"/>
+          </a:solidFill>
+          <a:ln w="9525" cap="flat" cmpd="sng">
+            <a:solidFill>
+              <a:srgbClr val="595959"/>
+            </a:solidFill>
+            <a:prstDash val="solid"/>
+            <a:round/>
+            <a:headEnd type="none" w="sm" len="sm"/>
+            <a:tailEnd type="none" w="sm" len="sm"/>
+          </a:ln>
+        </p:spPr>
+        <p:txBody>
+          <a:bodyPr spcFirstLastPara="1" wrap="square" lIns="91425" tIns="91425" rIns="91425" bIns="91425" anchor="ctr" anchorCtr="0">
+            <a:noAutofit/>
+          </a:bodyPr>
+          <a:lstStyle/>
+          <a:p>
+            <a:pPr marL="0" lvl="0" indent="0" algn="l" rtl="0">
+              <a:spcBef>
+                <a:spcPts val="0"/>
+              </a:spcBef>
+              <a:spcAft>
+                <a:spcPts val="0"/>
+              </a:spcAft>
+              <a:buNone/>
+            </a:pPr>
+            <a:endParaRPr/>
+          </a:p>
+        </p:txBody>
+      </p:sp>
+      <p:sp>
+        <p:nvSpPr>
+          <p:cNvPr id="121" name="Google Shape;121;p6"/>
+          <p:cNvSpPr txBox="1">
+            <a:spLocks noGrp="1"/>
+          </p:cNvSpPr>
+          <p:nvPr>
+            <p:ph type="ctrTitle"/>
+          </p:nvPr>
+        </p:nvSpPr>
+        <p:spPr>
+          <a:xfrm>
+            <a:off x="1545266" y="516311"/>
+            <a:ext cx="9144000" cy="876600"/>
+          </a:xfrm>
+          <a:prstGeom prst="rect">
+            <a:avLst/>
+          </a:prstGeom>
+          <a:noFill/>
+          <a:ln>
+            <a:noFill/>
+          </a:ln>
+        </p:spPr>
+        <p:txBody>
+          <a:bodyPr spcFirstLastPara="1" wrap="square" lIns="91425" tIns="45700" rIns="91425" bIns="45700" anchor="b" anchorCtr="0">
+            <a:normAutofit/>
+          </a:bodyPr>
+          <a:lstStyle/>
+          <a:p>
+            <a:pPr marL="0" lvl="0" indent="0" algn="ctr" rtl="0">
+              <a:lnSpc>
+                <a:spcPct val="90000"/>
+              </a:lnSpc>
+              <a:spcBef>
+                <a:spcPts val="0"/>
+              </a:spcBef>
+              <a:spcAft>
+                <a:spcPts val="0"/>
+              </a:spcAft>
+              <a:buClr>
+                <a:schemeClr val="dk1"/>
+              </a:buClr>
+              <a:buSzPts val="6000"/>
+              <a:buFont typeface="Calibri"/>
+              <a:buNone/>
+            </a:pPr>
+            <a:r>
+              <a:rPr lang="en-US" sz="5400"/>
+              <a:t>System Architecture</a:t>
+            </a:r>
+            <a:endParaRPr sz="5400"/>
+          </a:p>
+        </p:txBody>
+      </p:sp>
+      <p:sp>
+        <p:nvSpPr>
+          <p:cNvPr id="122" name="Google Shape;122;p6"/>
+          <p:cNvSpPr/>
+          <p:nvPr/>
+        </p:nvSpPr>
+        <p:spPr>
+          <a:xfrm>
+            <a:off x="2449888" y="1939938"/>
+            <a:ext cx="355348" cy="362191"/>
+          </a:xfrm>
+          <a:prstGeom prst="flowChartMagneticDisk">
+            <a:avLst/>
+          </a:prstGeom>
+          <a:solidFill>
+            <a:srgbClr val="EEEEEE"/>
+          </a:solidFill>
+          <a:ln w="9525" cap="flat" cmpd="sng">
+            <a:solidFill>
+              <a:srgbClr val="595959"/>
+            </a:solidFill>
+            <a:prstDash val="solid"/>
+            <a:round/>
+            <a:headEnd type="none" w="sm" len="sm"/>
+            <a:tailEnd type="none" w="sm" len="sm"/>
+          </a:ln>
+        </p:spPr>
+        <p:txBody>
+          <a:bodyPr spcFirstLastPara="1" wrap="square" lIns="91425" tIns="91425" rIns="91425" bIns="91425" anchor="ctr" anchorCtr="0">
+            <a:noAutofit/>
+          </a:bodyPr>
+          <a:lstStyle/>
+          <a:p>
+            <a:pPr marL="0" lvl="0" indent="0" algn="l" rtl="0">
+              <a:spcBef>
+                <a:spcPts val="0"/>
+              </a:spcBef>
+              <a:spcAft>
+                <a:spcPts val="0"/>
+              </a:spcAft>
+              <a:buNone/>
+            </a:pPr>
+            <a:endParaRPr/>
+          </a:p>
+        </p:txBody>
+      </p:sp>
+      <p:sp>
+        <p:nvSpPr>
+          <p:cNvPr id="123" name="Google Shape;123;p6"/>
+          <p:cNvSpPr txBox="1"/>
+          <p:nvPr/>
+        </p:nvSpPr>
+        <p:spPr>
+          <a:xfrm>
+            <a:off x="2226714" y="2202078"/>
+            <a:ext cx="738300" cy="492600"/>
+          </a:xfrm>
+          <a:prstGeom prst="rect">
+            <a:avLst/>
+          </a:prstGeom>
+          <a:noFill/>
+          <a:ln>
+            <a:noFill/>
+          </a:ln>
+        </p:spPr>
+        <p:txBody>
+          <a:bodyPr spcFirstLastPara="1" wrap="square" lIns="91425" tIns="91425" rIns="91425" bIns="91425" anchor="t" anchorCtr="0">
+            <a:spAutoFit/>
+          </a:bodyPr>
+          <a:lstStyle/>
+          <a:p>
+            <a:pPr marL="0" lvl="0" indent="0" algn="ctr" rtl="0">
+              <a:spcBef>
+                <a:spcPts val="0"/>
+              </a:spcBef>
+              <a:spcAft>
+                <a:spcPts val="0"/>
+              </a:spcAft>
+              <a:buNone/>
+            </a:pPr>
+            <a:r>
+              <a:rPr lang="en-US" sz="1000"/>
+              <a:t>Data Set</a:t>
+            </a:r>
+            <a:endParaRPr sz="1000"/>
+          </a:p>
+          <a:p>
+            <a:pPr marL="0" lvl="0" indent="0" algn="ctr" rtl="0">
+              <a:spcBef>
+                <a:spcPts val="0"/>
+              </a:spcBef>
+              <a:spcAft>
+                <a:spcPts val="0"/>
+              </a:spcAft>
+              <a:buNone/>
+            </a:pPr>
+            <a:endParaRPr sz="1000"/>
+          </a:p>
+        </p:txBody>
+      </p:sp>
+      <p:sp>
+        <p:nvSpPr>
+          <p:cNvPr id="124" name="Google Shape;124;p6"/>
+          <p:cNvSpPr/>
+          <p:nvPr/>
+        </p:nvSpPr>
+        <p:spPr>
+          <a:xfrm>
+            <a:off x="2518062" y="2514562"/>
+            <a:ext cx="219000" cy="231900"/>
+          </a:xfrm>
+          <a:prstGeom prst="downArrow">
+            <a:avLst>
+              <a:gd name="adj1" fmla="val 50000"/>
+              <a:gd name="adj2" fmla="val 50000"/>
+            </a:avLst>
+          </a:prstGeom>
+          <a:solidFill>
+            <a:srgbClr val="EEEEEE"/>
+          </a:solidFill>
+          <a:ln w="9525" cap="flat" cmpd="sng">
+            <a:solidFill>
+              <a:srgbClr val="595959"/>
+            </a:solidFill>
+            <a:prstDash val="solid"/>
+            <a:round/>
+            <a:headEnd type="none" w="sm" len="sm"/>
+            <a:tailEnd type="none" w="sm" len="sm"/>
+          </a:ln>
+        </p:spPr>
+        <p:txBody>
+          <a:bodyPr spcFirstLastPara="1" wrap="square" lIns="91425" tIns="91425" rIns="91425" bIns="91425" anchor="ctr" anchorCtr="0">
+            <a:noAutofit/>
+          </a:bodyPr>
+          <a:lstStyle/>
+          <a:p>
+            <a:pPr marL="0" lvl="0" indent="0" algn="l" rtl="0">
+              <a:spcBef>
+                <a:spcPts val="0"/>
+              </a:spcBef>
+              <a:spcAft>
+                <a:spcPts val="0"/>
+              </a:spcAft>
+              <a:buNone/>
+            </a:pPr>
+            <a:endParaRPr/>
+          </a:p>
+        </p:txBody>
+      </p:sp>
+      <p:sp>
+        <p:nvSpPr>
+          <p:cNvPr id="125" name="Google Shape;125;p6"/>
+          <p:cNvSpPr/>
+          <p:nvPr/>
+        </p:nvSpPr>
+        <p:spPr>
+          <a:xfrm>
+            <a:off x="2117262" y="2746462"/>
+            <a:ext cx="1020600" cy="439500"/>
+          </a:xfrm>
+          <a:prstGeom prst="rect">
+            <a:avLst/>
+          </a:prstGeom>
+          <a:solidFill>
+            <a:srgbClr val="EEEEEE"/>
+          </a:solidFill>
+          <a:ln w="9525" cap="flat" cmpd="sng">
+            <a:solidFill>
+              <a:srgbClr val="595959"/>
+            </a:solidFill>
+            <a:prstDash val="solid"/>
+            <a:round/>
+            <a:headEnd type="none" w="sm" len="sm"/>
+            <a:tailEnd type="none" w="sm" len="sm"/>
+          </a:ln>
+        </p:spPr>
+        <p:txBody>
+          <a:bodyPr spcFirstLastPara="1" wrap="square" lIns="91425" tIns="91425" rIns="91425" bIns="91425" anchor="ctr" anchorCtr="0">
+            <a:noAutofit/>
+          </a:bodyPr>
+          <a:lstStyle/>
+          <a:p>
+            <a:pPr marL="0" lvl="0" indent="0" algn="ctr" rtl="0">
+              <a:spcBef>
+                <a:spcPts val="0"/>
+              </a:spcBef>
+              <a:spcAft>
+                <a:spcPts val="0"/>
+              </a:spcAft>
+              <a:buNone/>
+            </a:pPr>
+            <a:r>
+              <a:rPr lang="en-US" sz="1000"/>
+              <a:t>Dataset Pre processing</a:t>
+            </a:r>
+            <a:endParaRPr sz="1000"/>
+          </a:p>
+          <a:p>
+            <a:pPr marL="0" lvl="0" indent="0" algn="ctr" rtl="0">
+              <a:spcBef>
+                <a:spcPts val="0"/>
+              </a:spcBef>
+              <a:spcAft>
+                <a:spcPts val="0"/>
+              </a:spcAft>
+              <a:buNone/>
+            </a:pPr>
+            <a:endParaRPr sz="1000"/>
+          </a:p>
+        </p:txBody>
+      </p:sp>
+      <p:sp>
+        <p:nvSpPr>
+          <p:cNvPr id="127" name="Google Shape;127;p6"/>
+          <p:cNvSpPr/>
+          <p:nvPr/>
+        </p:nvSpPr>
+        <p:spPr>
+          <a:xfrm>
+            <a:off x="3559264" y="2202077"/>
+            <a:ext cx="2340000" cy="1528200"/>
+          </a:xfrm>
+          <a:prstGeom prst="roundRect">
+            <a:avLst>
+              <a:gd name="adj" fmla="val 16667"/>
+            </a:avLst>
+          </a:prstGeom>
+          <a:solidFill>
+            <a:srgbClr val="EEEEEE"/>
+          </a:solidFill>
+          <a:ln w="9525" cap="flat" cmpd="sng">
+            <a:solidFill>
+              <a:srgbClr val="595959"/>
+            </a:solidFill>
+            <a:prstDash val="solid"/>
+            <a:round/>
+            <a:headEnd type="none" w="sm" len="sm"/>
+            <a:tailEnd type="none" w="sm" len="sm"/>
+          </a:ln>
+        </p:spPr>
+        <p:txBody>
+          <a:bodyPr spcFirstLastPara="1" wrap="square" lIns="91425" tIns="91425" rIns="91425" bIns="91425" anchor="ctr" anchorCtr="0">
+            <a:noAutofit/>
+          </a:bodyPr>
+          <a:lstStyle/>
+          <a:p>
+            <a:pPr marL="0" lvl="0" indent="0" algn="l" rtl="0">
+              <a:spcBef>
+                <a:spcPts val="0"/>
+              </a:spcBef>
+              <a:spcAft>
+                <a:spcPts val="0"/>
+              </a:spcAft>
+              <a:buNone/>
+            </a:pPr>
+            <a:endParaRPr/>
+          </a:p>
+        </p:txBody>
+      </p:sp>
+      <p:sp>
+        <p:nvSpPr>
+          <p:cNvPr id="128" name="Google Shape;128;p6"/>
+          <p:cNvSpPr txBox="1"/>
+          <p:nvPr/>
+        </p:nvSpPr>
+        <p:spPr>
+          <a:xfrm>
+            <a:off x="4263595" y="2202077"/>
+            <a:ext cx="987600" cy="492600"/>
+          </a:xfrm>
+          <a:prstGeom prst="rect">
+            <a:avLst/>
+          </a:prstGeom>
+          <a:noFill/>
+          <a:ln>
+            <a:noFill/>
+          </a:ln>
+        </p:spPr>
+        <p:txBody>
+          <a:bodyPr spcFirstLastPara="1" wrap="square" lIns="91425" tIns="91425" rIns="91425" bIns="91425" anchor="t" anchorCtr="0">
+            <a:spAutoFit/>
+          </a:bodyPr>
+          <a:lstStyle/>
+          <a:p>
+            <a:pPr marL="0" lvl="0" indent="0" algn="ctr" rtl="0">
+              <a:spcBef>
+                <a:spcPts val="0"/>
+              </a:spcBef>
+              <a:spcAft>
+                <a:spcPts val="0"/>
+              </a:spcAft>
+              <a:buNone/>
+            </a:pPr>
+            <a:r>
+              <a:rPr lang="en-US" sz="1000" dirty="0"/>
+              <a:t>Model Building</a:t>
+            </a:r>
+            <a:endParaRPr sz="1000" dirty="0"/>
+          </a:p>
+        </p:txBody>
+      </p:sp>
+      <p:sp>
+        <p:nvSpPr>
+          <p:cNvPr id="129" name="Google Shape;129;p6"/>
+          <p:cNvSpPr/>
+          <p:nvPr/>
+        </p:nvSpPr>
+        <p:spPr>
+          <a:xfrm>
+            <a:off x="3824951" y="2675223"/>
+            <a:ext cx="1808626" cy="658709"/>
+          </a:xfrm>
+          <a:prstGeom prst="rect">
+            <a:avLst/>
+          </a:prstGeom>
+          <a:solidFill>
+            <a:srgbClr val="EEEEEE"/>
+          </a:solidFill>
+          <a:ln w="9525" cap="flat" cmpd="sng">
+            <a:solidFill>
+              <a:srgbClr val="595959"/>
+            </a:solidFill>
+            <a:prstDash val="solid"/>
+            <a:round/>
+            <a:headEnd type="none" w="sm" len="sm"/>
+            <a:tailEnd type="none" w="sm" len="sm"/>
+          </a:ln>
+        </p:spPr>
+        <p:txBody>
+          <a:bodyPr spcFirstLastPara="1" wrap="square" lIns="91425" tIns="91425" rIns="91425" bIns="91425" anchor="ctr" anchorCtr="0">
+            <a:noAutofit/>
+          </a:bodyPr>
+          <a:lstStyle/>
+          <a:p>
+            <a:pPr marL="0" lvl="0" indent="0" algn="ctr" rtl="0">
+              <a:spcBef>
+                <a:spcPts val="0"/>
+              </a:spcBef>
+              <a:spcAft>
+                <a:spcPts val="0"/>
+              </a:spcAft>
+              <a:buNone/>
+            </a:pPr>
+            <a:r>
+              <a:rPr lang="en-US" sz="1000" dirty="0"/>
+              <a:t>K-Nearest-Neighbor</a:t>
+            </a:r>
+            <a:endParaRPr sz="1000" dirty="0"/>
+          </a:p>
+          <a:p>
+            <a:pPr marL="0" lvl="0" indent="0" algn="ctr" rtl="0">
+              <a:spcBef>
+                <a:spcPts val="0"/>
+              </a:spcBef>
+              <a:spcAft>
+                <a:spcPts val="0"/>
+              </a:spcAft>
+              <a:buNone/>
+            </a:pPr>
+            <a:r>
+              <a:rPr lang="en-US" sz="1000" dirty="0"/>
+              <a:t>And</a:t>
+            </a:r>
+          </a:p>
+          <a:p>
+            <a:pPr marL="0" lvl="0" indent="0" algn="ctr" rtl="0">
+              <a:spcBef>
+                <a:spcPts val="0"/>
+              </a:spcBef>
+              <a:spcAft>
+                <a:spcPts val="0"/>
+              </a:spcAft>
+              <a:buNone/>
+            </a:pPr>
+            <a:r>
+              <a:rPr lang="en-US" sz="1000" dirty="0"/>
+              <a:t>Support Vector Classifier</a:t>
+            </a:r>
+            <a:endParaRPr sz="1000" dirty="0"/>
+          </a:p>
+        </p:txBody>
+      </p:sp>
+      <p:sp>
+        <p:nvSpPr>
+          <p:cNvPr id="130" name="Google Shape;130;p6"/>
+          <p:cNvSpPr/>
+          <p:nvPr/>
+        </p:nvSpPr>
+        <p:spPr>
+          <a:xfrm>
+            <a:off x="6277390" y="2393238"/>
+            <a:ext cx="1316400" cy="1595400"/>
+          </a:xfrm>
+          <a:prstGeom prst="downArrowCallout">
+            <a:avLst>
+              <a:gd name="adj1" fmla="val 22234"/>
+              <a:gd name="adj2" fmla="val 25000"/>
+              <a:gd name="adj3" fmla="val 25000"/>
+              <a:gd name="adj4" fmla="val 64977"/>
+            </a:avLst>
+          </a:prstGeom>
+          <a:solidFill>
+            <a:srgbClr val="EEEEEE"/>
+          </a:solidFill>
+          <a:ln w="9525" cap="flat" cmpd="sng">
+            <a:solidFill>
+              <a:srgbClr val="595959"/>
+            </a:solidFill>
+            <a:prstDash val="solid"/>
+            <a:round/>
+            <a:headEnd type="none" w="sm" len="sm"/>
+            <a:tailEnd type="none" w="sm" len="sm"/>
+          </a:ln>
+        </p:spPr>
+        <p:txBody>
+          <a:bodyPr spcFirstLastPara="1" wrap="square" lIns="91425" tIns="91425" rIns="91425" bIns="91425" anchor="ctr" anchorCtr="0">
+            <a:noAutofit/>
+          </a:bodyPr>
+          <a:lstStyle/>
+          <a:p>
+            <a:pPr marL="0" lvl="0" indent="0" algn="ctr" rtl="0">
+              <a:spcBef>
+                <a:spcPts val="0"/>
+              </a:spcBef>
+              <a:spcAft>
+                <a:spcPts val="0"/>
+              </a:spcAft>
+              <a:buNone/>
+            </a:pPr>
+            <a:r>
+              <a:rPr lang="en-US" dirty="0"/>
+              <a:t>Integrate the model with framework</a:t>
+            </a:r>
+            <a:endParaRPr dirty="0"/>
+          </a:p>
+        </p:txBody>
+      </p:sp>
+      <p:sp>
+        <p:nvSpPr>
+          <p:cNvPr id="131" name="Google Shape;131;p6"/>
+          <p:cNvSpPr/>
+          <p:nvPr/>
+        </p:nvSpPr>
+        <p:spPr>
+          <a:xfrm>
+            <a:off x="8022662" y="1605588"/>
+            <a:ext cx="2189100" cy="2916000"/>
+          </a:xfrm>
+          <a:prstGeom prst="rect">
+            <a:avLst/>
+          </a:prstGeom>
+          <a:solidFill>
+            <a:srgbClr val="EEEEEE"/>
+          </a:solidFill>
+          <a:ln w="9525" cap="flat" cmpd="sng">
+            <a:solidFill>
+              <a:srgbClr val="595959"/>
+            </a:solidFill>
+            <a:prstDash val="solid"/>
+            <a:round/>
+            <a:headEnd type="none" w="sm" len="sm"/>
+            <a:tailEnd type="none" w="sm" len="sm"/>
+          </a:ln>
+        </p:spPr>
+        <p:txBody>
+          <a:bodyPr spcFirstLastPara="1" wrap="square" lIns="91425" tIns="91425" rIns="91425" bIns="91425" anchor="t" anchorCtr="0">
+            <a:noAutofit/>
+          </a:bodyPr>
+          <a:lstStyle/>
+          <a:p>
+            <a:pPr marL="0" lvl="0" indent="0" algn="ctr" rtl="0">
+              <a:spcBef>
+                <a:spcPts val="0"/>
+              </a:spcBef>
+              <a:spcAft>
+                <a:spcPts val="0"/>
+              </a:spcAft>
+              <a:buClr>
+                <a:schemeClr val="dk1"/>
+              </a:buClr>
+              <a:buSzPts val="1100"/>
+              <a:buFont typeface="Arial"/>
+              <a:buNone/>
+            </a:pPr>
+            <a:r>
+              <a:rPr lang="en-US" dirty="0">
+                <a:solidFill>
+                  <a:schemeClr val="dk1"/>
+                </a:solidFill>
+              </a:rPr>
+              <a:t>Frontend</a:t>
+            </a:r>
+            <a:endParaRPr dirty="0">
+              <a:solidFill>
+                <a:schemeClr val="dk1"/>
+              </a:solidFill>
+            </a:endParaRPr>
+          </a:p>
+          <a:p>
+            <a:pPr marL="0" lvl="0" indent="0" algn="ctr" rtl="0">
+              <a:spcBef>
+                <a:spcPts val="0"/>
+              </a:spcBef>
+              <a:spcAft>
+                <a:spcPts val="0"/>
+              </a:spcAft>
+              <a:buNone/>
+            </a:pPr>
+            <a:endParaRPr dirty="0"/>
+          </a:p>
+        </p:txBody>
+      </p:sp>
+      <p:sp>
+        <p:nvSpPr>
+          <p:cNvPr id="132" name="Google Shape;132;p6"/>
+          <p:cNvSpPr/>
+          <p:nvPr/>
+        </p:nvSpPr>
+        <p:spPr>
+          <a:xfrm>
+            <a:off x="6087940" y="3988638"/>
+            <a:ext cx="1695300" cy="1065900"/>
+          </a:xfrm>
+          <a:prstGeom prst="roundRect">
+            <a:avLst>
+              <a:gd name="adj" fmla="val 16667"/>
+            </a:avLst>
+          </a:prstGeom>
+          <a:solidFill>
+            <a:srgbClr val="EEEEEE"/>
+          </a:solidFill>
+          <a:ln w="9525" cap="flat" cmpd="sng">
+            <a:solidFill>
+              <a:srgbClr val="595959"/>
+            </a:solidFill>
+            <a:prstDash val="solid"/>
+            <a:round/>
+            <a:headEnd type="none" w="sm" len="sm"/>
+            <a:tailEnd type="none" w="sm" len="sm"/>
+          </a:ln>
+        </p:spPr>
+        <p:txBody>
+          <a:bodyPr spcFirstLastPara="1" wrap="square" lIns="91425" tIns="91425" rIns="91425" bIns="91425" anchor="ctr" anchorCtr="0">
+            <a:noAutofit/>
+          </a:bodyPr>
+          <a:lstStyle/>
+          <a:p>
+            <a:pPr marL="0" lvl="0" indent="0" algn="ctr" rtl="0">
+              <a:spcBef>
+                <a:spcPts val="0"/>
+              </a:spcBef>
+              <a:spcAft>
+                <a:spcPts val="0"/>
+              </a:spcAft>
+              <a:buNone/>
+            </a:pPr>
+            <a:r>
+              <a:rPr lang="en-US" dirty="0"/>
+              <a:t>Deploy</a:t>
+            </a:r>
+            <a:endParaRPr dirty="0"/>
+          </a:p>
+        </p:txBody>
+      </p:sp>
+      <p:sp>
+        <p:nvSpPr>
+          <p:cNvPr id="134" name="Google Shape;134;p6"/>
+          <p:cNvSpPr/>
+          <p:nvPr/>
+        </p:nvSpPr>
+        <p:spPr>
+          <a:xfrm flipH="1">
+            <a:off x="7611254" y="3085638"/>
+            <a:ext cx="415500" cy="210600"/>
+          </a:xfrm>
+          <a:prstGeom prst="rightArrow">
+            <a:avLst>
+              <a:gd name="adj1" fmla="val 50000"/>
+              <a:gd name="adj2" fmla="val 50000"/>
+            </a:avLst>
+          </a:prstGeom>
+          <a:solidFill>
+            <a:srgbClr val="EEEEEE"/>
+          </a:solidFill>
+          <a:ln w="9525" cap="flat" cmpd="sng">
+            <a:solidFill>
+              <a:srgbClr val="595959"/>
+            </a:solidFill>
+            <a:prstDash val="solid"/>
+            <a:round/>
+            <a:headEnd type="none" w="sm" len="sm"/>
+            <a:tailEnd type="none" w="sm" len="sm"/>
+          </a:ln>
+        </p:spPr>
+        <p:txBody>
+          <a:bodyPr spcFirstLastPara="1" wrap="square" lIns="91425" tIns="91425" rIns="91425" bIns="91425" anchor="ctr" anchorCtr="0">
+            <a:noAutofit/>
+          </a:bodyPr>
+          <a:lstStyle/>
+          <a:p>
+            <a:pPr marL="0" lvl="0" indent="0" algn="l" rtl="0">
+              <a:spcBef>
+                <a:spcPts val="0"/>
+              </a:spcBef>
+              <a:spcAft>
+                <a:spcPts val="0"/>
+              </a:spcAft>
+              <a:buNone/>
+            </a:pPr>
+            <a:endParaRPr/>
+          </a:p>
+        </p:txBody>
+      </p:sp>
+      <p:sp>
+        <p:nvSpPr>
+          <p:cNvPr id="135" name="Google Shape;135;p6"/>
+          <p:cNvSpPr/>
+          <p:nvPr/>
+        </p:nvSpPr>
+        <p:spPr>
+          <a:xfrm>
+            <a:off x="8166512" y="2907745"/>
+            <a:ext cx="1901400" cy="570300"/>
+          </a:xfrm>
+          <a:prstGeom prst="rect">
+            <a:avLst/>
+          </a:prstGeom>
+          <a:solidFill>
+            <a:schemeClr val="lt2"/>
+          </a:solidFill>
+          <a:ln w="9525" cap="flat" cmpd="sng">
+            <a:solidFill>
+              <a:schemeClr val="dk2"/>
+            </a:solidFill>
+            <a:prstDash val="solid"/>
+            <a:round/>
+            <a:headEnd type="none" w="sm" len="sm"/>
+            <a:tailEnd type="none" w="sm" len="sm"/>
+          </a:ln>
+        </p:spPr>
+        <p:txBody>
+          <a:bodyPr spcFirstLastPara="1" wrap="square" lIns="91425" tIns="91425" rIns="91425" bIns="91425" anchor="ctr" anchorCtr="0">
+            <a:noAutofit/>
+          </a:bodyPr>
+          <a:lstStyle/>
+          <a:p>
+            <a:pPr marL="0" lvl="0" indent="0" algn="ctr" rtl="0">
+              <a:spcBef>
+                <a:spcPts val="0"/>
+              </a:spcBef>
+              <a:spcAft>
+                <a:spcPts val="0"/>
+              </a:spcAft>
+              <a:buNone/>
+            </a:pPr>
+            <a:r>
+              <a:rPr lang="en-US">
+                <a:solidFill>
+                  <a:schemeClr val="dk1"/>
+                </a:solidFill>
+              </a:rPr>
+              <a:t>Web Communication</a:t>
+            </a:r>
+            <a:endParaRPr/>
+          </a:p>
+        </p:txBody>
+      </p:sp>
+      <p:sp>
+        <p:nvSpPr>
+          <p:cNvPr id="136" name="Google Shape;136;p6"/>
+          <p:cNvSpPr/>
+          <p:nvPr/>
+        </p:nvSpPr>
+        <p:spPr>
+          <a:xfrm>
+            <a:off x="8166500" y="1939938"/>
+            <a:ext cx="1901400" cy="570300"/>
+          </a:xfrm>
+          <a:prstGeom prst="rect">
+            <a:avLst/>
+          </a:prstGeom>
+          <a:solidFill>
+            <a:schemeClr val="lt2"/>
+          </a:solidFill>
+          <a:ln w="9525" cap="flat" cmpd="sng">
+            <a:solidFill>
+              <a:schemeClr val="dk2"/>
+            </a:solidFill>
+            <a:prstDash val="solid"/>
+            <a:round/>
+            <a:headEnd type="none" w="sm" len="sm"/>
+            <a:tailEnd type="none" w="sm" len="sm"/>
+          </a:ln>
+        </p:spPr>
+        <p:txBody>
+          <a:bodyPr spcFirstLastPara="1" wrap="square" lIns="91425" tIns="91425" rIns="91425" bIns="91425" anchor="ctr" anchorCtr="0">
+            <a:noAutofit/>
+          </a:bodyPr>
+          <a:lstStyle/>
+          <a:p>
+            <a:pPr marL="0" lvl="0" indent="0" algn="ctr" rtl="0">
+              <a:spcBef>
+                <a:spcPts val="0"/>
+              </a:spcBef>
+              <a:spcAft>
+                <a:spcPts val="0"/>
+              </a:spcAft>
+              <a:buNone/>
+            </a:pPr>
+            <a:r>
+              <a:rPr lang="en-US" dirty="0">
+                <a:solidFill>
+                  <a:schemeClr val="dk1"/>
+                </a:solidFill>
+              </a:rPr>
+              <a:t>Camera</a:t>
+            </a:r>
+            <a:endParaRPr dirty="0"/>
+          </a:p>
+        </p:txBody>
+      </p:sp>
+      <p:sp>
+        <p:nvSpPr>
+          <p:cNvPr id="137" name="Google Shape;137;p6"/>
+          <p:cNvSpPr/>
+          <p:nvPr/>
+        </p:nvSpPr>
+        <p:spPr>
+          <a:xfrm rot="-5400000" flipH="1">
+            <a:off x="8909450" y="2607925"/>
+            <a:ext cx="415500" cy="210600"/>
+          </a:xfrm>
+          <a:prstGeom prst="rightArrow">
+            <a:avLst>
+              <a:gd name="adj1" fmla="val 50000"/>
+              <a:gd name="adj2" fmla="val 50000"/>
+            </a:avLst>
+          </a:prstGeom>
+          <a:solidFill>
+            <a:srgbClr val="EEEEEE"/>
+          </a:solidFill>
+          <a:ln w="9525" cap="flat" cmpd="sng">
+            <a:solidFill>
+              <a:srgbClr val="595959"/>
+            </a:solidFill>
+            <a:prstDash val="solid"/>
+            <a:round/>
+            <a:headEnd type="none" w="sm" len="sm"/>
+            <a:tailEnd type="none" w="sm" len="sm"/>
+          </a:ln>
+        </p:spPr>
+        <p:txBody>
+          <a:bodyPr spcFirstLastPara="1" wrap="square" lIns="91425" tIns="91425" rIns="91425" bIns="91425" anchor="ctr" anchorCtr="0">
+            <a:noAutofit/>
+          </a:bodyPr>
+          <a:lstStyle/>
+          <a:p>
+            <a:pPr marL="0" lvl="0" indent="0" algn="l" rtl="0">
+              <a:spcBef>
+                <a:spcPts val="0"/>
+              </a:spcBef>
+              <a:spcAft>
+                <a:spcPts val="0"/>
+              </a:spcAft>
+              <a:buNone/>
+            </a:pPr>
+            <a:endParaRPr/>
+          </a:p>
+        </p:txBody>
+      </p:sp>
+    </p:spTree>
+  </p:cSld>
+  <p:clrMapOvr>
+    <a:masterClrMapping/>
+  </p:clrMapOvr>
+</p:sld>
+</file>
+
+<file path=ppt/slides/slide13.xml><?xml version="1.0" encoding="utf-8"?>
+<p:sld xmlns:a="http://schemas.openxmlformats.org/drawingml/2006/main" xmlns:r="http://schemas.openxmlformats.org/officeDocument/2006/relationships" xmlns:p="http://schemas.openxmlformats.org/presentationml/2006/main">
+  <p:cSld>
+    <p:spTree>
+      <p:nvGrpSpPr>
         <p:cNvPr id="1" name="Shape 141"/>
         <p:cNvGrpSpPr/>
         <p:nvPr/>
@@ -15295,10 +16609,6 @@
           </p:nvPr>
         </p:nvSpPr>
         <p:spPr>
-          <a:xfrm>
-            <a:off x="838200" y="450189"/>
-            <a:ext cx="10515600" cy="1006471"/>
-          </a:xfrm>
           <a:prstGeom prst="rect">
             <a:avLst/>
           </a:prstGeom>
@@ -15334,14 +16644,579 @@
           </a:p>
         </p:txBody>
       </p:sp>
+      <p:sp>
+        <p:nvSpPr>
+          <p:cNvPr id="3" name="Text Placeholder 2">
+            <a:extLst>
+              <a:ext uri="{FF2B5EF4-FFF2-40B4-BE49-F238E27FC236}">
+                <a16:creationId xmlns:a16="http://schemas.microsoft.com/office/drawing/2014/main" id="{710E5B3E-73CF-F2C4-D20A-9CC87E4AE92A}"/>
+              </a:ext>
+            </a:extLst>
+          </p:cNvPr>
+          <p:cNvSpPr>
+            <a:spLocks noGrp="1"/>
+          </p:cNvSpPr>
+          <p:nvPr>
+            <p:ph type="body" idx="1"/>
+          </p:nvPr>
+        </p:nvSpPr>
+        <p:spPr/>
+        <p:txBody>
+          <a:bodyPr>
+            <a:normAutofit/>
+          </a:bodyPr>
+          <a:lstStyle/>
+          <a:p>
+            <a:pPr marL="114300" indent="0" algn="just" rtl="0">
+              <a:spcBef>
+                <a:spcPts val="0"/>
+              </a:spcBef>
+              <a:spcAft>
+                <a:spcPts val="0"/>
+              </a:spcAft>
+              <a:buNone/>
+            </a:pPr>
+            <a:r>
+              <a:rPr lang="en-US" sz="2000" b="1" dirty="0"/>
+              <a:t>Data Collection :</a:t>
+            </a:r>
+          </a:p>
+          <a:p>
+            <a:pPr marL="114300" indent="0" algn="just" rtl="0">
+              <a:spcBef>
+                <a:spcPts val="0"/>
+              </a:spcBef>
+              <a:spcAft>
+                <a:spcPts val="0"/>
+              </a:spcAft>
+              <a:buNone/>
+            </a:pPr>
+            <a:endParaRPr lang="en-US" sz="2000" b="1" dirty="0"/>
+          </a:p>
+          <a:p>
+            <a:pPr marL="114300" indent="0" algn="just" rtl="0">
+              <a:spcBef>
+                <a:spcPts val="0"/>
+              </a:spcBef>
+              <a:spcAft>
+                <a:spcPts val="0"/>
+              </a:spcAft>
+              <a:buNone/>
+            </a:pPr>
+            <a:r>
+              <a:rPr lang="en-US" sz="2000" b="1" dirty="0"/>
+              <a:t>	</a:t>
+            </a:r>
+            <a:r>
+              <a:rPr lang="en-US" sz="2000" dirty="0"/>
+              <a:t>This is the first step for creating an unbiased model. The quality of the dataset is as important as the quantity of the dataset, as bias can be induced easily. The crucial part of data collection is feature selection, involves choosing the most relevant features from the preprocessed data. This is important because using irrelevant or redundant features can negatively impact the performance of the machine learning models. Techniques such as correlation analysis, mutual information, and recursive feature elimination can be used for feature selection.</a:t>
+            </a:r>
+          </a:p>
+          <a:p>
+            <a:pPr marL="114300" indent="0" algn="just" rtl="0">
+              <a:spcBef>
+                <a:spcPts val="0"/>
+              </a:spcBef>
+              <a:spcAft>
+                <a:spcPts val="0"/>
+              </a:spcAft>
+              <a:buNone/>
+            </a:pPr>
+            <a:endParaRPr lang="en-US" sz="2000" dirty="0"/>
+          </a:p>
+          <a:p>
+            <a:pPr marL="114300" indent="0" algn="just">
+              <a:spcBef>
+                <a:spcPts val="0"/>
+              </a:spcBef>
+              <a:buNone/>
+            </a:pPr>
+            <a:r>
+              <a:rPr lang="en-US" sz="2000" b="1" u="none" strike="noStrike" cap="none" dirty="0"/>
+              <a:t>Data Pre-processing :</a:t>
+            </a:r>
+          </a:p>
+          <a:p>
+            <a:pPr marL="114300" indent="0" algn="just">
+              <a:spcBef>
+                <a:spcPts val="0"/>
+              </a:spcBef>
+              <a:buNone/>
+            </a:pPr>
+            <a:endParaRPr lang="en-US" sz="2000" b="1" u="none" strike="noStrike" cap="none" dirty="0"/>
+          </a:p>
+          <a:p>
+            <a:pPr marL="114300" indent="0" algn="just" rtl="0">
+              <a:spcBef>
+                <a:spcPts val="0"/>
+              </a:spcBef>
+              <a:spcAft>
+                <a:spcPts val="0"/>
+              </a:spcAft>
+              <a:buNone/>
+            </a:pPr>
+            <a:r>
+              <a:rPr lang="en-US" sz="2000" dirty="0"/>
+              <a:t>	This involves cleaning, normalizing, and transforming the raw data to make it suitable for analysis. The main techniques used in data preprocessing are data cleaning, data transformation, and feature engineering. This step helps to improve the accuracy of the model which we are training. This process is done in order to remove redundancy and in appropriate data.</a:t>
+            </a:r>
+          </a:p>
+          <a:p>
+            <a:pPr marL="114300" indent="0" algn="just" rtl="0">
+              <a:spcBef>
+                <a:spcPts val="0"/>
+              </a:spcBef>
+              <a:spcAft>
+                <a:spcPts val="0"/>
+              </a:spcAft>
+              <a:buNone/>
+            </a:pPr>
+            <a:endParaRPr lang="en-US" sz="2000" dirty="0"/>
+          </a:p>
+          <a:p>
+            <a:pPr marL="114300" indent="0" algn="just" rtl="0">
+              <a:spcBef>
+                <a:spcPts val="0"/>
+              </a:spcBef>
+              <a:spcAft>
+                <a:spcPts val="0"/>
+              </a:spcAft>
+              <a:buNone/>
+            </a:pPr>
+            <a:endParaRPr lang="en-US" sz="2000" dirty="0"/>
+          </a:p>
+          <a:p>
+            <a:pPr marL="114300" indent="0" algn="just" rtl="0">
+              <a:spcBef>
+                <a:spcPts val="0"/>
+              </a:spcBef>
+              <a:spcAft>
+                <a:spcPts val="0"/>
+              </a:spcAft>
+              <a:buNone/>
+            </a:pPr>
+            <a:endParaRPr lang="en-US" sz="2000" dirty="0"/>
+          </a:p>
+        </p:txBody>
+      </p:sp>
+    </p:spTree>
+  </p:cSld>
+  <p:clrMapOvr>
+    <a:masterClrMapping/>
+  </p:clrMapOvr>
+</p:sld>
+</file>
+
+<file path=ppt/slides/slide14.xml><?xml version="1.0" encoding="utf-8"?>
+<p:sld xmlns:a="http://schemas.openxmlformats.org/drawingml/2006/main" xmlns:r="http://schemas.openxmlformats.org/officeDocument/2006/relationships" xmlns:p="http://schemas.openxmlformats.org/presentationml/2006/main">
+  <p:cSld>
+    <p:spTree>
+      <p:nvGrpSpPr>
+        <p:cNvPr id="1" name=""/>
+        <p:cNvGrpSpPr/>
+        <p:nvPr/>
+      </p:nvGrpSpPr>
+      <p:grpSpPr>
+        <a:xfrm>
+          <a:off x="0" y="0"/>
+          <a:ext cx="0" cy="0"/>
+          <a:chOff x="0" y="0"/>
+          <a:chExt cx="0" cy="0"/>
+        </a:xfrm>
+      </p:grpSpPr>
+      <p:sp>
+        <p:nvSpPr>
+          <p:cNvPr id="3" name="Text Placeholder 2">
+            <a:extLst>
+              <a:ext uri="{FF2B5EF4-FFF2-40B4-BE49-F238E27FC236}">
+                <a16:creationId xmlns:a16="http://schemas.microsoft.com/office/drawing/2014/main" id="{F579E5BC-1814-F416-020D-04762778275B}"/>
+              </a:ext>
+            </a:extLst>
+          </p:cNvPr>
+          <p:cNvSpPr>
+            <a:spLocks noGrp="1"/>
+          </p:cNvSpPr>
+          <p:nvPr>
+            <p:ph type="body" idx="1"/>
+          </p:nvPr>
+        </p:nvSpPr>
+        <p:spPr>
+          <a:xfrm>
+            <a:off x="838200" y="1253331"/>
+            <a:ext cx="10515600" cy="4351338"/>
+          </a:xfrm>
+        </p:spPr>
+        <p:txBody>
+          <a:bodyPr>
+            <a:normAutofit/>
+          </a:bodyPr>
+          <a:lstStyle/>
+          <a:p>
+            <a:pPr marL="114300" indent="0" algn="just" rtl="0">
+              <a:spcBef>
+                <a:spcPts val="0"/>
+              </a:spcBef>
+              <a:spcAft>
+                <a:spcPts val="0"/>
+              </a:spcAft>
+              <a:buNone/>
+            </a:pPr>
+            <a:r>
+              <a:rPr lang="en-US" sz="2000" b="1" dirty="0"/>
+              <a:t>Model Building :</a:t>
+            </a:r>
+          </a:p>
+          <a:p>
+            <a:pPr marL="114300" indent="0" algn="just" rtl="0">
+              <a:spcBef>
+                <a:spcPts val="0"/>
+              </a:spcBef>
+              <a:spcAft>
+                <a:spcPts val="0"/>
+              </a:spcAft>
+              <a:buNone/>
+            </a:pPr>
+            <a:r>
+              <a:rPr lang="en-US" sz="2000" b="1" dirty="0"/>
+              <a:t>	</a:t>
+            </a:r>
+          </a:p>
+          <a:p>
+            <a:pPr marL="114300" indent="0" algn="just" rtl="0">
+              <a:spcBef>
+                <a:spcPts val="0"/>
+              </a:spcBef>
+              <a:spcAft>
+                <a:spcPts val="0"/>
+              </a:spcAft>
+              <a:buNone/>
+            </a:pPr>
+            <a:r>
+              <a:rPr lang="en-US" sz="2000" b="1" dirty="0"/>
+              <a:t>	</a:t>
+            </a:r>
+            <a:r>
+              <a:rPr lang="en-US" sz="2000" dirty="0"/>
+              <a:t>In this module the main part is choosing the appropriate algorithm for finding the fake currency from the properties of the image which is given. For our project we have concluded to use K-Nearest Neighbor algorithm to detect the fake currency, as KNN algorithm keep adding new data to the dataset, the prediction is adjusted without having to retrain a new model. So It is easy to keep the model </a:t>
+            </a:r>
+            <a:r>
+              <a:rPr lang="en-US" sz="2000" dirty="0" err="1"/>
+              <a:t>upto</a:t>
+            </a:r>
+            <a:r>
+              <a:rPr lang="en-US" sz="2000" dirty="0"/>
+              <a:t> date.</a:t>
+            </a:r>
+          </a:p>
+          <a:p>
+            <a:pPr marL="114300" indent="0" algn="just" rtl="0">
+              <a:spcBef>
+                <a:spcPts val="0"/>
+              </a:spcBef>
+              <a:spcAft>
+                <a:spcPts val="0"/>
+              </a:spcAft>
+              <a:buNone/>
+            </a:pPr>
+            <a:endParaRPr lang="en-US" sz="2000" dirty="0"/>
+          </a:p>
+          <a:p>
+            <a:pPr marL="114300" indent="0" algn="just">
+              <a:spcBef>
+                <a:spcPts val="0"/>
+              </a:spcBef>
+              <a:buNone/>
+            </a:pPr>
+            <a:r>
+              <a:rPr lang="en-US" sz="2000" b="1" u="none" strike="noStrike" cap="none" dirty="0"/>
+              <a:t>Training and Testing :</a:t>
+            </a:r>
+          </a:p>
+          <a:p>
+            <a:pPr marL="114300" indent="0" algn="just">
+              <a:spcBef>
+                <a:spcPts val="0"/>
+              </a:spcBef>
+              <a:buNone/>
+            </a:pPr>
+            <a:endParaRPr lang="en-US" sz="2000" b="1" u="none" strike="noStrike" cap="none" dirty="0"/>
+          </a:p>
+          <a:p>
+            <a:pPr marL="114300" indent="0" algn="just" rtl="0">
+              <a:spcBef>
+                <a:spcPts val="0"/>
+              </a:spcBef>
+              <a:spcAft>
+                <a:spcPts val="0"/>
+              </a:spcAft>
+              <a:buNone/>
+            </a:pPr>
+            <a:r>
+              <a:rPr lang="en-US" sz="2000" dirty="0"/>
+              <a:t>	This process involves many iteration of model training with the data which we have cleaned in the previous steps until the model stabilizes and produces accurate results. Testing is the process of evaluating these results to obtain a unbiased model. If the model is biased the data set should be normalized properly.</a:t>
+            </a:r>
+          </a:p>
+          <a:p>
+            <a:pPr marL="114300" indent="0" algn="just" rtl="0">
+              <a:spcBef>
+                <a:spcPts val="0"/>
+              </a:spcBef>
+              <a:spcAft>
+                <a:spcPts val="0"/>
+              </a:spcAft>
+              <a:buNone/>
+            </a:pPr>
+            <a:endParaRPr lang="en-US" sz="2000" dirty="0"/>
+          </a:p>
+          <a:p>
+            <a:pPr marL="114300" indent="0" algn="just" rtl="0">
+              <a:spcBef>
+                <a:spcPts val="0"/>
+              </a:spcBef>
+              <a:spcAft>
+                <a:spcPts val="0"/>
+              </a:spcAft>
+              <a:buNone/>
+            </a:pPr>
+            <a:endParaRPr lang="en-US" sz="2000" dirty="0"/>
+          </a:p>
+          <a:p>
+            <a:pPr marL="114300" indent="0">
+              <a:buNone/>
+            </a:pPr>
+            <a:endParaRPr lang="en-IN" sz="2000" dirty="0"/>
+          </a:p>
+        </p:txBody>
+      </p:sp>
+    </p:spTree>
+    <p:extLst>
+      <p:ext uri="{BB962C8B-B14F-4D97-AF65-F5344CB8AC3E}">
+        <p14:creationId xmlns:p14="http://schemas.microsoft.com/office/powerpoint/2010/main" val="3509316191"/>
+      </p:ext>
+    </p:extLst>
+  </p:cSld>
+  <p:clrMapOvr>
+    <a:masterClrMapping/>
+  </p:clrMapOvr>
+</p:sld>
+</file>
+
+<file path=ppt/slides/slide15.xml><?xml version="1.0" encoding="utf-8"?>
+<p:sld xmlns:a="http://schemas.openxmlformats.org/drawingml/2006/main" xmlns:r="http://schemas.openxmlformats.org/officeDocument/2006/relationships" xmlns:p="http://schemas.openxmlformats.org/presentationml/2006/main">
+  <p:cSld>
+    <p:spTree>
+      <p:nvGrpSpPr>
+        <p:cNvPr id="1" name=""/>
+        <p:cNvGrpSpPr/>
+        <p:nvPr/>
+      </p:nvGrpSpPr>
+      <p:grpSpPr>
+        <a:xfrm>
+          <a:off x="0" y="0"/>
+          <a:ext cx="0" cy="0"/>
+          <a:chOff x="0" y="0"/>
+          <a:chExt cx="0" cy="0"/>
+        </a:xfrm>
+      </p:grpSpPr>
+      <p:sp>
+        <p:nvSpPr>
+          <p:cNvPr id="3" name="Text Placeholder 2">
+            <a:extLst>
+              <a:ext uri="{FF2B5EF4-FFF2-40B4-BE49-F238E27FC236}">
+                <a16:creationId xmlns:a16="http://schemas.microsoft.com/office/drawing/2014/main" id="{C762B07A-03FB-8B5E-5309-740A118CFACA}"/>
+              </a:ext>
+            </a:extLst>
+          </p:cNvPr>
+          <p:cNvSpPr>
+            <a:spLocks noGrp="1"/>
+          </p:cNvSpPr>
+          <p:nvPr>
+            <p:ph type="body" idx="1"/>
+          </p:nvPr>
+        </p:nvSpPr>
+        <p:spPr>
+          <a:xfrm>
+            <a:off x="838200" y="1253331"/>
+            <a:ext cx="10515600" cy="4351338"/>
+          </a:xfrm>
+        </p:spPr>
+        <p:txBody>
+          <a:bodyPr>
+            <a:normAutofit/>
+          </a:bodyPr>
+          <a:lstStyle/>
+          <a:p>
+            <a:pPr marL="114300" indent="0" algn="just" rtl="0">
+              <a:spcBef>
+                <a:spcPts val="0"/>
+              </a:spcBef>
+              <a:spcAft>
+                <a:spcPts val="0"/>
+              </a:spcAft>
+              <a:buNone/>
+            </a:pPr>
+            <a:r>
+              <a:rPr lang="en-US" sz="2000" b="1" dirty="0"/>
+              <a:t>App building :</a:t>
+            </a:r>
+          </a:p>
+          <a:p>
+            <a:pPr marL="114300" indent="0" algn="just" rtl="0">
+              <a:spcBef>
+                <a:spcPts val="0"/>
+              </a:spcBef>
+              <a:spcAft>
+                <a:spcPts val="0"/>
+              </a:spcAft>
+              <a:buNone/>
+            </a:pPr>
+            <a:r>
+              <a:rPr lang="en-US" sz="2000" b="1" dirty="0"/>
+              <a:t>	</a:t>
+            </a:r>
+          </a:p>
+          <a:p>
+            <a:pPr marL="114300" indent="0" algn="just" rtl="0">
+              <a:spcBef>
+                <a:spcPts val="0"/>
+              </a:spcBef>
+              <a:spcAft>
+                <a:spcPts val="0"/>
+              </a:spcAft>
+              <a:buNone/>
+            </a:pPr>
+            <a:r>
+              <a:rPr lang="en-US" sz="2000" b="1" dirty="0"/>
+              <a:t>	</a:t>
+            </a:r>
+            <a:r>
+              <a:rPr lang="en-US" sz="2000" dirty="0"/>
+              <a:t>In this step the model which we have built is integrated with the mobile application with the help of Application programmable interface, and the application is tested for any errors which may occur due to communication failure.</a:t>
+            </a:r>
+          </a:p>
+          <a:p>
+            <a:pPr marL="114300" indent="0" algn="just" rtl="0">
+              <a:spcBef>
+                <a:spcPts val="0"/>
+              </a:spcBef>
+              <a:spcAft>
+                <a:spcPts val="0"/>
+              </a:spcAft>
+              <a:buNone/>
+            </a:pPr>
+            <a:endParaRPr lang="en-US" sz="2000" dirty="0"/>
+          </a:p>
+          <a:p>
+            <a:pPr marL="114300" indent="0" algn="just">
+              <a:spcBef>
+                <a:spcPts val="0"/>
+              </a:spcBef>
+              <a:buNone/>
+            </a:pPr>
+            <a:r>
+              <a:rPr lang="en-US" sz="2000" b="1" u="none" strike="noStrike" cap="none" dirty="0"/>
+              <a:t>Deploy the app :</a:t>
+            </a:r>
+          </a:p>
+          <a:p>
+            <a:pPr marL="114300" indent="0" algn="just">
+              <a:spcBef>
+                <a:spcPts val="0"/>
+              </a:spcBef>
+              <a:buNone/>
+            </a:pPr>
+            <a:endParaRPr lang="en-US" sz="2000" b="1" u="none" strike="noStrike" cap="none" dirty="0"/>
+          </a:p>
+          <a:p>
+            <a:pPr marL="114300" indent="0" algn="just" rtl="0">
+              <a:spcBef>
+                <a:spcPts val="0"/>
+              </a:spcBef>
+              <a:spcAft>
+                <a:spcPts val="0"/>
+              </a:spcAft>
+              <a:buNone/>
+            </a:pPr>
+            <a:r>
+              <a:rPr lang="en-US" sz="2000" dirty="0"/>
+              <a:t>	This is the final step which is to deploy the application in the web.</a:t>
+            </a:r>
+          </a:p>
+          <a:p>
+            <a:pPr marL="114300" indent="0" algn="just" rtl="0">
+              <a:spcBef>
+                <a:spcPts val="0"/>
+              </a:spcBef>
+              <a:spcAft>
+                <a:spcPts val="0"/>
+              </a:spcAft>
+              <a:buNone/>
+            </a:pPr>
+            <a:endParaRPr lang="en-US" sz="2000" dirty="0"/>
+          </a:p>
+          <a:p>
+            <a:pPr marL="114300" indent="0">
+              <a:buNone/>
+            </a:pPr>
+            <a:endParaRPr lang="en-IN" sz="2000" dirty="0"/>
+          </a:p>
+          <a:p>
+            <a:pPr marL="114300" indent="0">
+              <a:buNone/>
+            </a:pPr>
+            <a:endParaRPr lang="en-IN" sz="2000" dirty="0"/>
+          </a:p>
+        </p:txBody>
+      </p:sp>
+    </p:spTree>
+    <p:extLst>
+      <p:ext uri="{BB962C8B-B14F-4D97-AF65-F5344CB8AC3E}">
+        <p14:creationId xmlns:p14="http://schemas.microsoft.com/office/powerpoint/2010/main" val="3230230545"/>
+      </p:ext>
+    </p:extLst>
+  </p:cSld>
+  <p:clrMapOvr>
+    <a:masterClrMapping/>
+  </p:clrMapOvr>
+</p:sld>
+</file>
+
+<file path=ppt/slides/slide16.xml><?xml version="1.0" encoding="utf-8"?>
+<p:sld xmlns:a="http://schemas.openxmlformats.org/drawingml/2006/main" xmlns:r="http://schemas.openxmlformats.org/officeDocument/2006/relationships" xmlns:p="http://schemas.openxmlformats.org/presentationml/2006/main">
+  <p:cSld>
+    <p:spTree>
+      <p:nvGrpSpPr>
+        <p:cNvPr id="1" name=""/>
+        <p:cNvGrpSpPr/>
+        <p:nvPr/>
+      </p:nvGrpSpPr>
+      <p:grpSpPr>
+        <a:xfrm>
+          <a:off x="0" y="0"/>
+          <a:ext cx="0" cy="0"/>
+          <a:chOff x="0" y="0"/>
+          <a:chExt cx="0" cy="0"/>
+        </a:xfrm>
+      </p:grpSpPr>
       <p:graphicFrame>
         <p:nvGraphicFramePr>
-          <p:cNvPr id="143" name="Google Shape;143;p23"/>
+          <p:cNvPr id="4" name="Google Shape;143;p23">
+            <a:extLst>
+              <a:ext uri="{FF2B5EF4-FFF2-40B4-BE49-F238E27FC236}">
+                <a16:creationId xmlns:a16="http://schemas.microsoft.com/office/drawing/2014/main" id="{493CADA2-EEBB-D25F-14EB-AFD06A80459A}"/>
+              </a:ext>
+            </a:extLst>
+          </p:cNvPr>
           <p:cNvGraphicFramePr/>
-          <p:nvPr/>
+          <p:nvPr>
+            <p:extLst>
+              <p:ext uri="{D42A27DB-BD31-4B8C-83A1-F6EECF244321}">
+                <p14:modId xmlns:p14="http://schemas.microsoft.com/office/powerpoint/2010/main" val="95032293"/>
+              </p:ext>
+            </p:extLst>
+          </p:nvPr>
         </p:nvGraphicFramePr>
         <p:xfrm>
-          <a:off x="1020721" y="1731275"/>
+          <a:off x="977300" y="1265720"/>
           <a:ext cx="10237400" cy="4326560"/>
         </p:xfrm>
         <a:graphic>
@@ -15400,14 +17275,14 @@
                         <a:buNone/>
                       </a:pPr>
                       <a:r>
-                        <a:rPr lang="en-US" sz="1800" b="1" u="none" strike="noStrike" cap="none">
+                        <a:rPr lang="en-US" sz="1800" b="1" u="none" strike="noStrike" cap="none" dirty="0">
                           <a:solidFill>
                             <a:schemeClr val="dk1"/>
                           </a:solidFill>
                         </a:rPr>
-                        <a:t>Sprint</a:t>
+                        <a:t>Modules</a:t>
                       </a:r>
-                      <a:endParaRPr sz="1800" b="1" u="none" strike="noStrike" cap="none">
+                      <a:endParaRPr sz="1800" b="1" u="none" strike="noStrike" cap="none" dirty="0">
                         <a:solidFill>
                           <a:schemeClr val="dk1"/>
                         </a:solidFill>
@@ -15514,14 +17389,14 @@
                         <a:buNone/>
                       </a:pPr>
                       <a:r>
-                        <a:rPr lang="en-US" sz="1800" u="none" strike="noStrike" cap="none">
+                        <a:rPr lang="en-US" sz="1800" u="none" strike="noStrike" cap="none" dirty="0">
                           <a:solidFill>
                             <a:schemeClr val="dk1"/>
                           </a:solidFill>
                         </a:rPr>
                         <a:t>Start Date</a:t>
                       </a:r>
-                      <a:endParaRPr sz="1800" u="none" strike="noStrike" cap="none">
+                      <a:endParaRPr sz="1800" u="none" strike="noStrike" cap="none" dirty="0">
                         <a:solidFill>
                           <a:schemeClr val="dk1"/>
                         </a:solidFill>
@@ -15559,10 +17434,10 @@
                         <a:buNone/>
                       </a:pPr>
                       <a:r>
-                        <a:rPr lang="en-US" sz="1800"/>
+                        <a:rPr lang="en-US" sz="1800" dirty="0"/>
                         <a:t>Module 1</a:t>
                       </a:r>
-                      <a:endParaRPr sz="1800" u="none" strike="noStrike" cap="none"/>
+                      <a:endParaRPr sz="1800" u="none" strike="noStrike" cap="none" dirty="0"/>
                     </a:p>
                   </a:txBody>
                   <a:tcPr marL="91450" marR="91450" marT="45725" marB="45725" anchor="ctr">
@@ -15589,10 +17464,10 @@
                         <a:buNone/>
                       </a:pPr>
                       <a:r>
-                        <a:rPr lang="en-US" sz="1800" u="none" strike="noStrike" cap="none"/>
+                        <a:rPr lang="en-US" sz="1800" u="none" strike="noStrike" cap="none" dirty="0"/>
                         <a:t>Data collection</a:t>
                       </a:r>
-                      <a:endParaRPr sz="1800" u="none" strike="noStrike" cap="none"/>
+                      <a:endParaRPr sz="1800" u="none" strike="noStrike" cap="none" dirty="0"/>
                     </a:p>
                     <a:p>
                       <a:pPr marL="0" marR="0" lvl="0" indent="0" algn="l" rtl="0">
@@ -15608,10 +17483,10 @@
                         <a:buNone/>
                       </a:pPr>
                       <a:r>
-                        <a:rPr lang="en-US" sz="1800"/>
+                        <a:rPr lang="en-US" sz="1800" dirty="0"/>
                         <a:t>(Currency Notes)</a:t>
                       </a:r>
-                      <a:endParaRPr sz="1800" u="none" strike="noStrike" cap="none"/>
+                      <a:endParaRPr sz="1800" u="none" strike="noStrike" cap="none" dirty="0"/>
                     </a:p>
                   </a:txBody>
                   <a:tcPr marL="91450" marR="91450" marT="45725" marB="45725" anchor="ctr">
@@ -15638,14 +17513,14 @@
                         <a:buNone/>
                       </a:pPr>
                       <a:r>
-                        <a:rPr lang="en-US" sz="1600" u="none" strike="noStrike" cap="none"/>
+                        <a:rPr lang="en-US" sz="1600" u="none" strike="noStrike" cap="none" dirty="0"/>
                         <a:t>Collecting raw images of </a:t>
                       </a:r>
                       <a:r>
-                        <a:rPr lang="en-US" sz="1600"/>
+                        <a:rPr lang="en-US" sz="1600" dirty="0"/>
                         <a:t>currency notes</a:t>
                       </a:r>
-                      <a:endParaRPr sz="1800" u="none" strike="noStrike" cap="none"/>
+                      <a:endParaRPr sz="1800" u="none" strike="noStrike" cap="none" dirty="0"/>
                     </a:p>
                   </a:txBody>
                   <a:tcPr marL="91450" marR="91450" marT="45725" marB="45725" anchor="ctr">
@@ -15743,10 +17618,10 @@
                         <a:buNone/>
                       </a:pPr>
                       <a:r>
-                        <a:rPr lang="en-US" sz="1800" u="none" strike="noStrike" cap="none"/>
-                        <a:t>Processing images</a:t>
+                        <a:rPr lang="en-US" sz="1800" u="none" strike="noStrike" cap="none" dirty="0"/>
+                        <a:t>Data Pre -processing</a:t>
                       </a:r>
-                      <a:endParaRPr sz="1800" u="none" strike="noStrike" cap="none"/>
+                      <a:endParaRPr sz="1800" u="none" strike="noStrike" cap="none" dirty="0"/>
                     </a:p>
                   </a:txBody>
                   <a:tcPr marL="91450" marR="91450" marT="45725" marB="45725" anchor="ctr">
@@ -15773,10 +17648,10 @@
                         <a:buNone/>
                       </a:pPr>
                       <a:r>
-                        <a:rPr lang="en-US" sz="1600" u="none" strike="noStrike" cap="none"/>
-                        <a:t>Scaling the images for effective utilization</a:t>
+                        <a:rPr lang="en-US" sz="1600" u="none" strike="noStrike" cap="none" dirty="0"/>
+                        <a:t>Scaling the data for effective utilization</a:t>
                       </a:r>
-                      <a:endParaRPr sz="1600" u="none" strike="noStrike" cap="none"/>
+                      <a:endParaRPr sz="1600" u="none" strike="noStrike" cap="none" dirty="0"/>
                     </a:p>
                   </a:txBody>
                   <a:tcPr marL="91450" marR="91450" marT="45725" marB="45725" anchor="ctr">
@@ -15840,14 +17715,14 @@
                         <a:buNone/>
                       </a:pPr>
                       <a:r>
-                        <a:rPr lang="en-US" sz="1800"/>
+                        <a:rPr lang="en-US" sz="1800" dirty="0"/>
                         <a:t>Module </a:t>
                       </a:r>
                       <a:r>
-                        <a:rPr lang="en-US" sz="1800" u="none" strike="noStrike" cap="none"/>
+                        <a:rPr lang="en-US" sz="1800" u="none" strike="noStrike" cap="none" dirty="0"/>
                         <a:t>3</a:t>
                       </a:r>
-                      <a:endParaRPr sz="1800" u="none" strike="noStrike" cap="none"/>
+                      <a:endParaRPr sz="1800" u="none" strike="noStrike" cap="none" dirty="0"/>
                     </a:p>
                   </a:txBody>
                   <a:tcPr marL="91450" marR="91450" marT="45725" marB="45725" anchor="ctr">
@@ -15874,10 +17749,10 @@
                         <a:buNone/>
                       </a:pPr>
                       <a:r>
-                        <a:rPr lang="en-US" sz="1800" u="none" strike="noStrike" cap="none"/>
+                        <a:rPr lang="en-US" sz="1800" u="none" strike="noStrike" cap="none" dirty="0"/>
                         <a:t>Model building</a:t>
                       </a:r>
-                      <a:endParaRPr sz="1800" u="none" strike="noStrike" cap="none"/>
+                      <a:endParaRPr sz="1800" u="none" strike="noStrike" cap="none" dirty="0"/>
                     </a:p>
                   </a:txBody>
                   <a:tcPr marL="91450" marR="91450" marT="45725" marB="45725" anchor="ctr">
@@ -15904,10 +17779,10 @@
                         <a:buNone/>
                       </a:pPr>
                       <a:r>
-                        <a:rPr lang="en-US" sz="1600" u="none" strike="noStrike" cap="none"/>
+                        <a:rPr lang="en-US" sz="1600" u="none" strike="noStrike" cap="none" dirty="0"/>
                         <a:t>Choosing the best model for better accuracy</a:t>
                       </a:r>
-                      <a:endParaRPr sz="1600" u="none" strike="noStrike" cap="none"/>
+                      <a:endParaRPr sz="1600" u="none" strike="noStrike" cap="none" dirty="0"/>
                     </a:p>
                   </a:txBody>
                   <a:tcPr marL="91450" marR="91450" marT="45725" marB="45725" anchor="ctr">
@@ -16005,10 +17880,10 @@
                         <a:buNone/>
                       </a:pPr>
                       <a:r>
-                        <a:rPr lang="en-US" sz="1800" u="none" strike="noStrike" cap="none"/>
+                        <a:rPr lang="en-US" sz="1800" u="none" strike="noStrike" cap="none" dirty="0"/>
                         <a:t>Training &amp; Testing</a:t>
                       </a:r>
-                      <a:endParaRPr sz="1800" u="none" strike="noStrike" cap="none"/>
+                      <a:endParaRPr sz="1800" u="none" strike="noStrike" cap="none" dirty="0"/>
                     </a:p>
                   </a:txBody>
                   <a:tcPr marL="91450" marR="91450" marT="45725" marB="45725" anchor="ctr">
@@ -16035,10 +17910,10 @@
                         <a:buNone/>
                       </a:pPr>
                       <a:r>
-                        <a:rPr lang="en-US" sz="1600" u="none" strike="noStrike" cap="none"/>
+                        <a:rPr lang="en-US" sz="1600" u="none" strike="noStrike" cap="none" dirty="0"/>
                         <a:t>Model will be trained and tested numerous times</a:t>
                       </a:r>
-                      <a:endParaRPr sz="1600" u="none" strike="noStrike" cap="none"/>
+                      <a:endParaRPr sz="1600" u="none" strike="noStrike" cap="none" dirty="0"/>
                     </a:p>
                   </a:txBody>
                   <a:tcPr marL="91450" marR="91450" marT="45725" marB="45725" anchor="ctr">
@@ -16102,14 +17977,14 @@
                         <a:buNone/>
                       </a:pPr>
                       <a:r>
-                        <a:rPr lang="en-US" sz="1800"/>
+                        <a:rPr lang="en-US" sz="1800" dirty="0"/>
                         <a:t>Module </a:t>
                       </a:r>
                       <a:r>
-                        <a:rPr lang="en-US" sz="1800" u="none" strike="noStrike" cap="none"/>
+                        <a:rPr lang="en-US" sz="1800" u="none" strike="noStrike" cap="none" dirty="0"/>
                         <a:t>5</a:t>
                       </a:r>
-                      <a:endParaRPr sz="1800" u="none" strike="noStrike" cap="none"/>
+                      <a:endParaRPr sz="1800" u="none" strike="noStrike" cap="none" dirty="0"/>
                     </a:p>
                   </a:txBody>
                   <a:tcPr marL="91450" marR="91450" marT="45725" marB="45725" anchor="ctr">
@@ -16136,10 +18011,10 @@
                         <a:buNone/>
                       </a:pPr>
                       <a:r>
-                        <a:rPr lang="en-US" sz="1800" u="none" strike="noStrike" cap="none"/>
+                        <a:rPr lang="en-US" sz="1800" u="none" strike="noStrike" cap="none" dirty="0"/>
                         <a:t>App building</a:t>
                       </a:r>
-                      <a:endParaRPr sz="1800" u="none" strike="noStrike" cap="none"/>
+                      <a:endParaRPr sz="1800" u="none" strike="noStrike" cap="none" dirty="0"/>
                     </a:p>
                   </a:txBody>
                   <a:tcPr marL="91450" marR="91450" marT="45725" marB="45725" anchor="ctr">
@@ -16166,10 +18041,10 @@
                         <a:buNone/>
                       </a:pPr>
                       <a:r>
-                        <a:rPr lang="en-US" sz="1600" u="none" strike="noStrike" cap="none"/>
+                        <a:rPr lang="en-US" sz="1600" u="none" strike="noStrike" cap="none" dirty="0"/>
                         <a:t>Integrating the model with the mobile application</a:t>
                       </a:r>
-                      <a:endParaRPr sz="1600" u="none" strike="noStrike" cap="none"/>
+                      <a:endParaRPr sz="1600" u="none" strike="noStrike" cap="none" dirty="0"/>
                     </a:p>
                   </a:txBody>
                   <a:tcPr marL="91450" marR="91450" marT="45725" marB="45725" anchor="ctr">
@@ -16233,14 +18108,14 @@
                         <a:buNone/>
                       </a:pPr>
                       <a:r>
-                        <a:rPr lang="en-US" sz="1800"/>
+                        <a:rPr lang="en-US" sz="1800" dirty="0"/>
                         <a:t>Module </a:t>
                       </a:r>
                       <a:r>
-                        <a:rPr lang="en-US" sz="1800" u="none" strike="noStrike" cap="none"/>
+                        <a:rPr lang="en-US" sz="1800" u="none" strike="noStrike" cap="none" dirty="0"/>
                         <a:t>6</a:t>
                       </a:r>
-                      <a:endParaRPr sz="1800" u="none" strike="noStrike" cap="none"/>
+                      <a:endParaRPr sz="1800" u="none" strike="noStrike" cap="none" dirty="0"/>
                     </a:p>
                   </a:txBody>
                   <a:tcPr marL="91450" marR="91450" marT="45725" marB="45725" anchor="ctr">
@@ -16267,10 +18142,10 @@
                         <a:buNone/>
                       </a:pPr>
                       <a:r>
-                        <a:rPr lang="en-US" sz="1800" u="none" strike="noStrike" cap="none"/>
-                        <a:t>Deploy the web app</a:t>
+                        <a:rPr lang="en-US" sz="1800" u="none" strike="noStrike" cap="none" dirty="0"/>
+                        <a:t>Deploy the app</a:t>
                       </a:r>
-                      <a:endParaRPr sz="1800" u="none" strike="noStrike" cap="none"/>
+                      <a:endParaRPr sz="1800" u="none" strike="noStrike" cap="none" dirty="0"/>
                     </a:p>
                   </a:txBody>
                   <a:tcPr marL="91450" marR="91450" marT="45725" marB="45725" anchor="ctr">
@@ -16297,10 +18172,10 @@
                         <a:buNone/>
                       </a:pPr>
                       <a:r>
-                        <a:rPr lang="en-US" sz="1600" u="none" strike="noStrike" cap="none"/>
+                        <a:rPr lang="en-US" sz="1600" u="none" strike="noStrike" cap="none" dirty="0"/>
                         <a:t>Making the model available to the users through a application</a:t>
                       </a:r>
-                      <a:endParaRPr sz="1600" u="none" strike="noStrike" cap="none"/>
+                      <a:endParaRPr sz="1600" u="none" strike="noStrike" cap="none" dirty="0"/>
                     </a:p>
                   </a:txBody>
                   <a:tcPr marL="91450" marR="91450" marT="45725" marB="45725" anchor="ctr">
@@ -16327,10 +18202,10 @@
                         <a:buNone/>
                       </a:pPr>
                       <a:r>
-                        <a:rPr lang="en-US" sz="1800" u="none" strike="noStrike" cap="none"/>
+                        <a:rPr lang="en-US" sz="1800" u="none" strike="noStrike" cap="none" dirty="0"/>
                         <a:t>31/03/2023</a:t>
                       </a:r>
-                      <a:endParaRPr sz="1800" u="none" strike="noStrike" cap="none"/>
+                      <a:endParaRPr sz="1800" u="none" strike="noStrike" cap="none" dirty="0"/>
                     </a:p>
                   </a:txBody>
                   <a:tcPr marL="91450" marR="91450" marT="45725" marB="45725" anchor="ctr">
@@ -16350,6 +18225,11 @@
         </a:graphic>
       </p:graphicFrame>
     </p:spTree>
+    <p:extLst>
+      <p:ext uri="{BB962C8B-B14F-4D97-AF65-F5344CB8AC3E}">
+        <p14:creationId xmlns:p14="http://schemas.microsoft.com/office/powerpoint/2010/main" val="1660083507"/>
+      </p:ext>
+    </p:extLst>
   </p:cSld>
   <p:clrMapOvr>
     <a:masterClrMapping/>
@@ -16357,7 +18237,7 @@
 </p:sld>
 </file>
 
-<file path=ppt/slides/slide11.xml><?xml version="1.0" encoding="utf-8"?>
+<file path=ppt/slides/slide17.xml><?xml version="1.0" encoding="utf-8"?>
 <p:sld xmlns:a="http://schemas.openxmlformats.org/drawingml/2006/main" xmlns:r="http://schemas.openxmlformats.org/officeDocument/2006/relationships" xmlns:p="http://schemas.openxmlformats.org/presentationml/2006/main">
   <p:cSld>
     <p:spTree>
@@ -16376,299 +18256,10 @@
       </p:grpSpPr>
       <p:sp>
         <p:nvSpPr>
-          <p:cNvPr id="6" name="Google Shape;142;p23">
-            <a:extLst>
-              <a:ext uri="{FF2B5EF4-FFF2-40B4-BE49-F238E27FC236}">
-                <a16:creationId xmlns:a16="http://schemas.microsoft.com/office/drawing/2014/main" id="{1D50E1F9-0F64-AFB4-9177-09555FA95BA4}"/>
-              </a:ext>
-            </a:extLst>
-          </p:cNvPr>
-          <p:cNvSpPr txBox="1">
-            <a:spLocks/>
-          </p:cNvSpPr>
-          <p:nvPr/>
-        </p:nvSpPr>
-        <p:spPr>
-          <a:xfrm>
-            <a:off x="838200" y="450189"/>
-            <a:ext cx="10515600" cy="1006471"/>
-          </a:xfrm>
-          <a:prstGeom prst="rect">
-            <a:avLst/>
-          </a:prstGeom>
-          <a:noFill/>
-          <a:ln>
-            <a:noFill/>
-          </a:ln>
-        </p:spPr>
-        <p:txBody>
-          <a:bodyPr spcFirstLastPara="1" wrap="square" lIns="91425" tIns="45700" rIns="91425" bIns="45700" anchor="ctr" anchorCtr="0">
-            <a:normAutofit/>
-          </a:bodyPr>
-          <a:lstStyle>
-            <a:defPPr marR="0" lvl="0" algn="l" rtl="0">
-              <a:lnSpc>
-                <a:spcPct val="100000"/>
-              </a:lnSpc>
-              <a:spcBef>
-                <a:spcPts val="0"/>
-              </a:spcBef>
-              <a:spcAft>
-                <a:spcPts val="0"/>
-              </a:spcAft>
-            </a:defPPr>
-            <a:lvl1pPr marR="0" lvl="0" algn="ctr" rtl="0">
-              <a:lnSpc>
-                <a:spcPct val="90000"/>
-              </a:lnSpc>
-              <a:spcBef>
-                <a:spcPts val="0"/>
-              </a:spcBef>
-              <a:spcAft>
-                <a:spcPts val="0"/>
-              </a:spcAft>
-              <a:buClr>
-                <a:schemeClr val="dk1"/>
-              </a:buClr>
-              <a:buSzPts val="6000"/>
-              <a:buFont typeface="Calibri"/>
-              <a:buNone/>
-              <a:defRPr sz="6000" b="0" i="0" u="none" strike="noStrike" cap="none">
-                <a:solidFill>
-                  <a:schemeClr val="dk1"/>
-                </a:solidFill>
-                <a:latin typeface="Calibri"/>
-                <a:ea typeface="Calibri"/>
-                <a:cs typeface="Calibri"/>
-                <a:sym typeface="Calibri"/>
-              </a:defRPr>
-            </a:lvl1pPr>
-            <a:lvl2pPr marR="0" lvl="1" algn="l" rtl="0">
-              <a:lnSpc>
-                <a:spcPct val="100000"/>
-              </a:lnSpc>
-              <a:spcBef>
-                <a:spcPts val="0"/>
-              </a:spcBef>
-              <a:spcAft>
-                <a:spcPts val="0"/>
-              </a:spcAft>
-              <a:buClr>
-                <a:srgbClr val="000000"/>
-              </a:buClr>
-              <a:buSzPts val="1400"/>
-              <a:buFont typeface="Arial"/>
-              <a:buNone/>
-              <a:defRPr sz="1800" b="0" i="0" u="none" strike="noStrike" cap="none">
-                <a:solidFill>
-                  <a:srgbClr val="000000"/>
-                </a:solidFill>
-                <a:latin typeface="Arial"/>
-                <a:ea typeface="Arial"/>
-                <a:cs typeface="Arial"/>
-                <a:sym typeface="Arial"/>
-              </a:defRPr>
-            </a:lvl2pPr>
-            <a:lvl3pPr marR="0" lvl="2" algn="l" rtl="0">
-              <a:lnSpc>
-                <a:spcPct val="100000"/>
-              </a:lnSpc>
-              <a:spcBef>
-                <a:spcPts val="0"/>
-              </a:spcBef>
-              <a:spcAft>
-                <a:spcPts val="0"/>
-              </a:spcAft>
-              <a:buClr>
-                <a:srgbClr val="000000"/>
-              </a:buClr>
-              <a:buSzPts val="1400"/>
-              <a:buFont typeface="Arial"/>
-              <a:buNone/>
-              <a:defRPr sz="1800" b="0" i="0" u="none" strike="noStrike" cap="none">
-                <a:solidFill>
-                  <a:srgbClr val="000000"/>
-                </a:solidFill>
-                <a:latin typeface="Arial"/>
-                <a:ea typeface="Arial"/>
-                <a:cs typeface="Arial"/>
-                <a:sym typeface="Arial"/>
-              </a:defRPr>
-            </a:lvl3pPr>
-            <a:lvl4pPr marR="0" lvl="3" algn="l" rtl="0">
-              <a:lnSpc>
-                <a:spcPct val="100000"/>
-              </a:lnSpc>
-              <a:spcBef>
-                <a:spcPts val="0"/>
-              </a:spcBef>
-              <a:spcAft>
-                <a:spcPts val="0"/>
-              </a:spcAft>
-              <a:buClr>
-                <a:srgbClr val="000000"/>
-              </a:buClr>
-              <a:buSzPts val="1400"/>
-              <a:buFont typeface="Arial"/>
-              <a:buNone/>
-              <a:defRPr sz="1800" b="0" i="0" u="none" strike="noStrike" cap="none">
-                <a:solidFill>
-                  <a:srgbClr val="000000"/>
-                </a:solidFill>
-                <a:latin typeface="Arial"/>
-                <a:ea typeface="Arial"/>
-                <a:cs typeface="Arial"/>
-                <a:sym typeface="Arial"/>
-              </a:defRPr>
-            </a:lvl4pPr>
-            <a:lvl5pPr marR="0" lvl="4" algn="l" rtl="0">
-              <a:lnSpc>
-                <a:spcPct val="100000"/>
-              </a:lnSpc>
-              <a:spcBef>
-                <a:spcPts val="0"/>
-              </a:spcBef>
-              <a:spcAft>
-                <a:spcPts val="0"/>
-              </a:spcAft>
-              <a:buClr>
-                <a:srgbClr val="000000"/>
-              </a:buClr>
-              <a:buSzPts val="1400"/>
-              <a:buFont typeface="Arial"/>
-              <a:buNone/>
-              <a:defRPr sz="1800" b="0" i="0" u="none" strike="noStrike" cap="none">
-                <a:solidFill>
-                  <a:srgbClr val="000000"/>
-                </a:solidFill>
-                <a:latin typeface="Arial"/>
-                <a:ea typeface="Arial"/>
-                <a:cs typeface="Arial"/>
-                <a:sym typeface="Arial"/>
-              </a:defRPr>
-            </a:lvl5pPr>
-            <a:lvl6pPr marR="0" lvl="5" algn="l" rtl="0">
-              <a:lnSpc>
-                <a:spcPct val="100000"/>
-              </a:lnSpc>
-              <a:spcBef>
-                <a:spcPts val="0"/>
-              </a:spcBef>
-              <a:spcAft>
-                <a:spcPts val="0"/>
-              </a:spcAft>
-              <a:buClr>
-                <a:srgbClr val="000000"/>
-              </a:buClr>
-              <a:buSzPts val="1400"/>
-              <a:buFont typeface="Arial"/>
-              <a:buNone/>
-              <a:defRPr sz="1800" b="0" i="0" u="none" strike="noStrike" cap="none">
-                <a:solidFill>
-                  <a:srgbClr val="000000"/>
-                </a:solidFill>
-                <a:latin typeface="Arial"/>
-                <a:ea typeface="Arial"/>
-                <a:cs typeface="Arial"/>
-                <a:sym typeface="Arial"/>
-              </a:defRPr>
-            </a:lvl6pPr>
-            <a:lvl7pPr marR="0" lvl="6" algn="l" rtl="0">
-              <a:lnSpc>
-                <a:spcPct val="100000"/>
-              </a:lnSpc>
-              <a:spcBef>
-                <a:spcPts val="0"/>
-              </a:spcBef>
-              <a:spcAft>
-                <a:spcPts val="0"/>
-              </a:spcAft>
-              <a:buClr>
-                <a:srgbClr val="000000"/>
-              </a:buClr>
-              <a:buSzPts val="1400"/>
-              <a:buFont typeface="Arial"/>
-              <a:buNone/>
-              <a:defRPr sz="1800" b="0" i="0" u="none" strike="noStrike" cap="none">
-                <a:solidFill>
-                  <a:srgbClr val="000000"/>
-                </a:solidFill>
-                <a:latin typeface="Arial"/>
-                <a:ea typeface="Arial"/>
-                <a:cs typeface="Arial"/>
-                <a:sym typeface="Arial"/>
-              </a:defRPr>
-            </a:lvl7pPr>
-            <a:lvl8pPr marR="0" lvl="7" algn="l" rtl="0">
-              <a:lnSpc>
-                <a:spcPct val="100000"/>
-              </a:lnSpc>
-              <a:spcBef>
-                <a:spcPts val="0"/>
-              </a:spcBef>
-              <a:spcAft>
-                <a:spcPts val="0"/>
-              </a:spcAft>
-              <a:buClr>
-                <a:srgbClr val="000000"/>
-              </a:buClr>
-              <a:buSzPts val="1400"/>
-              <a:buFont typeface="Arial"/>
-              <a:buNone/>
-              <a:defRPr sz="1800" b="0" i="0" u="none" strike="noStrike" cap="none">
-                <a:solidFill>
-                  <a:srgbClr val="000000"/>
-                </a:solidFill>
-                <a:latin typeface="Arial"/>
-                <a:ea typeface="Arial"/>
-                <a:cs typeface="Arial"/>
-                <a:sym typeface="Arial"/>
-              </a:defRPr>
-            </a:lvl8pPr>
-            <a:lvl9pPr marR="0" lvl="8" algn="l" rtl="0">
-              <a:lnSpc>
-                <a:spcPct val="100000"/>
-              </a:lnSpc>
-              <a:spcBef>
-                <a:spcPts val="0"/>
-              </a:spcBef>
-              <a:spcAft>
-                <a:spcPts val="0"/>
-              </a:spcAft>
-              <a:buClr>
-                <a:srgbClr val="000000"/>
-              </a:buClr>
-              <a:buSzPts val="1400"/>
-              <a:buFont typeface="Arial"/>
-              <a:buNone/>
-              <a:defRPr sz="1800" b="0" i="0" u="none" strike="noStrike" cap="none">
-                <a:solidFill>
-                  <a:srgbClr val="000000"/>
-                </a:solidFill>
-                <a:latin typeface="Arial"/>
-                <a:ea typeface="Arial"/>
-                <a:cs typeface="Arial"/>
-                <a:sym typeface="Arial"/>
-              </a:defRPr>
-            </a:lvl9pPr>
-          </a:lstStyle>
-          <a:p>
-            <a:pPr>
-              <a:buSzPts val="1800"/>
-            </a:pPr>
-            <a:r>
-              <a:rPr lang="en-US" sz="5400" dirty="0"/>
-              <a:t>Percentage of work completed</a:t>
-            </a:r>
-          </a:p>
-        </p:txBody>
-      </p:sp>
-      <p:sp>
-        <p:nvSpPr>
           <p:cNvPr id="3" name="Text Placeholder 2">
             <a:extLst>
               <a:ext uri="{FF2B5EF4-FFF2-40B4-BE49-F238E27FC236}">
-                <a16:creationId xmlns:a16="http://schemas.microsoft.com/office/drawing/2014/main" id="{7B8D1F30-9C63-B832-965E-C3AB64DC6A07}"/>
+                <a16:creationId xmlns:a16="http://schemas.microsoft.com/office/drawing/2014/main" id="{E5CBA071-6E75-1673-E8F5-F467EB45CB86}"/>
               </a:ext>
             </a:extLst>
           </p:cNvPr>
@@ -16679,7 +18270,12 @@
             <p:ph type="body" idx="1"/>
           </p:nvPr>
         </p:nvSpPr>
-        <p:spPr/>
+        <p:spPr>
+          <a:xfrm>
+            <a:off x="838200" y="1724025"/>
+            <a:ext cx="10515600" cy="4351338"/>
+          </a:xfrm>
+        </p:spPr>
         <p:txBody>
           <a:bodyPr/>
           <a:lstStyle/>
@@ -16757,10 +18353,299 @@
           </a:p>
         </p:txBody>
       </p:sp>
+      <p:sp>
+        <p:nvSpPr>
+          <p:cNvPr id="7" name="Google Shape;142;p23">
+            <a:extLst>
+              <a:ext uri="{FF2B5EF4-FFF2-40B4-BE49-F238E27FC236}">
+                <a16:creationId xmlns:a16="http://schemas.microsoft.com/office/drawing/2014/main" id="{D2175C00-593E-C16D-0994-ED883FB7BA16}"/>
+              </a:ext>
+            </a:extLst>
+          </p:cNvPr>
+          <p:cNvSpPr txBox="1">
+            <a:spLocks/>
+          </p:cNvSpPr>
+          <p:nvPr/>
+        </p:nvSpPr>
+        <p:spPr>
+          <a:xfrm>
+            <a:off x="838200" y="450189"/>
+            <a:ext cx="10515600" cy="1006471"/>
+          </a:xfrm>
+          <a:prstGeom prst="rect">
+            <a:avLst/>
+          </a:prstGeom>
+          <a:noFill/>
+          <a:ln>
+            <a:noFill/>
+          </a:ln>
+        </p:spPr>
+        <p:txBody>
+          <a:bodyPr spcFirstLastPara="1" wrap="square" lIns="91425" tIns="45700" rIns="91425" bIns="45700" anchor="ctr" anchorCtr="0">
+            <a:normAutofit/>
+          </a:bodyPr>
+          <a:lstStyle>
+            <a:defPPr marR="0" lvl="0" algn="l" rtl="0">
+              <a:lnSpc>
+                <a:spcPct val="100000"/>
+              </a:lnSpc>
+              <a:spcBef>
+                <a:spcPts val="0"/>
+              </a:spcBef>
+              <a:spcAft>
+                <a:spcPts val="0"/>
+              </a:spcAft>
+            </a:defPPr>
+            <a:lvl1pPr marR="0" lvl="0" algn="ctr" rtl="0">
+              <a:lnSpc>
+                <a:spcPct val="90000"/>
+              </a:lnSpc>
+              <a:spcBef>
+                <a:spcPts val="0"/>
+              </a:spcBef>
+              <a:spcAft>
+                <a:spcPts val="0"/>
+              </a:spcAft>
+              <a:buClr>
+                <a:schemeClr val="dk1"/>
+              </a:buClr>
+              <a:buSzPts val="6000"/>
+              <a:buFont typeface="Calibri"/>
+              <a:buNone/>
+              <a:defRPr sz="6000" b="0" i="0" u="none" strike="noStrike" cap="none">
+                <a:solidFill>
+                  <a:schemeClr val="dk1"/>
+                </a:solidFill>
+                <a:latin typeface="Calibri"/>
+                <a:ea typeface="Calibri"/>
+                <a:cs typeface="Calibri"/>
+                <a:sym typeface="Calibri"/>
+              </a:defRPr>
+            </a:lvl1pPr>
+            <a:lvl2pPr marR="0" lvl="1" algn="l" rtl="0">
+              <a:lnSpc>
+                <a:spcPct val="100000"/>
+              </a:lnSpc>
+              <a:spcBef>
+                <a:spcPts val="0"/>
+              </a:spcBef>
+              <a:spcAft>
+                <a:spcPts val="0"/>
+              </a:spcAft>
+              <a:buClr>
+                <a:srgbClr val="000000"/>
+              </a:buClr>
+              <a:buSzPts val="1400"/>
+              <a:buFont typeface="Arial"/>
+              <a:buNone/>
+              <a:defRPr sz="1800" b="0" i="0" u="none" strike="noStrike" cap="none">
+                <a:solidFill>
+                  <a:srgbClr val="000000"/>
+                </a:solidFill>
+                <a:latin typeface="Arial"/>
+                <a:ea typeface="Arial"/>
+                <a:cs typeface="Arial"/>
+                <a:sym typeface="Arial"/>
+              </a:defRPr>
+            </a:lvl2pPr>
+            <a:lvl3pPr marR="0" lvl="2" algn="l" rtl="0">
+              <a:lnSpc>
+                <a:spcPct val="100000"/>
+              </a:lnSpc>
+              <a:spcBef>
+                <a:spcPts val="0"/>
+              </a:spcBef>
+              <a:spcAft>
+                <a:spcPts val="0"/>
+              </a:spcAft>
+              <a:buClr>
+                <a:srgbClr val="000000"/>
+              </a:buClr>
+              <a:buSzPts val="1400"/>
+              <a:buFont typeface="Arial"/>
+              <a:buNone/>
+              <a:defRPr sz="1800" b="0" i="0" u="none" strike="noStrike" cap="none">
+                <a:solidFill>
+                  <a:srgbClr val="000000"/>
+                </a:solidFill>
+                <a:latin typeface="Arial"/>
+                <a:ea typeface="Arial"/>
+                <a:cs typeface="Arial"/>
+                <a:sym typeface="Arial"/>
+              </a:defRPr>
+            </a:lvl3pPr>
+            <a:lvl4pPr marR="0" lvl="3" algn="l" rtl="0">
+              <a:lnSpc>
+                <a:spcPct val="100000"/>
+              </a:lnSpc>
+              <a:spcBef>
+                <a:spcPts val="0"/>
+              </a:spcBef>
+              <a:spcAft>
+                <a:spcPts val="0"/>
+              </a:spcAft>
+              <a:buClr>
+                <a:srgbClr val="000000"/>
+              </a:buClr>
+              <a:buSzPts val="1400"/>
+              <a:buFont typeface="Arial"/>
+              <a:buNone/>
+              <a:defRPr sz="1800" b="0" i="0" u="none" strike="noStrike" cap="none">
+                <a:solidFill>
+                  <a:srgbClr val="000000"/>
+                </a:solidFill>
+                <a:latin typeface="Arial"/>
+                <a:ea typeface="Arial"/>
+                <a:cs typeface="Arial"/>
+                <a:sym typeface="Arial"/>
+              </a:defRPr>
+            </a:lvl4pPr>
+            <a:lvl5pPr marR="0" lvl="4" algn="l" rtl="0">
+              <a:lnSpc>
+                <a:spcPct val="100000"/>
+              </a:lnSpc>
+              <a:spcBef>
+                <a:spcPts val="0"/>
+              </a:spcBef>
+              <a:spcAft>
+                <a:spcPts val="0"/>
+              </a:spcAft>
+              <a:buClr>
+                <a:srgbClr val="000000"/>
+              </a:buClr>
+              <a:buSzPts val="1400"/>
+              <a:buFont typeface="Arial"/>
+              <a:buNone/>
+              <a:defRPr sz="1800" b="0" i="0" u="none" strike="noStrike" cap="none">
+                <a:solidFill>
+                  <a:srgbClr val="000000"/>
+                </a:solidFill>
+                <a:latin typeface="Arial"/>
+                <a:ea typeface="Arial"/>
+                <a:cs typeface="Arial"/>
+                <a:sym typeface="Arial"/>
+              </a:defRPr>
+            </a:lvl5pPr>
+            <a:lvl6pPr marR="0" lvl="5" algn="l" rtl="0">
+              <a:lnSpc>
+                <a:spcPct val="100000"/>
+              </a:lnSpc>
+              <a:spcBef>
+                <a:spcPts val="0"/>
+              </a:spcBef>
+              <a:spcAft>
+                <a:spcPts val="0"/>
+              </a:spcAft>
+              <a:buClr>
+                <a:srgbClr val="000000"/>
+              </a:buClr>
+              <a:buSzPts val="1400"/>
+              <a:buFont typeface="Arial"/>
+              <a:buNone/>
+              <a:defRPr sz="1800" b="0" i="0" u="none" strike="noStrike" cap="none">
+                <a:solidFill>
+                  <a:srgbClr val="000000"/>
+                </a:solidFill>
+                <a:latin typeface="Arial"/>
+                <a:ea typeface="Arial"/>
+                <a:cs typeface="Arial"/>
+                <a:sym typeface="Arial"/>
+              </a:defRPr>
+            </a:lvl6pPr>
+            <a:lvl7pPr marR="0" lvl="6" algn="l" rtl="0">
+              <a:lnSpc>
+                <a:spcPct val="100000"/>
+              </a:lnSpc>
+              <a:spcBef>
+                <a:spcPts val="0"/>
+              </a:spcBef>
+              <a:spcAft>
+                <a:spcPts val="0"/>
+              </a:spcAft>
+              <a:buClr>
+                <a:srgbClr val="000000"/>
+              </a:buClr>
+              <a:buSzPts val="1400"/>
+              <a:buFont typeface="Arial"/>
+              <a:buNone/>
+              <a:defRPr sz="1800" b="0" i="0" u="none" strike="noStrike" cap="none">
+                <a:solidFill>
+                  <a:srgbClr val="000000"/>
+                </a:solidFill>
+                <a:latin typeface="Arial"/>
+                <a:ea typeface="Arial"/>
+                <a:cs typeface="Arial"/>
+                <a:sym typeface="Arial"/>
+              </a:defRPr>
+            </a:lvl7pPr>
+            <a:lvl8pPr marR="0" lvl="7" algn="l" rtl="0">
+              <a:lnSpc>
+                <a:spcPct val="100000"/>
+              </a:lnSpc>
+              <a:spcBef>
+                <a:spcPts val="0"/>
+              </a:spcBef>
+              <a:spcAft>
+                <a:spcPts val="0"/>
+              </a:spcAft>
+              <a:buClr>
+                <a:srgbClr val="000000"/>
+              </a:buClr>
+              <a:buSzPts val="1400"/>
+              <a:buFont typeface="Arial"/>
+              <a:buNone/>
+              <a:defRPr sz="1800" b="0" i="0" u="none" strike="noStrike" cap="none">
+                <a:solidFill>
+                  <a:srgbClr val="000000"/>
+                </a:solidFill>
+                <a:latin typeface="Arial"/>
+                <a:ea typeface="Arial"/>
+                <a:cs typeface="Arial"/>
+                <a:sym typeface="Arial"/>
+              </a:defRPr>
+            </a:lvl8pPr>
+            <a:lvl9pPr marR="0" lvl="8" algn="l" rtl="0">
+              <a:lnSpc>
+                <a:spcPct val="100000"/>
+              </a:lnSpc>
+              <a:spcBef>
+                <a:spcPts val="0"/>
+              </a:spcBef>
+              <a:spcAft>
+                <a:spcPts val="0"/>
+              </a:spcAft>
+              <a:buClr>
+                <a:srgbClr val="000000"/>
+              </a:buClr>
+              <a:buSzPts val="1400"/>
+              <a:buFont typeface="Arial"/>
+              <a:buNone/>
+              <a:defRPr sz="1800" b="0" i="0" u="none" strike="noStrike" cap="none">
+                <a:solidFill>
+                  <a:srgbClr val="000000"/>
+                </a:solidFill>
+                <a:latin typeface="Arial"/>
+                <a:ea typeface="Arial"/>
+                <a:cs typeface="Arial"/>
+                <a:sym typeface="Arial"/>
+              </a:defRPr>
+            </a:lvl9pPr>
+          </a:lstStyle>
+          <a:p>
+            <a:pPr>
+              <a:buSzPts val="1800"/>
+            </a:pPr>
+            <a:r>
+              <a:rPr lang="en-US" sz="5400" dirty="0"/>
+              <a:t>Percentage of work completed</a:t>
+            </a:r>
+          </a:p>
+        </p:txBody>
+      </p:sp>
     </p:spTree>
     <p:extLst>
       <p:ext uri="{BB962C8B-B14F-4D97-AF65-F5344CB8AC3E}">
-        <p14:creationId xmlns:p14="http://schemas.microsoft.com/office/powerpoint/2010/main" val="1082609125"/>
+        <p14:creationId xmlns:p14="http://schemas.microsoft.com/office/powerpoint/2010/main" val="1569679449"/>
       </p:ext>
     </p:extLst>
   </p:cSld>
@@ -16770,7 +18655,7 @@
 </p:sld>
 </file>
 
-<file path=ppt/slides/slide12.xml><?xml version="1.0" encoding="utf-8"?>
+<file path=ppt/slides/slide18.xml><?xml version="1.0" encoding="utf-8"?>
 <p:sld xmlns:a="http://schemas.openxmlformats.org/drawingml/2006/main" xmlns:r="http://schemas.openxmlformats.org/officeDocument/2006/relationships" xmlns:p="http://schemas.openxmlformats.org/presentationml/2006/main">
   <p:cSld>
     <p:spTree>
@@ -17149,7 +19034,7 @@
 </p:sld>
 </file>
 
-<file path=ppt/slides/slide13.xml><?xml version="1.0" encoding="utf-8"?>
+<file path=ppt/slides/slide19.xml><?xml version="1.0" encoding="utf-8"?>
 <p:sld xmlns:a="http://schemas.openxmlformats.org/drawingml/2006/main" xmlns:r="http://schemas.openxmlformats.org/officeDocument/2006/relationships" xmlns:p="http://schemas.openxmlformats.org/presentationml/2006/main">
   <p:cSld>
     <p:spTree>
@@ -17498,7 +19383,652 @@
 </p:sld>
 </file>
 
-<file path=ppt/slides/slide14.xml><?xml version="1.0" encoding="utf-8"?>
+<file path=ppt/slides/slide2.xml><?xml version="1.0" encoding="utf-8"?>
+<p:sld xmlns:a="http://schemas.openxmlformats.org/drawingml/2006/main" xmlns:r="http://schemas.openxmlformats.org/officeDocument/2006/relationships" xmlns:p="http://schemas.openxmlformats.org/presentationml/2006/main">
+  <p:cSld>
+    <p:spTree>
+      <p:nvGrpSpPr>
+        <p:cNvPr id="1" name="Shape 91"/>
+        <p:cNvGrpSpPr/>
+        <p:nvPr/>
+      </p:nvGrpSpPr>
+      <p:grpSpPr>
+        <a:xfrm>
+          <a:off x="0" y="0"/>
+          <a:ext cx="0" cy="0"/>
+          <a:chOff x="0" y="0"/>
+          <a:chExt cx="0" cy="0"/>
+        </a:xfrm>
+      </p:grpSpPr>
+      <p:sp>
+        <p:nvSpPr>
+          <p:cNvPr id="92" name="Google Shape;92;p3"/>
+          <p:cNvSpPr txBox="1">
+            <a:spLocks noGrp="1"/>
+          </p:cNvSpPr>
+          <p:nvPr>
+            <p:ph type="ctrTitle"/>
+          </p:nvPr>
+        </p:nvSpPr>
+        <p:spPr>
+          <a:xfrm>
+            <a:off x="1524000" y="893135"/>
+            <a:ext cx="9144000" cy="1877408"/>
+          </a:xfrm>
+          <a:prstGeom prst="rect">
+            <a:avLst/>
+          </a:prstGeom>
+          <a:noFill/>
+          <a:ln>
+            <a:noFill/>
+          </a:ln>
+        </p:spPr>
+        <p:txBody>
+          <a:bodyPr spcFirstLastPara="1" wrap="square" lIns="91425" tIns="45700" rIns="91425" bIns="45700" anchor="ctr" anchorCtr="0">
+            <a:normAutofit/>
+          </a:bodyPr>
+          <a:lstStyle/>
+          <a:p>
+            <a:pPr marL="0" lvl="0" indent="0" algn="ctr" rtl="0">
+              <a:lnSpc>
+                <a:spcPct val="90000"/>
+              </a:lnSpc>
+              <a:spcBef>
+                <a:spcPts val="0"/>
+              </a:spcBef>
+              <a:spcAft>
+                <a:spcPts val="0"/>
+              </a:spcAft>
+              <a:buClr>
+                <a:schemeClr val="dk1"/>
+              </a:buClr>
+              <a:buSzPts val="6000"/>
+              <a:buFont typeface="Calibri"/>
+              <a:buNone/>
+            </a:pPr>
+            <a:r>
+              <a:rPr lang="en-US" sz="7000"/>
+              <a:t>Base Paper Details</a:t>
+            </a:r>
+            <a:endParaRPr sz="7000"/>
+          </a:p>
+        </p:txBody>
+      </p:sp>
+      <p:sp>
+        <p:nvSpPr>
+          <p:cNvPr id="93" name="Google Shape;93;p3"/>
+          <p:cNvSpPr txBox="1"/>
+          <p:nvPr/>
+        </p:nvSpPr>
+        <p:spPr>
+          <a:xfrm>
+            <a:off x="2363972" y="2770543"/>
+            <a:ext cx="8304028" cy="1938992"/>
+          </a:xfrm>
+          <a:prstGeom prst="rect">
+            <a:avLst/>
+          </a:prstGeom>
+          <a:noFill/>
+          <a:ln>
+            <a:noFill/>
+          </a:ln>
+        </p:spPr>
+        <p:txBody>
+          <a:bodyPr spcFirstLastPara="1" wrap="square" lIns="91425" tIns="45700" rIns="91425" bIns="45700" anchor="t" anchorCtr="0">
+            <a:spAutoFit/>
+          </a:bodyPr>
+          <a:lstStyle/>
+          <a:p>
+            <a:pPr marL="0" marR="0" lvl="0" indent="0" algn="l" rtl="0">
+              <a:lnSpc>
+                <a:spcPct val="100000"/>
+              </a:lnSpc>
+              <a:spcBef>
+                <a:spcPts val="0"/>
+              </a:spcBef>
+              <a:spcAft>
+                <a:spcPts val="0"/>
+              </a:spcAft>
+              <a:buNone/>
+            </a:pPr>
+            <a:r>
+              <a:rPr lang="en-US" sz="2400" b="0" i="0" u="none" strike="noStrike" cap="none" dirty="0">
+                <a:solidFill>
+                  <a:srgbClr val="000000"/>
+                </a:solidFill>
+                <a:latin typeface="Times"/>
+                <a:ea typeface="Times"/>
+                <a:cs typeface="Times"/>
+                <a:sym typeface="Times"/>
+              </a:rPr>
+              <a:t>Aman Bhatia, </a:t>
+            </a:r>
+            <a:r>
+              <a:rPr lang="en-US" sz="2400" b="0" i="0" u="none" strike="noStrike" cap="none" dirty="0" err="1">
+                <a:solidFill>
+                  <a:srgbClr val="000000"/>
+                </a:solidFill>
+                <a:latin typeface="Times"/>
+                <a:ea typeface="Times"/>
+                <a:cs typeface="Times"/>
+                <a:sym typeface="Times"/>
+              </a:rPr>
+              <a:t>Vansh</a:t>
+            </a:r>
+            <a:r>
+              <a:rPr lang="en-US" sz="2400" b="0" i="0" u="none" strike="noStrike" cap="none" dirty="0">
+                <a:solidFill>
+                  <a:srgbClr val="000000"/>
+                </a:solidFill>
+                <a:latin typeface="Times"/>
+                <a:ea typeface="Times"/>
+                <a:cs typeface="Times"/>
+                <a:sym typeface="Times"/>
+              </a:rPr>
+              <a:t> </a:t>
+            </a:r>
+            <a:r>
+              <a:rPr lang="en-US" sz="2400" b="0" i="0" u="none" strike="noStrike" cap="none" dirty="0" err="1">
+                <a:solidFill>
+                  <a:srgbClr val="000000"/>
+                </a:solidFill>
+                <a:latin typeface="Times"/>
+                <a:ea typeface="Times"/>
+                <a:cs typeface="Times"/>
+                <a:sym typeface="Times"/>
+              </a:rPr>
+              <a:t>Kedia</a:t>
+            </a:r>
+            <a:r>
+              <a:rPr lang="en-US" sz="2400" b="0" i="0" u="none" strike="noStrike" cap="none" dirty="0">
+                <a:solidFill>
+                  <a:srgbClr val="000000"/>
+                </a:solidFill>
+                <a:latin typeface="Times"/>
+                <a:ea typeface="Times"/>
+                <a:cs typeface="Times"/>
+                <a:sym typeface="Times"/>
+              </a:rPr>
+              <a:t>, Anshul Shroff, </a:t>
+            </a:r>
+            <a:r>
+              <a:rPr lang="en-US" sz="2400" b="0" i="0" u="none" strike="noStrike" cap="none" dirty="0" err="1">
+                <a:solidFill>
+                  <a:srgbClr val="000000"/>
+                </a:solidFill>
+                <a:latin typeface="Times"/>
+                <a:ea typeface="Times"/>
+                <a:cs typeface="Times"/>
+                <a:sym typeface="Times"/>
+              </a:rPr>
+              <a:t>Mayand</a:t>
+            </a:r>
+            <a:r>
+              <a:rPr lang="en-US" sz="2400" b="0" i="0" u="none" strike="noStrike" cap="none" dirty="0">
+                <a:solidFill>
+                  <a:srgbClr val="000000"/>
+                </a:solidFill>
+                <a:latin typeface="Times"/>
+                <a:ea typeface="Times"/>
+                <a:cs typeface="Times"/>
+                <a:sym typeface="Times"/>
+              </a:rPr>
+              <a:t> Kumar, </a:t>
+            </a:r>
+            <a:r>
+              <a:rPr lang="en-US" sz="2400" b="0" i="0" u="none" strike="noStrike" cap="none" dirty="0" err="1">
+                <a:solidFill>
+                  <a:srgbClr val="000000"/>
+                </a:solidFill>
+                <a:latin typeface="Times"/>
+                <a:ea typeface="Times"/>
+                <a:cs typeface="Times"/>
+                <a:sym typeface="Times"/>
+              </a:rPr>
+              <a:t>Bickey</a:t>
+            </a:r>
+            <a:r>
+              <a:rPr lang="en-US" sz="2400" b="0" i="0" u="none" strike="noStrike" cap="none" dirty="0">
+                <a:solidFill>
+                  <a:srgbClr val="000000"/>
+                </a:solidFill>
+                <a:latin typeface="Times"/>
+                <a:ea typeface="Times"/>
+                <a:cs typeface="Times"/>
+                <a:sym typeface="Times"/>
+              </a:rPr>
+              <a:t> Kumar Shah, Aryan ,</a:t>
+            </a:r>
+            <a:endParaRPr dirty="0"/>
+          </a:p>
+          <a:p>
+            <a:pPr marL="0" marR="0" lvl="0" indent="0" algn="l" rtl="0">
+              <a:lnSpc>
+                <a:spcPct val="100000"/>
+              </a:lnSpc>
+              <a:spcBef>
+                <a:spcPts val="0"/>
+              </a:spcBef>
+              <a:spcAft>
+                <a:spcPts val="0"/>
+              </a:spcAft>
+              <a:buNone/>
+            </a:pPr>
+            <a:r>
+              <a:rPr lang="en-US" sz="2400" b="0" i="0" u="none" strike="noStrike" cap="none" dirty="0">
+                <a:solidFill>
+                  <a:srgbClr val="000000"/>
+                </a:solidFill>
+                <a:latin typeface="Times"/>
+                <a:ea typeface="Times"/>
+                <a:cs typeface="Times"/>
+                <a:sym typeface="Times"/>
+              </a:rPr>
+              <a:t>“</a:t>
+            </a:r>
+            <a:r>
+              <a:rPr lang="en-US" sz="2400" b="0" i="0" u="none" strike="noStrike" cap="none" dirty="0">
+                <a:solidFill>
+                  <a:srgbClr val="000000"/>
+                </a:solidFill>
+                <a:latin typeface="Times New Roman"/>
+                <a:ea typeface="Times New Roman"/>
+                <a:cs typeface="Times New Roman"/>
+                <a:sym typeface="Times New Roman"/>
+              </a:rPr>
+              <a:t>Fake Currency Detection with Machine Learning</a:t>
+            </a:r>
+            <a:endParaRPr dirty="0"/>
+          </a:p>
+          <a:p>
+            <a:pPr marL="0" marR="0" lvl="0" indent="0" algn="l" rtl="0">
+              <a:lnSpc>
+                <a:spcPct val="100000"/>
+              </a:lnSpc>
+              <a:spcBef>
+                <a:spcPts val="0"/>
+              </a:spcBef>
+              <a:spcAft>
+                <a:spcPts val="0"/>
+              </a:spcAft>
+              <a:buNone/>
+            </a:pPr>
+            <a:r>
+              <a:rPr lang="en-US" sz="2400" b="0" i="0" u="none" strike="noStrike" cap="none" dirty="0">
+                <a:solidFill>
+                  <a:srgbClr val="000000"/>
+                </a:solidFill>
+                <a:latin typeface="Times New Roman"/>
+                <a:ea typeface="Times New Roman"/>
+                <a:cs typeface="Times New Roman"/>
+                <a:sym typeface="Times New Roman"/>
+              </a:rPr>
+              <a:t>Algorithm and Image Processing</a:t>
+            </a:r>
+            <a:r>
+              <a:rPr lang="en-US" sz="2400" b="1" i="0" u="none" strike="noStrike" cap="none" dirty="0">
+                <a:solidFill>
+                  <a:srgbClr val="000000"/>
+                </a:solidFill>
+                <a:latin typeface="Times"/>
+                <a:ea typeface="Times"/>
+                <a:cs typeface="Times"/>
+                <a:sym typeface="Times"/>
+              </a:rPr>
+              <a:t>”, </a:t>
+            </a:r>
+            <a:r>
+              <a:rPr lang="en-US" sz="2400" b="0" i="0" u="none" strike="noStrike" cap="none" dirty="0">
+                <a:solidFill>
+                  <a:srgbClr val="000000"/>
+                </a:solidFill>
+                <a:latin typeface="Calibri"/>
+                <a:ea typeface="Calibri"/>
+                <a:cs typeface="Calibri"/>
+                <a:sym typeface="Calibri"/>
+              </a:rPr>
+              <a:t>DOI:10.1109/ICICCS51141.2021.9432274</a:t>
+            </a:r>
+            <a:endParaRPr sz="2400" b="0" i="0" u="none" strike="noStrike" cap="none" dirty="0">
+              <a:solidFill>
+                <a:srgbClr val="000000"/>
+              </a:solidFill>
+              <a:latin typeface="Arial"/>
+              <a:ea typeface="Arial"/>
+              <a:cs typeface="Arial"/>
+              <a:sym typeface="Arial"/>
+            </a:endParaRPr>
+          </a:p>
+        </p:txBody>
+      </p:sp>
+    </p:spTree>
+  </p:cSld>
+  <p:clrMapOvr>
+    <a:masterClrMapping/>
+  </p:clrMapOvr>
+</p:sld>
+</file>
+
+<file path=ppt/slides/slide20.xml><?xml version="1.0" encoding="utf-8"?>
+<p:sld xmlns:a="http://schemas.openxmlformats.org/drawingml/2006/main" xmlns:r="http://schemas.openxmlformats.org/officeDocument/2006/relationships" xmlns:p="http://schemas.openxmlformats.org/presentationml/2006/main">
+  <p:cSld>
+    <p:spTree>
+      <p:nvGrpSpPr>
+        <p:cNvPr id="1" name=""/>
+        <p:cNvGrpSpPr/>
+        <p:nvPr/>
+      </p:nvGrpSpPr>
+      <p:grpSpPr>
+        <a:xfrm>
+          <a:off x="0" y="0"/>
+          <a:ext cx="0" cy="0"/>
+          <a:chOff x="0" y="0"/>
+          <a:chExt cx="0" cy="0"/>
+        </a:xfrm>
+      </p:grpSpPr>
+      <p:sp>
+        <p:nvSpPr>
+          <p:cNvPr id="2" name="Google Shape;142;p23">
+            <a:extLst>
+              <a:ext uri="{FF2B5EF4-FFF2-40B4-BE49-F238E27FC236}">
+                <a16:creationId xmlns:a16="http://schemas.microsoft.com/office/drawing/2014/main" id="{68FFA841-BC1E-7B9E-3CAF-B854153934C2}"/>
+              </a:ext>
+            </a:extLst>
+          </p:cNvPr>
+          <p:cNvSpPr txBox="1">
+            <a:spLocks/>
+          </p:cNvSpPr>
+          <p:nvPr/>
+        </p:nvSpPr>
+        <p:spPr>
+          <a:xfrm>
+            <a:off x="838200" y="450189"/>
+            <a:ext cx="10515600" cy="1006471"/>
+          </a:xfrm>
+          <a:prstGeom prst="rect">
+            <a:avLst/>
+          </a:prstGeom>
+          <a:noFill/>
+          <a:ln>
+            <a:noFill/>
+          </a:ln>
+        </p:spPr>
+        <p:txBody>
+          <a:bodyPr spcFirstLastPara="1" wrap="square" lIns="91425" tIns="45700" rIns="91425" bIns="45700" anchor="ctr" anchorCtr="0">
+            <a:normAutofit/>
+          </a:bodyPr>
+          <a:lstStyle>
+            <a:defPPr marR="0" lvl="0" algn="l" rtl="0">
+              <a:lnSpc>
+                <a:spcPct val="100000"/>
+              </a:lnSpc>
+              <a:spcBef>
+                <a:spcPts val="0"/>
+              </a:spcBef>
+              <a:spcAft>
+                <a:spcPts val="0"/>
+              </a:spcAft>
+            </a:defPPr>
+            <a:lvl1pPr marR="0" lvl="0" algn="ctr" rtl="0">
+              <a:lnSpc>
+                <a:spcPct val="90000"/>
+              </a:lnSpc>
+              <a:spcBef>
+                <a:spcPts val="0"/>
+              </a:spcBef>
+              <a:spcAft>
+                <a:spcPts val="0"/>
+              </a:spcAft>
+              <a:buClr>
+                <a:schemeClr val="dk1"/>
+              </a:buClr>
+              <a:buSzPts val="6000"/>
+              <a:buFont typeface="Calibri"/>
+              <a:buNone/>
+              <a:defRPr sz="6000" b="0" i="0" u="none" strike="noStrike" cap="none">
+                <a:solidFill>
+                  <a:schemeClr val="dk1"/>
+                </a:solidFill>
+                <a:latin typeface="Calibri"/>
+                <a:ea typeface="Calibri"/>
+                <a:cs typeface="Calibri"/>
+                <a:sym typeface="Calibri"/>
+              </a:defRPr>
+            </a:lvl1pPr>
+            <a:lvl2pPr marR="0" lvl="1" algn="l" rtl="0">
+              <a:lnSpc>
+                <a:spcPct val="100000"/>
+              </a:lnSpc>
+              <a:spcBef>
+                <a:spcPts val="0"/>
+              </a:spcBef>
+              <a:spcAft>
+                <a:spcPts val="0"/>
+              </a:spcAft>
+              <a:buClr>
+                <a:srgbClr val="000000"/>
+              </a:buClr>
+              <a:buSzPts val="1400"/>
+              <a:buFont typeface="Arial"/>
+              <a:buNone/>
+              <a:defRPr sz="1800" b="0" i="0" u="none" strike="noStrike" cap="none">
+                <a:solidFill>
+                  <a:srgbClr val="000000"/>
+                </a:solidFill>
+                <a:latin typeface="Arial"/>
+                <a:ea typeface="Arial"/>
+                <a:cs typeface="Arial"/>
+                <a:sym typeface="Arial"/>
+              </a:defRPr>
+            </a:lvl2pPr>
+            <a:lvl3pPr marR="0" lvl="2" algn="l" rtl="0">
+              <a:lnSpc>
+                <a:spcPct val="100000"/>
+              </a:lnSpc>
+              <a:spcBef>
+                <a:spcPts val="0"/>
+              </a:spcBef>
+              <a:spcAft>
+                <a:spcPts val="0"/>
+              </a:spcAft>
+              <a:buClr>
+                <a:srgbClr val="000000"/>
+              </a:buClr>
+              <a:buSzPts val="1400"/>
+              <a:buFont typeface="Arial"/>
+              <a:buNone/>
+              <a:defRPr sz="1800" b="0" i="0" u="none" strike="noStrike" cap="none">
+                <a:solidFill>
+                  <a:srgbClr val="000000"/>
+                </a:solidFill>
+                <a:latin typeface="Arial"/>
+                <a:ea typeface="Arial"/>
+                <a:cs typeface="Arial"/>
+                <a:sym typeface="Arial"/>
+              </a:defRPr>
+            </a:lvl3pPr>
+            <a:lvl4pPr marR="0" lvl="3" algn="l" rtl="0">
+              <a:lnSpc>
+                <a:spcPct val="100000"/>
+              </a:lnSpc>
+              <a:spcBef>
+                <a:spcPts val="0"/>
+              </a:spcBef>
+              <a:spcAft>
+                <a:spcPts val="0"/>
+              </a:spcAft>
+              <a:buClr>
+                <a:srgbClr val="000000"/>
+              </a:buClr>
+              <a:buSzPts val="1400"/>
+              <a:buFont typeface="Arial"/>
+              <a:buNone/>
+              <a:defRPr sz="1800" b="0" i="0" u="none" strike="noStrike" cap="none">
+                <a:solidFill>
+                  <a:srgbClr val="000000"/>
+                </a:solidFill>
+                <a:latin typeface="Arial"/>
+                <a:ea typeface="Arial"/>
+                <a:cs typeface="Arial"/>
+                <a:sym typeface="Arial"/>
+              </a:defRPr>
+            </a:lvl4pPr>
+            <a:lvl5pPr marR="0" lvl="4" algn="l" rtl="0">
+              <a:lnSpc>
+                <a:spcPct val="100000"/>
+              </a:lnSpc>
+              <a:spcBef>
+                <a:spcPts val="0"/>
+              </a:spcBef>
+              <a:spcAft>
+                <a:spcPts val="0"/>
+              </a:spcAft>
+              <a:buClr>
+                <a:srgbClr val="000000"/>
+              </a:buClr>
+              <a:buSzPts val="1400"/>
+              <a:buFont typeface="Arial"/>
+              <a:buNone/>
+              <a:defRPr sz="1800" b="0" i="0" u="none" strike="noStrike" cap="none">
+                <a:solidFill>
+                  <a:srgbClr val="000000"/>
+                </a:solidFill>
+                <a:latin typeface="Arial"/>
+                <a:ea typeface="Arial"/>
+                <a:cs typeface="Arial"/>
+                <a:sym typeface="Arial"/>
+              </a:defRPr>
+            </a:lvl5pPr>
+            <a:lvl6pPr marR="0" lvl="5" algn="l" rtl="0">
+              <a:lnSpc>
+                <a:spcPct val="100000"/>
+              </a:lnSpc>
+              <a:spcBef>
+                <a:spcPts val="0"/>
+              </a:spcBef>
+              <a:spcAft>
+                <a:spcPts val="0"/>
+              </a:spcAft>
+              <a:buClr>
+                <a:srgbClr val="000000"/>
+              </a:buClr>
+              <a:buSzPts val="1400"/>
+              <a:buFont typeface="Arial"/>
+              <a:buNone/>
+              <a:defRPr sz="1800" b="0" i="0" u="none" strike="noStrike" cap="none">
+                <a:solidFill>
+                  <a:srgbClr val="000000"/>
+                </a:solidFill>
+                <a:latin typeface="Arial"/>
+                <a:ea typeface="Arial"/>
+                <a:cs typeface="Arial"/>
+                <a:sym typeface="Arial"/>
+              </a:defRPr>
+            </a:lvl6pPr>
+            <a:lvl7pPr marR="0" lvl="6" algn="l" rtl="0">
+              <a:lnSpc>
+                <a:spcPct val="100000"/>
+              </a:lnSpc>
+              <a:spcBef>
+                <a:spcPts val="0"/>
+              </a:spcBef>
+              <a:spcAft>
+                <a:spcPts val="0"/>
+              </a:spcAft>
+              <a:buClr>
+                <a:srgbClr val="000000"/>
+              </a:buClr>
+              <a:buSzPts val="1400"/>
+              <a:buFont typeface="Arial"/>
+              <a:buNone/>
+              <a:defRPr sz="1800" b="0" i="0" u="none" strike="noStrike" cap="none">
+                <a:solidFill>
+                  <a:srgbClr val="000000"/>
+                </a:solidFill>
+                <a:latin typeface="Arial"/>
+                <a:ea typeface="Arial"/>
+                <a:cs typeface="Arial"/>
+                <a:sym typeface="Arial"/>
+              </a:defRPr>
+            </a:lvl7pPr>
+            <a:lvl8pPr marR="0" lvl="7" algn="l" rtl="0">
+              <a:lnSpc>
+                <a:spcPct val="100000"/>
+              </a:lnSpc>
+              <a:spcBef>
+                <a:spcPts val="0"/>
+              </a:spcBef>
+              <a:spcAft>
+                <a:spcPts val="0"/>
+              </a:spcAft>
+              <a:buClr>
+                <a:srgbClr val="000000"/>
+              </a:buClr>
+              <a:buSzPts val="1400"/>
+              <a:buFont typeface="Arial"/>
+              <a:buNone/>
+              <a:defRPr sz="1800" b="0" i="0" u="none" strike="noStrike" cap="none">
+                <a:solidFill>
+                  <a:srgbClr val="000000"/>
+                </a:solidFill>
+                <a:latin typeface="Arial"/>
+                <a:ea typeface="Arial"/>
+                <a:cs typeface="Arial"/>
+                <a:sym typeface="Arial"/>
+              </a:defRPr>
+            </a:lvl8pPr>
+            <a:lvl9pPr marR="0" lvl="8" algn="l" rtl="0">
+              <a:lnSpc>
+                <a:spcPct val="100000"/>
+              </a:lnSpc>
+              <a:spcBef>
+                <a:spcPts val="0"/>
+              </a:spcBef>
+              <a:spcAft>
+                <a:spcPts val="0"/>
+              </a:spcAft>
+              <a:buClr>
+                <a:srgbClr val="000000"/>
+              </a:buClr>
+              <a:buSzPts val="1400"/>
+              <a:buFont typeface="Arial"/>
+              <a:buNone/>
+              <a:defRPr sz="1800" b="0" i="0" u="none" strike="noStrike" cap="none">
+                <a:solidFill>
+                  <a:srgbClr val="000000"/>
+                </a:solidFill>
+                <a:latin typeface="Arial"/>
+                <a:ea typeface="Arial"/>
+                <a:cs typeface="Arial"/>
+                <a:sym typeface="Arial"/>
+              </a:defRPr>
+            </a:lvl9pPr>
+          </a:lstStyle>
+          <a:p>
+            <a:pPr>
+              <a:buSzPts val="1800"/>
+            </a:pPr>
+            <a:r>
+              <a:rPr lang="en-US" sz="5400" dirty="0"/>
+              <a:t>Coding</a:t>
+            </a:r>
+          </a:p>
+        </p:txBody>
+      </p:sp>
+    </p:spTree>
+    <p:extLst>
+      <p:ext uri="{BB962C8B-B14F-4D97-AF65-F5344CB8AC3E}">
+        <p14:creationId xmlns:p14="http://schemas.microsoft.com/office/powerpoint/2010/main" val="3441378291"/>
+      </p:ext>
+    </p:extLst>
+  </p:cSld>
+  <p:clrMapOvr>
+    <a:masterClrMapping/>
+  </p:clrMapOvr>
+</p:sld>
+</file>
+
+<file path=ppt/slides/slide21.xml><?xml version="1.0" encoding="utf-8"?>
 <p:sld xmlns:a="http://schemas.openxmlformats.org/drawingml/2006/main" xmlns:r="http://schemas.openxmlformats.org/officeDocument/2006/relationships" xmlns:p="http://schemas.openxmlformats.org/presentationml/2006/main">
   <p:cSld>
     <p:spTree>
@@ -17822,17 +20352,16 @@
         </p:nvSpPr>
         <p:spPr/>
         <p:txBody>
-          <a:bodyPr/>
+          <a:bodyPr>
+            <a:normAutofit/>
+          </a:bodyPr>
           <a:lstStyle/>
           <a:p>
-            <a:pPr marL="114300" indent="0" algn="ctr">
-              <a:buNone/>
-            </a:pPr>
             <a:r>
-              <a:rPr lang="en-US" dirty="0"/>
-              <a:t>Till now we have not deviated from our base idea.</a:t>
+              <a:rPr lang="en-US" sz="2400" dirty="0"/>
+              <a:t>We have included an extra algorithm in this project which is SVC for more efficient result.</a:t>
             </a:r>
-            <a:endParaRPr lang="en-IN" dirty="0"/>
+            <a:endParaRPr lang="en-IN" sz="2400" dirty="0"/>
           </a:p>
         </p:txBody>
       </p:sp>
@@ -17849,385 +20378,7 @@
 </p:sld>
 </file>
 
-<file path=ppt/slides/slide15.xml><?xml version="1.0" encoding="utf-8"?>
-<p:sld xmlns:a="http://schemas.openxmlformats.org/drawingml/2006/main" xmlns:r="http://schemas.openxmlformats.org/officeDocument/2006/relationships" xmlns:p="http://schemas.openxmlformats.org/presentationml/2006/main">
-  <p:cSld>
-    <p:spTree>
-      <p:nvGrpSpPr>
-        <p:cNvPr id="1" name="Shape 147"/>
-        <p:cNvGrpSpPr/>
-        <p:nvPr/>
-      </p:nvGrpSpPr>
-      <p:grpSpPr>
-        <a:xfrm>
-          <a:off x="0" y="0"/>
-          <a:ext cx="0" cy="0"/>
-          <a:chOff x="0" y="0"/>
-          <a:chExt cx="0" cy="0"/>
-        </a:xfrm>
-      </p:grpSpPr>
-      <p:sp>
-        <p:nvSpPr>
-          <p:cNvPr id="148" name="Google Shape;148;p24"/>
-          <p:cNvSpPr txBox="1">
-            <a:spLocks noGrp="1"/>
-          </p:cNvSpPr>
-          <p:nvPr>
-            <p:ph type="title"/>
-          </p:nvPr>
-        </p:nvSpPr>
-        <p:spPr>
-          <a:xfrm>
-            <a:off x="838200" y="599052"/>
-            <a:ext cx="10515600" cy="770338"/>
-          </a:xfrm>
-          <a:prstGeom prst="rect">
-            <a:avLst/>
-          </a:prstGeom>
-          <a:noFill/>
-          <a:ln>
-            <a:noFill/>
-          </a:ln>
-        </p:spPr>
-        <p:txBody>
-          <a:bodyPr spcFirstLastPara="1" wrap="square" lIns="91425" tIns="45700" rIns="91425" bIns="45700" anchor="ctr" anchorCtr="0">
-            <a:normAutofit fontScale="90000"/>
-          </a:bodyPr>
-          <a:lstStyle/>
-          <a:p>
-            <a:pPr marL="0" lvl="0" indent="0" algn="ctr" rtl="0">
-              <a:lnSpc>
-                <a:spcPct val="90000"/>
-              </a:lnSpc>
-              <a:spcBef>
-                <a:spcPts val="0"/>
-              </a:spcBef>
-              <a:spcAft>
-                <a:spcPts val="0"/>
-              </a:spcAft>
-              <a:buClr>
-                <a:schemeClr val="dk1"/>
-              </a:buClr>
-              <a:buSzPct val="100000"/>
-              <a:buFont typeface="Calibri"/>
-              <a:buNone/>
-            </a:pPr>
-            <a:r>
-              <a:rPr lang="en-US" sz="6000"/>
-              <a:t>Hardware Requirements</a:t>
-            </a:r>
-            <a:endParaRPr sz="6000"/>
-          </a:p>
-        </p:txBody>
-      </p:sp>
-      <p:sp>
-        <p:nvSpPr>
-          <p:cNvPr id="149" name="Google Shape;149;p24"/>
-          <p:cNvSpPr txBox="1">
-            <a:spLocks noGrp="1"/>
-          </p:cNvSpPr>
-          <p:nvPr>
-            <p:ph type="body" idx="1"/>
-          </p:nvPr>
-        </p:nvSpPr>
-        <p:spPr>
-          <a:xfrm>
-            <a:off x="838200" y="1850066"/>
-            <a:ext cx="10515600" cy="2966485"/>
-          </a:xfrm>
-          <a:prstGeom prst="rect">
-            <a:avLst/>
-          </a:prstGeom>
-          <a:noFill/>
-          <a:ln>
-            <a:noFill/>
-          </a:ln>
-        </p:spPr>
-        <p:txBody>
-          <a:bodyPr spcFirstLastPara="1" wrap="square" lIns="91425" tIns="45700" rIns="91425" bIns="45700" anchor="t" anchorCtr="0">
-            <a:normAutofit/>
-          </a:bodyPr>
-          <a:lstStyle/>
-          <a:p>
-            <a:pPr marL="635000" lvl="0" indent="-457200" algn="just" rtl="0">
-              <a:lnSpc>
-                <a:spcPct val="90000"/>
-              </a:lnSpc>
-              <a:spcBef>
-                <a:spcPts val="0"/>
-              </a:spcBef>
-              <a:spcAft>
-                <a:spcPts val="0"/>
-              </a:spcAft>
-              <a:buSzPts val="2800"/>
-              <a:buChar char="•"/>
-            </a:pPr>
-            <a:r>
-              <a:rPr lang="en-US"/>
-              <a:t>8GB RAM</a:t>
-            </a:r>
-            <a:endParaRPr/>
-          </a:p>
-          <a:p>
-            <a:pPr marL="635000" lvl="0" indent="-457200" algn="just" rtl="0">
-              <a:lnSpc>
-                <a:spcPct val="90000"/>
-              </a:lnSpc>
-              <a:spcBef>
-                <a:spcPts val="0"/>
-              </a:spcBef>
-              <a:spcAft>
-                <a:spcPts val="0"/>
-              </a:spcAft>
-              <a:buSzPts val="2800"/>
-              <a:buChar char="•"/>
-            </a:pPr>
-            <a:r>
-              <a:rPr lang="en-US"/>
-              <a:t>AMD 3600 processor or an equivalent Intel processor</a:t>
-            </a:r>
-            <a:endParaRPr/>
-          </a:p>
-          <a:p>
-            <a:pPr marL="635000" lvl="0" indent="-457200" algn="just" rtl="0">
-              <a:lnSpc>
-                <a:spcPct val="90000"/>
-              </a:lnSpc>
-              <a:spcBef>
-                <a:spcPts val="0"/>
-              </a:spcBef>
-              <a:spcAft>
-                <a:spcPts val="0"/>
-              </a:spcAft>
-              <a:buSzPts val="2800"/>
-              <a:buChar char="•"/>
-            </a:pPr>
-            <a:r>
-              <a:rPr lang="en-US"/>
-              <a:t>2GB storage capacity</a:t>
-            </a:r>
-            <a:endParaRPr/>
-          </a:p>
-        </p:txBody>
-      </p:sp>
-    </p:spTree>
-  </p:cSld>
-  <p:clrMapOvr>
-    <a:masterClrMapping/>
-  </p:clrMapOvr>
-</p:sld>
-</file>
-
-<file path=ppt/slides/slide16.xml><?xml version="1.0" encoding="utf-8"?>
-<p:sld xmlns:a="http://schemas.openxmlformats.org/drawingml/2006/main" xmlns:r="http://schemas.openxmlformats.org/officeDocument/2006/relationships" xmlns:p="http://schemas.openxmlformats.org/presentationml/2006/main">
-  <p:cSld>
-    <p:spTree>
-      <p:nvGrpSpPr>
-        <p:cNvPr id="1" name="Shape 153"/>
-        <p:cNvGrpSpPr/>
-        <p:nvPr/>
-      </p:nvGrpSpPr>
-      <p:grpSpPr>
-        <a:xfrm>
-          <a:off x="0" y="0"/>
-          <a:ext cx="0" cy="0"/>
-          <a:chOff x="0" y="0"/>
-          <a:chExt cx="0" cy="0"/>
-        </a:xfrm>
-      </p:grpSpPr>
-      <p:sp>
-        <p:nvSpPr>
-          <p:cNvPr id="154" name="Google Shape;154;p25"/>
-          <p:cNvSpPr txBox="1">
-            <a:spLocks noGrp="1"/>
-          </p:cNvSpPr>
-          <p:nvPr>
-            <p:ph type="title"/>
-          </p:nvPr>
-        </p:nvSpPr>
-        <p:spPr>
-          <a:xfrm>
-            <a:off x="838200" y="599052"/>
-            <a:ext cx="10515600" cy="770338"/>
-          </a:xfrm>
-          <a:prstGeom prst="rect">
-            <a:avLst/>
-          </a:prstGeom>
-          <a:noFill/>
-          <a:ln>
-            <a:noFill/>
-          </a:ln>
-        </p:spPr>
-        <p:txBody>
-          <a:bodyPr spcFirstLastPara="1" wrap="square" lIns="91425" tIns="45700" rIns="91425" bIns="45700" anchor="ctr" anchorCtr="0">
-            <a:normAutofit fontScale="90000"/>
-          </a:bodyPr>
-          <a:lstStyle/>
-          <a:p>
-            <a:pPr marL="0" lvl="0" indent="0" algn="ctr" rtl="0">
-              <a:lnSpc>
-                <a:spcPct val="90000"/>
-              </a:lnSpc>
-              <a:spcBef>
-                <a:spcPts val="0"/>
-              </a:spcBef>
-              <a:spcAft>
-                <a:spcPts val="0"/>
-              </a:spcAft>
-              <a:buClr>
-                <a:schemeClr val="dk1"/>
-              </a:buClr>
-              <a:buSzPct val="100000"/>
-              <a:buFont typeface="Calibri"/>
-              <a:buNone/>
-            </a:pPr>
-            <a:r>
-              <a:rPr lang="en-US" sz="6000"/>
-              <a:t>Software Requirements</a:t>
-            </a:r>
-            <a:endParaRPr sz="6000"/>
-          </a:p>
-        </p:txBody>
-      </p:sp>
-      <p:sp>
-        <p:nvSpPr>
-          <p:cNvPr id="155" name="Google Shape;155;p25"/>
-          <p:cNvSpPr txBox="1">
-            <a:spLocks noGrp="1"/>
-          </p:cNvSpPr>
-          <p:nvPr>
-            <p:ph type="body" idx="1"/>
-          </p:nvPr>
-        </p:nvSpPr>
-        <p:spPr>
-          <a:xfrm>
-            <a:off x="838200" y="1850066"/>
-            <a:ext cx="10515600" cy="3317359"/>
-          </a:xfrm>
-          <a:prstGeom prst="rect">
-            <a:avLst/>
-          </a:prstGeom>
-          <a:noFill/>
-          <a:ln>
-            <a:noFill/>
-          </a:ln>
-        </p:spPr>
-        <p:txBody>
-          <a:bodyPr spcFirstLastPara="1" wrap="square" lIns="91425" tIns="45700" rIns="91425" bIns="45700" anchor="t" anchorCtr="0">
-            <a:normAutofit/>
-          </a:bodyPr>
-          <a:lstStyle/>
-          <a:p>
-            <a:pPr marL="635000" lvl="0" indent="-457200" algn="just" rtl="0">
-              <a:lnSpc>
-                <a:spcPct val="90000"/>
-              </a:lnSpc>
-              <a:spcBef>
-                <a:spcPts val="0"/>
-              </a:spcBef>
-              <a:spcAft>
-                <a:spcPts val="0"/>
-              </a:spcAft>
-              <a:buSzPts val="2800"/>
-              <a:buChar char="•"/>
-            </a:pPr>
-            <a:r>
-              <a:rPr lang="en-US"/>
-              <a:t>Python</a:t>
-            </a:r>
-            <a:endParaRPr/>
-          </a:p>
-          <a:p>
-            <a:pPr marL="635000" lvl="0" indent="-457200" algn="just" rtl="0">
-              <a:lnSpc>
-                <a:spcPct val="90000"/>
-              </a:lnSpc>
-              <a:spcBef>
-                <a:spcPts val="0"/>
-              </a:spcBef>
-              <a:spcAft>
-                <a:spcPts val="0"/>
-              </a:spcAft>
-              <a:buSzPts val="2800"/>
-              <a:buChar char="•"/>
-            </a:pPr>
-            <a:r>
-              <a:rPr lang="en-US"/>
-              <a:t>Flask</a:t>
-            </a:r>
-            <a:endParaRPr/>
-          </a:p>
-          <a:p>
-            <a:pPr marL="635000" lvl="0" indent="-457200" algn="just" rtl="0">
-              <a:lnSpc>
-                <a:spcPct val="90000"/>
-              </a:lnSpc>
-              <a:spcBef>
-                <a:spcPts val="0"/>
-              </a:spcBef>
-              <a:spcAft>
-                <a:spcPts val="0"/>
-              </a:spcAft>
-              <a:buSzPts val="2800"/>
-              <a:buChar char="•"/>
-            </a:pPr>
-            <a:r>
-              <a:rPr lang="en-US"/>
-              <a:t>Jupyter notebook</a:t>
-            </a:r>
-            <a:endParaRPr/>
-          </a:p>
-          <a:p>
-            <a:pPr marL="635000" lvl="0" indent="-457200" algn="just" rtl="0">
-              <a:lnSpc>
-                <a:spcPct val="90000"/>
-              </a:lnSpc>
-              <a:spcBef>
-                <a:spcPts val="0"/>
-              </a:spcBef>
-              <a:spcAft>
-                <a:spcPts val="0"/>
-              </a:spcAft>
-              <a:buSzPts val="2800"/>
-              <a:buChar char="•"/>
-            </a:pPr>
-            <a:r>
-              <a:rPr lang="en-US"/>
-              <a:t>Visual Studio Code</a:t>
-            </a:r>
-            <a:endParaRPr/>
-          </a:p>
-          <a:p>
-            <a:pPr marL="635000" lvl="0" indent="-457200" algn="just" rtl="0">
-              <a:lnSpc>
-                <a:spcPct val="90000"/>
-              </a:lnSpc>
-              <a:spcBef>
-                <a:spcPts val="0"/>
-              </a:spcBef>
-              <a:spcAft>
-                <a:spcPts val="0"/>
-              </a:spcAft>
-              <a:buSzPts val="2800"/>
-              <a:buChar char="•"/>
-            </a:pPr>
-            <a:r>
-              <a:rPr lang="en-US"/>
-              <a:t>Nodejs</a:t>
-            </a:r>
-            <a:endParaRPr/>
-          </a:p>
-        </p:txBody>
-      </p:sp>
-    </p:spTree>
-  </p:cSld>
-  <p:clrMapOvr>
-    <a:masterClrMapping/>
-  </p:clrMapOvr>
-</p:sld>
-</file>
-
-<file path=ppt/slides/slide17.xml><?xml version="1.0" encoding="utf-8"?>
+<file path=ppt/slides/slide22.xml><?xml version="1.0" encoding="utf-8"?>
 <p:sld xmlns:a="http://schemas.openxmlformats.org/drawingml/2006/main" xmlns:r="http://schemas.openxmlformats.org/officeDocument/2006/relationships" xmlns:p="http://schemas.openxmlformats.org/presentationml/2006/main">
   <p:cSld>
     <p:spTree>
@@ -18342,16 +20493,70 @@
               <a:buAutoNum type="arabicPeriod"/>
             </a:pPr>
             <a:r>
-              <a:rPr lang="en-US" sz="2200" b="0" i="0" u="none" strike="noStrike">
+              <a:rPr lang="en-US" sz="2200" b="0" i="0" u="none" strike="noStrike" dirty="0">
                 <a:latin typeface="Calibri"/>
                 <a:ea typeface="Calibri"/>
                 <a:cs typeface="Calibri"/>
                 <a:sym typeface="Calibri"/>
               </a:rPr>
-              <a:t>D. V. Kapare, S. Lokhande, and S. Kale, “Automatic Cash Deposite Machine With Currency Detection Using Fluorescent And UV Light,” vol. 3, pp. 309–311, 2020. </a:t>
+              <a:t>D. V. </a:t>
             </a:r>
             <a:r>
-              <a:rPr lang="en-US" sz="2000">
+              <a:rPr lang="en-US" sz="2200" b="0" i="0" u="none" strike="noStrike" dirty="0" err="1">
+                <a:latin typeface="Calibri"/>
+                <a:ea typeface="Calibri"/>
+                <a:cs typeface="Calibri"/>
+                <a:sym typeface="Calibri"/>
+              </a:rPr>
+              <a:t>Kapare</a:t>
+            </a:r>
+            <a:r>
+              <a:rPr lang="en-US" sz="2200" b="0" i="0" u="none" strike="noStrike" dirty="0">
+                <a:latin typeface="Calibri"/>
+                <a:ea typeface="Calibri"/>
+                <a:cs typeface="Calibri"/>
+                <a:sym typeface="Calibri"/>
+              </a:rPr>
+              <a:t>, S. </a:t>
+            </a:r>
+            <a:r>
+              <a:rPr lang="en-US" sz="2200" b="0" i="0" u="none" strike="noStrike" dirty="0" err="1">
+                <a:latin typeface="Calibri"/>
+                <a:ea typeface="Calibri"/>
+                <a:cs typeface="Calibri"/>
+                <a:sym typeface="Calibri"/>
+              </a:rPr>
+              <a:t>Lokhande</a:t>
+            </a:r>
+            <a:r>
+              <a:rPr lang="en-US" sz="2200" b="0" i="0" u="none" strike="noStrike" dirty="0">
+                <a:latin typeface="Calibri"/>
+                <a:ea typeface="Calibri"/>
+                <a:cs typeface="Calibri"/>
+                <a:sym typeface="Calibri"/>
+              </a:rPr>
+              <a:t>, and S. Kale, “Automatic Cash </a:t>
+            </a:r>
+            <a:r>
+              <a:rPr lang="en-US" sz="2200" b="0" i="0" u="none" strike="noStrike" dirty="0" err="1">
+                <a:latin typeface="Calibri"/>
+                <a:ea typeface="Calibri"/>
+                <a:cs typeface="Calibri"/>
+                <a:sym typeface="Calibri"/>
+              </a:rPr>
+              <a:t>Deposite</a:t>
+            </a:r>
+            <a:r>
+              <a:rPr lang="en-US" sz="2200" b="0" i="0" u="none" strike="noStrike" dirty="0">
+                <a:latin typeface="Calibri"/>
+                <a:ea typeface="Calibri"/>
+                <a:cs typeface="Calibri"/>
+                <a:sym typeface="Calibri"/>
+              </a:rPr>
+              <a:t> Machine With Currency Detection Using Fluorescent And UV Light,” vol. 3, pp. 309–311, 2020. </a:t>
+            </a:r>
+            <a:r>
+              <a:rPr lang="en-US" sz="2000" dirty="0">
                 <a:latin typeface="Calibri"/>
                 <a:ea typeface="Calibri"/>
                 <a:cs typeface="Calibri"/>
@@ -18359,7 +20564,7 @@
               </a:rPr>
               <a:t> </a:t>
             </a:r>
-            <a:endParaRPr sz="2000"/>
+            <a:endParaRPr sz="2000" dirty="0"/>
           </a:p>
           <a:p>
             <a:pPr marL="558800" lvl="0" indent="-457200" algn="l" rtl="0">
@@ -18377,14 +20582,30 @@
               <a:buAutoNum type="arabicPeriod"/>
             </a:pPr>
             <a:r>
-              <a:rPr lang="en-US" sz="2200"/>
-              <a:t>P. P. Binod Prasad Yadav, C. S. Patil, R. R. Karhe, “An automatic recognition of fake Indian paper currency note using MATLAB,” Certif. Int. J. Eng. Sci. Innov. Technol., vol. 9001, no. 4, pp. 2319–5967, 2020, [Online]. Available: http://www.ijesit.com/Volume 3/Issue 4/IJESIT201404_77.pdf. </a:t>
+              <a:rPr lang="en-US" sz="2200" dirty="0"/>
+              <a:t>P. P. Binod Prasad Yadav, C. S. Patil, R. R. </a:t>
             </a:r>
             <a:r>
-              <a:rPr lang="en-US" sz="2000"/>
+              <a:rPr lang="en-US" sz="2200" dirty="0" err="1"/>
+              <a:t>Karhe</a:t>
+            </a:r>
+            <a:r>
+              <a:rPr lang="en-US" sz="2200" dirty="0"/>
+              <a:t>, “An automatic recognition of fake Indian paper currency note using MATLAB,” Certif. Int. J. Eng. Sci. </a:t>
+            </a:r>
+            <a:r>
+              <a:rPr lang="en-US" sz="2200" dirty="0" err="1"/>
+              <a:t>Innov</a:t>
+            </a:r>
+            <a:r>
+              <a:rPr lang="en-US" sz="2200" dirty="0"/>
+              <a:t>. Technol., vol. 9001, no. 4, pp. 2319–5967, 2020, [Online]. Available: http://www.ijesit.com/Volume 3/Issue 4/IJESIT201404_77.pdf. </a:t>
+            </a:r>
+            <a:r>
+              <a:rPr lang="en-US" sz="2000" dirty="0"/>
               <a:t> </a:t>
             </a:r>
-            <a:endParaRPr/>
+            <a:endParaRPr dirty="0"/>
           </a:p>
           <a:p>
             <a:pPr marL="558800" lvl="0" indent="-457200" algn="l" rtl="0">
@@ -18402,10 +20623,42 @@
               <a:buAutoNum type="arabicPeriod"/>
             </a:pPr>
             <a:r>
-              <a:rPr lang="en-US" sz="2200"/>
-              <a:t>S. Arya and M. Sasikumar, “Fake CurrencyDetection,” 2019 Int. Conf. Recent Adv. EnergyEfficient Comput. Commun. ICRAECC 2019, pp.2019–2022, 2019, doi:10.1109/ICRAECC43874.2019.8994968. </a:t>
+              <a:rPr lang="en-US" sz="2200" dirty="0"/>
+              <a:t>S. Arya and M. Sasikumar, “Fake </a:t>
             </a:r>
-            <a:endParaRPr/>
+            <a:r>
+              <a:rPr lang="en-US" sz="2200" dirty="0" err="1"/>
+              <a:t>CurrencyDetection</a:t>
+            </a:r>
+            <a:r>
+              <a:rPr lang="en-US" sz="2200" dirty="0"/>
+              <a:t>,” 2019 Int. Conf. Recent Adv. </a:t>
+            </a:r>
+            <a:r>
+              <a:rPr lang="en-US" sz="2200" dirty="0" err="1"/>
+              <a:t>EnergyEfficient</a:t>
+            </a:r>
+            <a:r>
+              <a:rPr lang="en-US" sz="2200" dirty="0"/>
+              <a:t> </a:t>
+            </a:r>
+            <a:r>
+              <a:rPr lang="en-US" sz="2200" dirty="0" err="1"/>
+              <a:t>Comput</a:t>
+            </a:r>
+            <a:r>
+              <a:rPr lang="en-US" sz="2200" dirty="0"/>
+              <a:t>. </a:t>
+            </a:r>
+            <a:r>
+              <a:rPr lang="en-US" sz="2200" dirty="0" err="1"/>
+              <a:t>Commun</a:t>
+            </a:r>
+            <a:r>
+              <a:rPr lang="en-US" sz="2200" dirty="0"/>
+              <a:t>. ICRAECC 2019, pp.2019–2022, 2019, doi:10.1109/ICRAECC43874.2019.8994968. </a:t>
+            </a:r>
+            <a:endParaRPr dirty="0"/>
           </a:p>
           <a:p>
             <a:pPr marL="558800" lvl="0" indent="-457200" algn="l" rtl="0">
@@ -18423,10 +20676,18 @@
               <a:buAutoNum type="arabicPeriod"/>
             </a:pPr>
             <a:r>
-              <a:rPr lang="en-US" sz="2200"/>
-              <a:t>A. Ghimire, S. Thapa, A. K. Jha, S. Adhikari, and A. Kumar, “Accelerating business growth with bigdata and artificial intelligence,” Proc. 4th Int. Conf.IoT Soc. Mobile, Anal. Cloud, ISMAC 2020, pp.441–448, 2020,doi:10.1109/ISMAC49090.2020.9243318. </a:t>
+              <a:rPr lang="en-US" sz="2200" dirty="0"/>
+              <a:t>A. Ghimire, S. Thapa, A. K. Jha, S. Adhikari, and A. Kumar, “Accelerating business growth with bigdata and artificial intelligence,” Proc. 4th Int. </a:t>
             </a:r>
-            <a:endParaRPr/>
+            <a:r>
+              <a:rPr lang="en-US" sz="2200" dirty="0" err="1"/>
+              <a:t>Conf.IoT</a:t>
+            </a:r>
+            <a:r>
+              <a:rPr lang="en-US" sz="2200" dirty="0"/>
+              <a:t> Soc. Mobile, Anal. Cloud, ISMAC 2020, pp.441–448, 2020,doi:10.1109/ISMAC49090.2020.9243318. </a:t>
+            </a:r>
+            <a:endParaRPr dirty="0"/>
           </a:p>
         </p:txBody>
       </p:sp>
@@ -18438,7 +20699,7 @@
 </p:sld>
 </file>
 
-<file path=ppt/slides/slide18.xml><?xml version="1.0" encoding="utf-8"?>
+<file path=ppt/slides/slide23.xml><?xml version="1.0" encoding="utf-8"?>
 <p:sld xmlns:a="http://schemas.openxmlformats.org/drawingml/2006/main" xmlns:r="http://schemas.openxmlformats.org/officeDocument/2006/relationships" xmlns:p="http://schemas.openxmlformats.org/presentationml/2006/main">
   <p:cSld>
     <p:spTree>
@@ -18512,236 +20773,6 @@
               <a:ea typeface="Calibri"/>
               <a:cs typeface="Calibri"/>
               <a:sym typeface="Calibri"/>
-            </a:endParaRPr>
-          </a:p>
-        </p:txBody>
-      </p:sp>
-    </p:spTree>
-  </p:cSld>
-  <p:clrMapOvr>
-    <a:masterClrMapping/>
-  </p:clrMapOvr>
-</p:sld>
-</file>
-
-<file path=ppt/slides/slide2.xml><?xml version="1.0" encoding="utf-8"?>
-<p:sld xmlns:a="http://schemas.openxmlformats.org/drawingml/2006/main" xmlns:r="http://schemas.openxmlformats.org/officeDocument/2006/relationships" xmlns:p="http://schemas.openxmlformats.org/presentationml/2006/main">
-  <p:cSld>
-    <p:spTree>
-      <p:nvGrpSpPr>
-        <p:cNvPr id="1" name="Shape 91"/>
-        <p:cNvGrpSpPr/>
-        <p:nvPr/>
-      </p:nvGrpSpPr>
-      <p:grpSpPr>
-        <a:xfrm>
-          <a:off x="0" y="0"/>
-          <a:ext cx="0" cy="0"/>
-          <a:chOff x="0" y="0"/>
-          <a:chExt cx="0" cy="0"/>
-        </a:xfrm>
-      </p:grpSpPr>
-      <p:sp>
-        <p:nvSpPr>
-          <p:cNvPr id="92" name="Google Shape;92;p3"/>
-          <p:cNvSpPr txBox="1">
-            <a:spLocks noGrp="1"/>
-          </p:cNvSpPr>
-          <p:nvPr>
-            <p:ph type="ctrTitle"/>
-          </p:nvPr>
-        </p:nvSpPr>
-        <p:spPr>
-          <a:xfrm>
-            <a:off x="1524000" y="893135"/>
-            <a:ext cx="9144000" cy="1877408"/>
-          </a:xfrm>
-          <a:prstGeom prst="rect">
-            <a:avLst/>
-          </a:prstGeom>
-          <a:noFill/>
-          <a:ln>
-            <a:noFill/>
-          </a:ln>
-        </p:spPr>
-        <p:txBody>
-          <a:bodyPr spcFirstLastPara="1" wrap="square" lIns="91425" tIns="45700" rIns="91425" bIns="45700" anchor="ctr" anchorCtr="0">
-            <a:normAutofit/>
-          </a:bodyPr>
-          <a:lstStyle/>
-          <a:p>
-            <a:pPr marL="0" lvl="0" indent="0" algn="ctr" rtl="0">
-              <a:lnSpc>
-                <a:spcPct val="90000"/>
-              </a:lnSpc>
-              <a:spcBef>
-                <a:spcPts val="0"/>
-              </a:spcBef>
-              <a:spcAft>
-                <a:spcPts val="0"/>
-              </a:spcAft>
-              <a:buClr>
-                <a:schemeClr val="dk1"/>
-              </a:buClr>
-              <a:buSzPts val="6000"/>
-              <a:buFont typeface="Calibri"/>
-              <a:buNone/>
-            </a:pPr>
-            <a:r>
-              <a:rPr lang="en-US" sz="7000"/>
-              <a:t>Base Paper Details</a:t>
-            </a:r>
-            <a:endParaRPr sz="7000"/>
-          </a:p>
-        </p:txBody>
-      </p:sp>
-      <p:sp>
-        <p:nvSpPr>
-          <p:cNvPr id="93" name="Google Shape;93;p3"/>
-          <p:cNvSpPr txBox="1"/>
-          <p:nvPr/>
-        </p:nvSpPr>
-        <p:spPr>
-          <a:xfrm>
-            <a:off x="2363972" y="2770543"/>
-            <a:ext cx="8304028" cy="1938992"/>
-          </a:xfrm>
-          <a:prstGeom prst="rect">
-            <a:avLst/>
-          </a:prstGeom>
-          <a:noFill/>
-          <a:ln>
-            <a:noFill/>
-          </a:ln>
-        </p:spPr>
-        <p:txBody>
-          <a:bodyPr spcFirstLastPara="1" wrap="square" lIns="91425" tIns="45700" rIns="91425" bIns="45700" anchor="t" anchorCtr="0">
-            <a:spAutoFit/>
-          </a:bodyPr>
-          <a:lstStyle/>
-          <a:p>
-            <a:pPr marL="0" marR="0" lvl="0" indent="0" algn="l" rtl="0">
-              <a:lnSpc>
-                <a:spcPct val="100000"/>
-              </a:lnSpc>
-              <a:spcBef>
-                <a:spcPts val="0"/>
-              </a:spcBef>
-              <a:spcAft>
-                <a:spcPts val="0"/>
-              </a:spcAft>
-              <a:buNone/>
-            </a:pPr>
-            <a:r>
-              <a:rPr lang="en-US" sz="2400" b="0" i="0" u="none" strike="noStrike" cap="none">
-                <a:solidFill>
-                  <a:srgbClr val="000000"/>
-                </a:solidFill>
-                <a:latin typeface="Times"/>
-                <a:ea typeface="Times"/>
-                <a:cs typeface="Times"/>
-                <a:sym typeface="Times"/>
-              </a:rPr>
-              <a:t>Aman Bhatia, Vansh Kedia, Anshul Shroff, Mayand Kumar, Bickey Kumar Shah, Aryan ,</a:t>
-            </a:r>
-            <a:endParaRPr/>
-          </a:p>
-          <a:p>
-            <a:pPr marL="0" marR="0" lvl="0" indent="0" algn="l" rtl="0">
-              <a:lnSpc>
-                <a:spcPct val="100000"/>
-              </a:lnSpc>
-              <a:spcBef>
-                <a:spcPts val="0"/>
-              </a:spcBef>
-              <a:spcAft>
-                <a:spcPts val="0"/>
-              </a:spcAft>
-              <a:buNone/>
-            </a:pPr>
-            <a:r>
-              <a:rPr lang="en-US" sz="2400" b="0" i="0" u="none" strike="noStrike" cap="none">
-                <a:solidFill>
-                  <a:srgbClr val="000000"/>
-                </a:solidFill>
-                <a:latin typeface="Times"/>
-                <a:ea typeface="Times"/>
-                <a:cs typeface="Times"/>
-                <a:sym typeface="Times"/>
-              </a:rPr>
-              <a:t>“</a:t>
-            </a:r>
-            <a:r>
-              <a:rPr lang="en-US" sz="2400" b="0" i="0" u="none" strike="noStrike" cap="none">
-                <a:solidFill>
-                  <a:srgbClr val="000000"/>
-                </a:solidFill>
-                <a:latin typeface="Times New Roman"/>
-                <a:ea typeface="Times New Roman"/>
-                <a:cs typeface="Times New Roman"/>
-                <a:sym typeface="Times New Roman"/>
-              </a:rPr>
-              <a:t>Fake Currency Detection with Machine Learning</a:t>
-            </a:r>
-            <a:endParaRPr/>
-          </a:p>
-          <a:p>
-            <a:pPr marL="0" marR="0" lvl="0" indent="0" algn="l" rtl="0">
-              <a:lnSpc>
-                <a:spcPct val="100000"/>
-              </a:lnSpc>
-              <a:spcBef>
-                <a:spcPts val="0"/>
-              </a:spcBef>
-              <a:spcAft>
-                <a:spcPts val="0"/>
-              </a:spcAft>
-              <a:buNone/>
-            </a:pPr>
-            <a:r>
-              <a:rPr lang="en-US" sz="2400" b="0" i="0" u="none" strike="noStrike" cap="none">
-                <a:solidFill>
-                  <a:srgbClr val="000000"/>
-                </a:solidFill>
-                <a:latin typeface="Times New Roman"/>
-                <a:ea typeface="Times New Roman"/>
-                <a:cs typeface="Times New Roman"/>
-                <a:sym typeface="Times New Roman"/>
-              </a:rPr>
-              <a:t>Algorithm and Image Processing</a:t>
-            </a:r>
-            <a:r>
-              <a:rPr lang="en-US" sz="2400" b="1" i="0" u="none" strike="noStrike" cap="none">
-                <a:solidFill>
-                  <a:srgbClr val="000000"/>
-                </a:solidFill>
-                <a:latin typeface="Times"/>
-                <a:ea typeface="Times"/>
-                <a:cs typeface="Times"/>
-                <a:sym typeface="Times"/>
-              </a:rPr>
-              <a:t>”, </a:t>
-            </a:r>
-            <a:r>
-              <a:rPr lang="en-US" sz="2400" b="0" i="0" u="none" strike="noStrike" cap="none">
-                <a:solidFill>
-                  <a:srgbClr val="000000"/>
-                </a:solidFill>
-                <a:latin typeface="Calibri"/>
-                <a:ea typeface="Calibri"/>
-                <a:cs typeface="Calibri"/>
-                <a:sym typeface="Calibri"/>
-              </a:rPr>
-              <a:t>DOI:10.1109/ICICCS51141.2021.9432274</a:t>
-            </a:r>
-            <a:endParaRPr sz="2400" b="0" i="0" u="none" strike="noStrike" cap="none">
-              <a:solidFill>
-                <a:srgbClr val="000000"/>
-              </a:solidFill>
-              <a:latin typeface="Arial"/>
-              <a:ea typeface="Arial"/>
-              <a:cs typeface="Arial"/>
-              <a:sym typeface="Arial"/>
             </a:endParaRPr>
           </a:p>
         </p:txBody>
@@ -18868,13 +20899,12 @@
               <a:buChar char="•"/>
             </a:pPr>
             <a:r>
-              <a:rPr lang="en-US" sz="2000"/>
+              <a:rPr lang="en-US" sz="2000" dirty="0"/>
               <a:t>The one important asset of our country is Bank currency and to create discrepancies of money miscreants introduce the fake notes which resembles to original note in the financial market. During demonetization time it is seen that so much of fake currency is floating in market.</a:t>
             </a:r>
-            <a:endParaRPr/>
           </a:p>
           <a:p>
-            <a:pPr marL="342900" lvl="0" indent="-170180" algn="l" rtl="0">
+            <a:pPr marL="342900" lvl="0" indent="-342900" algn="l" rtl="0">
               <a:lnSpc>
                 <a:spcPct val="100000"/>
               </a:lnSpc>
@@ -18885,9 +20915,9 @@
                 <a:spcPts val="0"/>
               </a:spcAft>
               <a:buSzPts val="2720"/>
-              <a:buNone/>
+              <a:buChar char="•"/>
             </a:pPr>
-            <a:endParaRPr sz="2000"/>
+            <a:endParaRPr lang="en-US" sz="2000" dirty="0"/>
           </a:p>
           <a:p>
             <a:pPr marL="342900" lvl="0" indent="-342900" algn="l" rtl="0">
@@ -18904,13 +20934,12 @@
               <a:buChar char="•"/>
             </a:pPr>
             <a:r>
-              <a:rPr lang="en-US" sz="2000"/>
-              <a:t>In general by a human being it is very difficult to identify forged note from the genuine not instead of various parameters designed for identification as many features of forged note are similar to original one.</a:t>
+              <a:rPr lang="en-US" sz="2000" dirty="0"/>
+              <a:t>In this project, We are building an application for detecting the fake currency. Using this application we can easily find the difference between Fake Currency and Genuine Currency.</a:t>
             </a:r>
-            <a:endParaRPr/>
           </a:p>
           <a:p>
-            <a:pPr marL="342900" lvl="0" indent="-170180" algn="l" rtl="0">
+            <a:pPr marL="342900" lvl="0" indent="-342900" algn="l" rtl="0">
               <a:lnSpc>
                 <a:spcPct val="100000"/>
               </a:lnSpc>
@@ -18921,9 +20950,9 @@
                 <a:spcPts val="0"/>
               </a:spcAft>
               <a:buSzPts val="2720"/>
-              <a:buNone/>
+              <a:buChar char="•"/>
             </a:pPr>
-            <a:endParaRPr sz="2000"/>
+            <a:endParaRPr lang="en-US" sz="2000" dirty="0"/>
           </a:p>
           <a:p>
             <a:pPr marL="342900" lvl="0" indent="-342900" algn="l" rtl="0">
@@ -18940,13 +20969,12 @@
               <a:buChar char="•"/>
             </a:pPr>
             <a:r>
-              <a:rPr lang="en-US" sz="2000"/>
-              <a:t>To discriminate between fake bank currency and original note is a challenging task. So, there must be an automated system that will be available in banks or in ATM machines.</a:t>
+              <a:rPr lang="en-US" sz="2000" dirty="0"/>
+              <a:t>We are making use of KNN and SVC machine learning algorithm to differentiate the currency. KNN has a high accuracy for small data sets making it desirable to be used for the computer vision task. While SVC algorithm is effective for the tasks like image recognition, text classification and bioinformatics. </a:t>
             </a:r>
-            <a:endParaRPr/>
           </a:p>
           <a:p>
-            <a:pPr marL="342900" lvl="0" indent="-170180" algn="l" rtl="0">
+            <a:pPr marL="342900" lvl="0" indent="-342900" algn="l" rtl="0">
               <a:lnSpc>
                 <a:spcPct val="100000"/>
               </a:lnSpc>
@@ -18957,9 +20985,9 @@
                 <a:spcPts val="0"/>
               </a:spcAft>
               <a:buSzPts val="2720"/>
-              <a:buNone/>
+              <a:buChar char="•"/>
             </a:pPr>
-            <a:endParaRPr sz="2000"/>
+            <a:endParaRPr lang="en-US" sz="2000" dirty="0"/>
           </a:p>
           <a:p>
             <a:pPr marL="342900" lvl="0" indent="-342900" algn="l" rtl="0">
@@ -18976,10 +21004,42 @@
               <a:buChar char="•"/>
             </a:pPr>
             <a:r>
-              <a:rPr lang="en-US" sz="2000"/>
-              <a:t>To design such an automated system there is need to design an efficient algorithm which is able to predict weather the banknote is genuine or forged bank currency as fake notes are designed with high precision.</a:t>
+              <a:rPr lang="en-US" sz="2000" dirty="0"/>
+              <a:t>We are using these two algorithms in our application to produce the result with more accurate with the help of less dataset and in efficient manner.</a:t>
             </a:r>
-            <a:endParaRPr sz="2000"/>
+            <a:endParaRPr dirty="0"/>
+          </a:p>
+          <a:p>
+            <a:pPr marL="342900" lvl="0" indent="-170180" algn="l" rtl="0">
+              <a:lnSpc>
+                <a:spcPct val="100000"/>
+              </a:lnSpc>
+              <a:spcBef>
+                <a:spcPts val="0"/>
+              </a:spcBef>
+              <a:spcAft>
+                <a:spcPts val="0"/>
+              </a:spcAft>
+              <a:buSzPts val="2720"/>
+              <a:buNone/>
+            </a:pPr>
+            <a:endParaRPr lang="en-IN" sz="2000" dirty="0"/>
+          </a:p>
+          <a:p>
+            <a:pPr marL="342900" lvl="0" indent="-170180" algn="l" rtl="0">
+              <a:lnSpc>
+                <a:spcPct val="100000"/>
+              </a:lnSpc>
+              <a:spcBef>
+                <a:spcPts val="0"/>
+              </a:spcBef>
+              <a:spcAft>
+                <a:spcPts val="0"/>
+              </a:spcAft>
+              <a:buSzPts val="2720"/>
+              <a:buNone/>
+            </a:pPr>
+            <a:endParaRPr lang="en-US" sz="2000" dirty="0"/>
           </a:p>
         </p:txBody>
       </p:sp>
@@ -19091,27 +21151,80 @@
           </a:bodyPr>
           <a:lstStyle/>
           <a:p>
-            <a:pPr marL="0" lvl="0" indent="0" algn="just" rtl="0">
-              <a:lnSpc>
-                <a:spcPct val="90000"/>
-              </a:lnSpc>
-              <a:spcBef>
-                <a:spcPts val="0"/>
-              </a:spcBef>
-              <a:spcAft>
-                <a:spcPts val="0"/>
-              </a:spcAft>
-              <a:buClr>
-                <a:schemeClr val="dk1"/>
-              </a:buClr>
+            <a:pPr indent="-457200" algn="just">
+              <a:spcBef>
+                <a:spcPts val="0"/>
+              </a:spcBef>
               <a:buSzPts val="2800"/>
-              <a:buNone/>
             </a:pPr>
             <a:r>
-              <a:rPr lang="en-US"/>
-              <a:t>In the existing system, different traditional strategies and methods are available for fake currency identification based on the colors, width, and serial numbers mentioned. Processing these attributes by using digital technologies will give high false positive results leading to lower accuracy of the technology. In this system First, to classify the nationality to use certain predefined rules. Areas of significance, and then derive the denomination value. Using features such as scale, color, or script on a note, based on how distinctive the notes are in the same region.</a:t>
+              <a:rPr lang="en-US" sz="2400" dirty="0"/>
+              <a:t>In the existing system, different traditional strategies and methods are available for fake currency identification based on the colors, width, and serial numbers mentioned. </a:t>
             </a:r>
-            <a:endParaRPr/>
+          </a:p>
+          <a:p>
+            <a:pPr indent="-457200" algn="just">
+              <a:spcBef>
+                <a:spcPts val="0"/>
+              </a:spcBef>
+              <a:buSzPts val="2800"/>
+            </a:pPr>
+            <a:endParaRPr lang="en-US" sz="2400" dirty="0"/>
+          </a:p>
+          <a:p>
+            <a:pPr indent="-457200" algn="just">
+              <a:spcBef>
+                <a:spcPts val="0"/>
+              </a:spcBef>
+              <a:buSzPts val="2800"/>
+            </a:pPr>
+            <a:r>
+              <a:rPr lang="en-US" sz="2400" dirty="0"/>
+              <a:t>Processing these attributes by using digital technologies will give high false positive results leading to lower accuracy of the technology. </a:t>
+            </a:r>
+          </a:p>
+          <a:p>
+            <a:pPr indent="-457200" algn="just">
+              <a:spcBef>
+                <a:spcPts val="0"/>
+              </a:spcBef>
+              <a:buSzPts val="2800"/>
+            </a:pPr>
+            <a:endParaRPr lang="en-US" sz="2400" dirty="0"/>
+          </a:p>
+          <a:p>
+            <a:pPr indent="-457200" algn="just">
+              <a:spcBef>
+                <a:spcPts val="0"/>
+              </a:spcBef>
+              <a:buSzPts val="2800"/>
+            </a:pPr>
+            <a:r>
+              <a:rPr lang="en-US" sz="2400" dirty="0"/>
+              <a:t>In this system First, to classify the nationality to use certain predefined rules. Areas of significance, and then derive the denomination value. </a:t>
+            </a:r>
+          </a:p>
+          <a:p>
+            <a:pPr indent="-457200" algn="just">
+              <a:spcBef>
+                <a:spcPts val="0"/>
+              </a:spcBef>
+              <a:buSzPts val="2800"/>
+            </a:pPr>
+            <a:endParaRPr lang="en-US" sz="2400" dirty="0"/>
+          </a:p>
+          <a:p>
+            <a:pPr indent="-457200" algn="just">
+              <a:spcBef>
+                <a:spcPts val="0"/>
+              </a:spcBef>
+              <a:buSzPts val="2800"/>
+            </a:pPr>
+            <a:r>
+              <a:rPr lang="en-US" sz="2400" dirty="0"/>
+              <a:t>Using features such as scale, color, or script on a note, based on how distinctive the notes are in the same region.</a:t>
+            </a:r>
+            <a:endParaRPr sz="2400" dirty="0"/>
           </a:p>
         </p:txBody>
       </p:sp>
@@ -19223,119 +21336,100 @@
           </a:bodyPr>
           <a:lstStyle/>
           <a:p>
-            <a:pPr marL="228600" lvl="0" indent="-50800" algn="just" rtl="0">
-              <a:lnSpc>
-                <a:spcPct val="90000"/>
-              </a:lnSpc>
-              <a:spcBef>
-                <a:spcPts val="0"/>
-              </a:spcBef>
-              <a:spcAft>
-                <a:spcPts val="0"/>
-              </a:spcAft>
-              <a:buClr>
-                <a:schemeClr val="dk1"/>
-              </a:buClr>
+            <a:pPr marL="520700" algn="just">
+              <a:spcBef>
+                <a:spcPts val="0"/>
+              </a:spcBef>
               <a:buSzPts val="2800"/>
-              <a:buNone/>
             </a:pPr>
             <a:r>
-              <a:rPr lang="en-US"/>
-              <a:t>Our proposed solution/system is to use  K-Nearest Neighbours followed by image processing. KNN has a high accuracy for data sets making it desirable to be used for the computer vision task. Data </a:t>
+              <a:rPr lang="en-US" sz="2000" dirty="0"/>
+              <a:t>Our proposed solution/system is to use  K-Nearest Neighbors and Support Vector Classifier. </a:t>
             </a:r>
-            <a:endParaRPr/>
           </a:p>
           <a:p>
-            <a:pPr marL="228600" lvl="0" indent="-50800" algn="just" rtl="0">
-              <a:lnSpc>
-                <a:spcPct val="90000"/>
-              </a:lnSpc>
-              <a:spcBef>
-                <a:spcPts val="0"/>
-              </a:spcBef>
-              <a:spcAft>
-                <a:spcPts val="0"/>
-              </a:spcAft>
-              <a:buClr>
-                <a:schemeClr val="dk1"/>
-              </a:buClr>
+            <a:pPr marL="520700" algn="just">
+              <a:spcBef>
+                <a:spcPts val="0"/>
+              </a:spcBef>
               <a:buSzPts val="2800"/>
-              <a:buNone/>
+            </a:pPr>
+            <a:endParaRPr lang="en-US" sz="2000" dirty="0"/>
+          </a:p>
+          <a:p>
+            <a:pPr marL="520700" algn="just">
+              <a:spcBef>
+                <a:spcPts val="0"/>
+              </a:spcBef>
+              <a:buSzPts val="2800"/>
             </a:pPr>
             <a:r>
-              <a:rPr lang="en-US"/>
-              <a:t>processing and data Extraction is performed by implementing machine learning algorithms and image processing to acquire the final result and accuracy. K- Nearest Neighbor by considering three </a:t>
+              <a:rPr lang="en-US" sz="2000" dirty="0"/>
+              <a:t>KNN has a high accuracy for data sets making it desirable to be used for the computer vision task. </a:t>
             </a:r>
-            <a:endParaRPr/>
           </a:p>
           <a:p>
-            <a:pPr marL="228600" lvl="0" indent="-50800" algn="just" rtl="0">
-              <a:lnSpc>
-                <a:spcPct val="90000"/>
-              </a:lnSpc>
-              <a:spcBef>
-                <a:spcPts val="0"/>
-              </a:spcBef>
-              <a:spcAft>
-                <a:spcPts val="0"/>
-              </a:spcAft>
-              <a:buClr>
-                <a:schemeClr val="dk1"/>
-              </a:buClr>
+            <a:pPr marL="520700" algn="just">
+              <a:spcBef>
+                <a:spcPts val="0"/>
+              </a:spcBef>
               <a:buSzPts val="2800"/>
-              <a:buNone/>
+            </a:pPr>
+            <a:endParaRPr lang="en-US" sz="2000" dirty="0"/>
+          </a:p>
+          <a:p>
+            <a:pPr marL="520700" algn="just">
+              <a:spcBef>
+                <a:spcPts val="0"/>
+              </a:spcBef>
+              <a:buSzPts val="2800"/>
             </a:pPr>
             <a:r>
-              <a:rPr lang="en-US"/>
-              <a:t>train test ratio 80:20, 70:30 and 60:40 and measured their </a:t>
+              <a:rPr lang="en-US" sz="2000" dirty="0"/>
+              <a:t>While SVC algorithm is effective for the tasks like image recognition, text classification and bioinformatics. </a:t>
             </a:r>
-            <a:endParaRPr/>
           </a:p>
           <a:p>
-            <a:pPr marL="228600" lvl="0" indent="-50800" algn="just" rtl="0">
-              <a:lnSpc>
-                <a:spcPct val="90000"/>
-              </a:lnSpc>
-              <a:spcBef>
-                <a:spcPts val="0"/>
-              </a:spcBef>
-              <a:spcAft>
-                <a:spcPts val="0"/>
-              </a:spcAft>
-              <a:buClr>
-                <a:schemeClr val="dk1"/>
-              </a:buClr>
+            <a:pPr marL="520700" algn="just">
+              <a:spcBef>
+                <a:spcPts val="0"/>
+              </a:spcBef>
               <a:buSzPts val="2800"/>
-              <a:buNone/>
+            </a:pPr>
+            <a:endParaRPr lang="en-US" sz="2000" dirty="0"/>
+          </a:p>
+          <a:p>
+            <a:pPr marL="520700" algn="just">
+              <a:spcBef>
+                <a:spcPts val="0"/>
+              </a:spcBef>
+              <a:buSzPts val="2800"/>
             </a:pPr>
             <a:r>
-              <a:rPr lang="en-US"/>
-              <a:t>performance on the basis various quantitative analysis parameter </a:t>
+              <a:rPr lang="en-US" sz="2000" dirty="0"/>
+              <a:t>K- Nearest Neighbor and Support Vector Classifier is trained considering three train test ratio 80:20, 70:30 and 60:40 and measured their performance on the basis various quantitative analysis parameter like Precision, Accuracy, Recall, MCC, F1-Score and others. </a:t>
             </a:r>
-            <a:endParaRPr/>
           </a:p>
           <a:p>
-            <a:pPr marL="228600" lvl="0" indent="-50800" algn="just" rtl="0">
-              <a:lnSpc>
-                <a:spcPct val="90000"/>
-              </a:lnSpc>
-              <a:spcBef>
-                <a:spcPts val="0"/>
-              </a:spcBef>
-              <a:spcAft>
-                <a:spcPts val="0"/>
-              </a:spcAft>
-              <a:buClr>
-                <a:schemeClr val="dk1"/>
-              </a:buClr>
+            <a:pPr marL="520700" algn="just">
+              <a:spcBef>
+                <a:spcPts val="0"/>
+              </a:spcBef>
               <a:buSzPts val="2800"/>
-              <a:buNone/>
+            </a:pPr>
+            <a:endParaRPr lang="en-US" sz="2000" dirty="0"/>
+          </a:p>
+          <a:p>
+            <a:pPr marL="520700" algn="just">
+              <a:spcBef>
+                <a:spcPts val="0"/>
+              </a:spcBef>
+              <a:buSzPts val="2800"/>
             </a:pPr>
             <a:r>
-              <a:rPr lang="en-US"/>
-              <a:t>like Precision, Accuracy, Recall, MCC, F1-Score and others. And some of Supervised Machine Learning (SML) algorithm are giving nearly 98% accuracy for particular train test ratio.</a:t>
+              <a:rPr lang="en-US" sz="2000" dirty="0"/>
+              <a:t>And some of Supervised Machine Learning (SML) algorithm are giving nearly 98% accuracy for this particular train test ratio.</a:t>
             </a:r>
-            <a:endParaRPr/>
           </a:p>
         </p:txBody>
       </p:sp>
@@ -19407,10 +21501,10 @@
               <a:buNone/>
             </a:pPr>
             <a:r>
-              <a:rPr lang="en-US" sz="5400"/>
+              <a:rPr lang="en-US" sz="5400" dirty="0"/>
               <a:t>Literature Review</a:t>
             </a:r>
-            <a:endParaRPr sz="5400"/>
+            <a:endParaRPr sz="5400" dirty="0"/>
           </a:p>
         </p:txBody>
       </p:sp>
@@ -19460,10 +21554,10 @@
               <a:buChar char="•"/>
             </a:pPr>
             <a:r>
-              <a:rPr lang="en-US" sz="2400"/>
+              <a:rPr lang="en-US" sz="2400" dirty="0"/>
               <a:t>In [1], In the past studies the data collected for the fake note detection was with professional cameras but in those data, accuracy seen was to be fair and good due to simple machine learning algorithms. K nearest neighbor algorithms were used traditionally for the detection of fake notes. Systems were getting slower when the data size became large. After that system came across to classify the precision and recognition rate with some enhancement in Machine learning algorithms and deep learning concepts</a:t>
             </a:r>
-            <a:endParaRPr/>
+            <a:endParaRPr dirty="0"/>
           </a:p>
           <a:p>
             <a:pPr marL="457200" lvl="0" indent="-342900" algn="l" rtl="0">
@@ -19483,10 +21577,10 @@
               <a:buChar char="•"/>
             </a:pPr>
             <a:r>
-              <a:rPr lang="en-US" sz="2400"/>
+              <a:rPr lang="en-US" sz="2400" dirty="0"/>
               <a:t>In [2], Due to high and large data sets, data sets were getting distorted, and the precision was not effective a lot though it was 98%. All of these detections were carried out earlier only with open cv and python but time and again with modern deep learning techniques data were collected with the count of 100 images per denomination and then measured.</a:t>
             </a:r>
-            <a:endParaRPr/>
+            <a:endParaRPr dirty="0"/>
           </a:p>
         </p:txBody>
       </p:sp>
@@ -19637,297 +21731,80 @@
       </p:grpSpPr>
       <p:sp>
         <p:nvSpPr>
-          <p:cNvPr id="2" name="Google Shape;142;p23">
+          <p:cNvPr id="2" name="Title 1">
             <a:extLst>
               <a:ext uri="{FF2B5EF4-FFF2-40B4-BE49-F238E27FC236}">
-                <a16:creationId xmlns:a16="http://schemas.microsoft.com/office/drawing/2014/main" id="{4595D5A0-8D8B-5494-C992-16D7A73726C0}"/>
+                <a16:creationId xmlns:a16="http://schemas.microsoft.com/office/drawing/2014/main" id="{F63A0E23-4354-1D73-F840-A38F8DC1DEF5}"/>
               </a:ext>
             </a:extLst>
           </p:cNvPr>
-          <p:cNvSpPr txBox="1">
-            <a:spLocks/>
+          <p:cNvSpPr>
+            <a:spLocks noGrp="1"/>
           </p:cNvSpPr>
-          <p:nvPr/>
+          <p:nvPr>
+            <p:ph type="title"/>
+          </p:nvPr>
         </p:nvSpPr>
-        <p:spPr>
-          <a:xfrm>
-            <a:off x="838200" y="450189"/>
-            <a:ext cx="10515600" cy="1006471"/>
-          </a:xfrm>
-          <a:prstGeom prst="rect">
-            <a:avLst/>
-          </a:prstGeom>
-          <a:noFill/>
-          <a:ln>
-            <a:noFill/>
-          </a:ln>
-        </p:spPr>
+        <p:spPr/>
         <p:txBody>
-          <a:bodyPr spcFirstLastPara="1" wrap="square" lIns="91425" tIns="45700" rIns="91425" bIns="45700" anchor="ctr" anchorCtr="0">
+          <a:bodyPr>
             <a:normAutofit/>
           </a:bodyPr>
-          <a:lstStyle>
-            <a:defPPr marR="0" lvl="0" algn="l" rtl="0">
-              <a:lnSpc>
-                <a:spcPct val="100000"/>
-              </a:lnSpc>
-              <a:spcBef>
-                <a:spcPts val="0"/>
-              </a:spcBef>
-              <a:spcAft>
-                <a:spcPts val="0"/>
-              </a:spcAft>
-            </a:defPPr>
-            <a:lvl1pPr marR="0" lvl="0" algn="ctr" rtl="0">
-              <a:lnSpc>
-                <a:spcPct val="90000"/>
-              </a:lnSpc>
-              <a:spcBef>
-                <a:spcPts val="0"/>
-              </a:spcBef>
-              <a:spcAft>
-                <a:spcPts val="0"/>
-              </a:spcAft>
-              <a:buClr>
-                <a:schemeClr val="dk1"/>
-              </a:buClr>
-              <a:buSzPts val="6000"/>
-              <a:buFont typeface="Calibri"/>
-              <a:buNone/>
-              <a:defRPr sz="6000" b="0" i="0" u="none" strike="noStrike" cap="none">
-                <a:solidFill>
-                  <a:schemeClr val="dk1"/>
-                </a:solidFill>
-                <a:latin typeface="Calibri"/>
-                <a:ea typeface="Calibri"/>
-                <a:cs typeface="Calibri"/>
-                <a:sym typeface="Calibri"/>
-              </a:defRPr>
-            </a:lvl1pPr>
-            <a:lvl2pPr marR="0" lvl="1" algn="l" rtl="0">
-              <a:lnSpc>
-                <a:spcPct val="100000"/>
-              </a:lnSpc>
-              <a:spcBef>
-                <a:spcPts val="0"/>
-              </a:spcBef>
-              <a:spcAft>
-                <a:spcPts val="0"/>
-              </a:spcAft>
-              <a:buClr>
-                <a:srgbClr val="000000"/>
-              </a:buClr>
-              <a:buSzPts val="1400"/>
-              <a:buFont typeface="Arial"/>
-              <a:buNone/>
-              <a:defRPr sz="1800" b="0" i="0" u="none" strike="noStrike" cap="none">
-                <a:solidFill>
-                  <a:srgbClr val="000000"/>
-                </a:solidFill>
-                <a:latin typeface="Arial"/>
-                <a:ea typeface="Arial"/>
-                <a:cs typeface="Arial"/>
-                <a:sym typeface="Arial"/>
-              </a:defRPr>
-            </a:lvl2pPr>
-            <a:lvl3pPr marR="0" lvl="2" algn="l" rtl="0">
-              <a:lnSpc>
-                <a:spcPct val="100000"/>
-              </a:lnSpc>
-              <a:spcBef>
-                <a:spcPts val="0"/>
-              </a:spcBef>
-              <a:spcAft>
-                <a:spcPts val="0"/>
-              </a:spcAft>
-              <a:buClr>
-                <a:srgbClr val="000000"/>
-              </a:buClr>
-              <a:buSzPts val="1400"/>
-              <a:buFont typeface="Arial"/>
-              <a:buNone/>
-              <a:defRPr sz="1800" b="0" i="0" u="none" strike="noStrike" cap="none">
-                <a:solidFill>
-                  <a:srgbClr val="000000"/>
-                </a:solidFill>
-                <a:latin typeface="Arial"/>
-                <a:ea typeface="Arial"/>
-                <a:cs typeface="Arial"/>
-                <a:sym typeface="Arial"/>
-              </a:defRPr>
-            </a:lvl3pPr>
-            <a:lvl4pPr marR="0" lvl="3" algn="l" rtl="0">
-              <a:lnSpc>
-                <a:spcPct val="100000"/>
-              </a:lnSpc>
-              <a:spcBef>
-                <a:spcPts val="0"/>
-              </a:spcBef>
-              <a:spcAft>
-                <a:spcPts val="0"/>
-              </a:spcAft>
-              <a:buClr>
-                <a:srgbClr val="000000"/>
-              </a:buClr>
-              <a:buSzPts val="1400"/>
-              <a:buFont typeface="Arial"/>
-              <a:buNone/>
-              <a:defRPr sz="1800" b="0" i="0" u="none" strike="noStrike" cap="none">
-                <a:solidFill>
-                  <a:srgbClr val="000000"/>
-                </a:solidFill>
-                <a:latin typeface="Arial"/>
-                <a:ea typeface="Arial"/>
-                <a:cs typeface="Arial"/>
-                <a:sym typeface="Arial"/>
-              </a:defRPr>
-            </a:lvl4pPr>
-            <a:lvl5pPr marR="0" lvl="4" algn="l" rtl="0">
-              <a:lnSpc>
-                <a:spcPct val="100000"/>
-              </a:lnSpc>
-              <a:spcBef>
-                <a:spcPts val="0"/>
-              </a:spcBef>
-              <a:spcAft>
-                <a:spcPts val="0"/>
-              </a:spcAft>
-              <a:buClr>
-                <a:srgbClr val="000000"/>
-              </a:buClr>
-              <a:buSzPts val="1400"/>
-              <a:buFont typeface="Arial"/>
-              <a:buNone/>
-              <a:defRPr sz="1800" b="0" i="0" u="none" strike="noStrike" cap="none">
-                <a:solidFill>
-                  <a:srgbClr val="000000"/>
-                </a:solidFill>
-                <a:latin typeface="Arial"/>
-                <a:ea typeface="Arial"/>
-                <a:cs typeface="Arial"/>
-                <a:sym typeface="Arial"/>
-              </a:defRPr>
-            </a:lvl5pPr>
-            <a:lvl6pPr marR="0" lvl="5" algn="l" rtl="0">
-              <a:lnSpc>
-                <a:spcPct val="100000"/>
-              </a:lnSpc>
-              <a:spcBef>
-                <a:spcPts val="0"/>
-              </a:spcBef>
-              <a:spcAft>
-                <a:spcPts val="0"/>
-              </a:spcAft>
-              <a:buClr>
-                <a:srgbClr val="000000"/>
-              </a:buClr>
-              <a:buSzPts val="1400"/>
-              <a:buFont typeface="Arial"/>
-              <a:buNone/>
-              <a:defRPr sz="1800" b="0" i="0" u="none" strike="noStrike" cap="none">
-                <a:solidFill>
-                  <a:srgbClr val="000000"/>
-                </a:solidFill>
-                <a:latin typeface="Arial"/>
-                <a:ea typeface="Arial"/>
-                <a:cs typeface="Arial"/>
-                <a:sym typeface="Arial"/>
-              </a:defRPr>
-            </a:lvl6pPr>
-            <a:lvl7pPr marR="0" lvl="6" algn="l" rtl="0">
-              <a:lnSpc>
-                <a:spcPct val="100000"/>
-              </a:lnSpc>
-              <a:spcBef>
-                <a:spcPts val="0"/>
-              </a:spcBef>
-              <a:spcAft>
-                <a:spcPts val="0"/>
-              </a:spcAft>
-              <a:buClr>
-                <a:srgbClr val="000000"/>
-              </a:buClr>
-              <a:buSzPts val="1400"/>
-              <a:buFont typeface="Arial"/>
-              <a:buNone/>
-              <a:defRPr sz="1800" b="0" i="0" u="none" strike="noStrike" cap="none">
-                <a:solidFill>
-                  <a:srgbClr val="000000"/>
-                </a:solidFill>
-                <a:latin typeface="Arial"/>
-                <a:ea typeface="Arial"/>
-                <a:cs typeface="Arial"/>
-                <a:sym typeface="Arial"/>
-              </a:defRPr>
-            </a:lvl7pPr>
-            <a:lvl8pPr marR="0" lvl="7" algn="l" rtl="0">
-              <a:lnSpc>
-                <a:spcPct val="100000"/>
-              </a:lnSpc>
-              <a:spcBef>
-                <a:spcPts val="0"/>
-              </a:spcBef>
-              <a:spcAft>
-                <a:spcPts val="0"/>
-              </a:spcAft>
-              <a:buClr>
-                <a:srgbClr val="000000"/>
-              </a:buClr>
-              <a:buSzPts val="1400"/>
-              <a:buFont typeface="Arial"/>
-              <a:buNone/>
-              <a:defRPr sz="1800" b="0" i="0" u="none" strike="noStrike" cap="none">
-                <a:solidFill>
-                  <a:srgbClr val="000000"/>
-                </a:solidFill>
-                <a:latin typeface="Arial"/>
-                <a:ea typeface="Arial"/>
-                <a:cs typeface="Arial"/>
-                <a:sym typeface="Arial"/>
-              </a:defRPr>
-            </a:lvl8pPr>
-            <a:lvl9pPr marR="0" lvl="8" algn="l" rtl="0">
-              <a:lnSpc>
-                <a:spcPct val="100000"/>
-              </a:lnSpc>
-              <a:spcBef>
-                <a:spcPts val="0"/>
-              </a:spcBef>
-              <a:spcAft>
-                <a:spcPts val="0"/>
-              </a:spcAft>
-              <a:buClr>
-                <a:srgbClr val="000000"/>
-              </a:buClr>
-              <a:buSzPts val="1400"/>
-              <a:buFont typeface="Arial"/>
-              <a:buNone/>
-              <a:defRPr sz="1800" b="0" i="0" u="none" strike="noStrike" cap="none">
-                <a:solidFill>
-                  <a:srgbClr val="000000"/>
-                </a:solidFill>
-                <a:latin typeface="Arial"/>
-                <a:ea typeface="Arial"/>
-                <a:cs typeface="Arial"/>
-                <a:sym typeface="Arial"/>
-              </a:defRPr>
-            </a:lvl9pPr>
-          </a:lstStyle>
+          <a:lstStyle/>
           <a:p>
-            <a:pPr>
-              <a:buSzPts val="1800"/>
-            </a:pPr>
+            <a:pPr algn="ctr"/>
             <a:r>
-              <a:rPr lang="en-US" sz="5400" b="1" dirty="0"/>
-              <a:t>Introduction</a:t>
+              <a:rPr lang="en-US" sz="5400" dirty="0"/>
+              <a:t>INTRODUCTION</a:t>
             </a:r>
+            <a:endParaRPr lang="en-IN" sz="5400" dirty="0"/>
+          </a:p>
+        </p:txBody>
+      </p:sp>
+      <p:sp>
+        <p:nvSpPr>
+          <p:cNvPr id="3" name="Text Placeholder 2">
+            <a:extLst>
+              <a:ext uri="{FF2B5EF4-FFF2-40B4-BE49-F238E27FC236}">
+                <a16:creationId xmlns:a16="http://schemas.microsoft.com/office/drawing/2014/main" id="{22DA1A53-DB16-A7A8-8B07-B795BC60D0E3}"/>
+              </a:ext>
+            </a:extLst>
+          </p:cNvPr>
+          <p:cNvSpPr>
+            <a:spLocks noGrp="1"/>
+          </p:cNvSpPr>
+          <p:nvPr>
+            <p:ph type="body" idx="1"/>
+          </p:nvPr>
+        </p:nvSpPr>
+        <p:spPr/>
+        <p:txBody>
+          <a:bodyPr>
+            <a:normAutofit/>
+          </a:bodyPr>
+          <a:lstStyle/>
+          <a:p>
+            <a:r>
+              <a:rPr lang="en-US" sz="2000" dirty="0"/>
+              <a:t>In this century where the majority of people are aware of technology and how it works, many of them indulge in unlawful activities. One of such activities is the production of fake currency which is practiced to deceive people. In this proposal, it is focused on this illegitimate practice and try to bring forward a solution for it. According to a survey, the maximum number of cases of counterfeit in India still relate to fake currency, There were 132 cases of counterfeit currency in 2018, which shot up 37 percent to 181 in 2019. </a:t>
+            </a:r>
+          </a:p>
+          <a:p>
+            <a:endParaRPr lang="en-US" sz="2000" dirty="0"/>
+          </a:p>
+          <a:p>
+            <a:r>
+              <a:rPr lang="en-US" sz="2000" dirty="0"/>
+              <a:t>In order to stop this fraudulent activity, a system is proposed that can be integrated into mobile devices that will detect the fake note as soon as it is scanned by the device. KNN and SVC is a SML algorithm which will be utilized in the proposed system with enhanced accuracy. K-nearest neighbors (KNN) is an algorithm that stores all the available data and classifies a new data point based on the similarity. SVC is effective in high-dimensional spaces.</a:t>
+            </a:r>
+            <a:endParaRPr lang="en-IN" sz="2000" dirty="0"/>
           </a:p>
         </p:txBody>
       </p:sp>
     </p:spTree>
     <p:extLst>
       <p:ext uri="{BB962C8B-B14F-4D97-AF65-F5344CB8AC3E}">
-        <p14:creationId xmlns:p14="http://schemas.microsoft.com/office/powerpoint/2010/main" val="2235695392"/>
+        <p14:creationId xmlns:p14="http://schemas.microsoft.com/office/powerpoint/2010/main" val="2884837265"/>
       </p:ext>
     </p:extLst>
   </p:cSld>
@@ -19942,7 +21819,7 @@
   <p:cSld>
     <p:spTree>
       <p:nvGrpSpPr>
-        <p:cNvPr id="1" name="Shape 120"/>
+        <p:cNvPr id="1" name=""/>
         <p:cNvGrpSpPr/>
         <p:nvPr/>
       </p:nvGrpSpPr>
@@ -19956,912 +21833,72 @@
       </p:grpSpPr>
       <p:sp>
         <p:nvSpPr>
-          <p:cNvPr id="121" name="Google Shape;121;p6"/>
-          <p:cNvSpPr txBox="1">
+          <p:cNvPr id="3" name="Text Placeholder 2">
+            <a:extLst>
+              <a:ext uri="{FF2B5EF4-FFF2-40B4-BE49-F238E27FC236}">
+                <a16:creationId xmlns:a16="http://schemas.microsoft.com/office/drawing/2014/main" id="{B67E3997-5173-808D-54BF-8DC0DA7A8091}"/>
+              </a:ext>
+            </a:extLst>
+          </p:cNvPr>
+          <p:cNvSpPr>
             <a:spLocks noGrp="1"/>
           </p:cNvSpPr>
           <p:nvPr>
-            <p:ph type="ctrTitle"/>
+            <p:ph type="body" idx="1"/>
           </p:nvPr>
         </p:nvSpPr>
         <p:spPr>
           <a:xfrm>
-            <a:off x="1545266" y="516311"/>
-            <a:ext cx="9144000" cy="876600"/>
+            <a:off x="838200" y="612742"/>
+            <a:ext cx="10515600" cy="5564221"/>
           </a:xfrm>
-          <a:prstGeom prst="rect">
-            <a:avLst/>
-          </a:prstGeom>
-          <a:noFill/>
-          <a:ln>
-            <a:noFill/>
-          </a:ln>
         </p:spPr>
         <p:txBody>
-          <a:bodyPr spcFirstLastPara="1" wrap="square" lIns="91425" tIns="45700" rIns="91425" bIns="45700" anchor="b" anchorCtr="0">
+          <a:bodyPr>
             <a:normAutofit/>
           </a:bodyPr>
           <a:lstStyle/>
           <a:p>
-            <a:pPr marL="0" lvl="0" indent="0" algn="ctr" rtl="0">
-              <a:lnSpc>
-                <a:spcPct val="90000"/>
-              </a:lnSpc>
-              <a:spcBef>
-                <a:spcPts val="0"/>
-              </a:spcBef>
-              <a:spcAft>
-                <a:spcPts val="0"/>
-              </a:spcAft>
-              <a:buClr>
-                <a:schemeClr val="dk1"/>
-              </a:buClr>
-              <a:buSzPts val="6000"/>
-              <a:buFont typeface="Calibri"/>
-              <a:buNone/>
-            </a:pPr>
             <a:r>
-              <a:rPr lang="en-US" sz="5400"/>
-              <a:t>System Architecture</a:t>
+              <a:rPr lang="en-US" sz="2400" dirty="0"/>
+              <a:t>Supervised machine learning techniques such as KNN and SVC were implemented. The dataset used to train these algorithms was collected by extracting features from banknote images. The dataset also classifies all the samples into a particular class i.e. genuine or forged. The dataset is cleaned and normalized to make the dataset not to be biased.</a:t>
             </a:r>
-            <a:endParaRPr sz="5400"/>
-          </a:p>
-        </p:txBody>
-      </p:sp>
-      <p:sp>
-        <p:nvSpPr>
-          <p:cNvPr id="122" name="Google Shape;122;p6"/>
-          <p:cNvSpPr/>
-          <p:nvPr/>
-        </p:nvSpPr>
-        <p:spPr>
-          <a:xfrm>
-            <a:off x="2418194" y="1935163"/>
-            <a:ext cx="355348" cy="362191"/>
-          </a:xfrm>
-          <a:prstGeom prst="flowChartMagneticDisk">
-            <a:avLst/>
-          </a:prstGeom>
-          <a:solidFill>
-            <a:srgbClr val="EEEEEE"/>
-          </a:solidFill>
-          <a:ln w="9525" cap="flat" cmpd="sng">
-            <a:solidFill>
-              <a:srgbClr val="595959"/>
-            </a:solidFill>
-            <a:prstDash val="solid"/>
-            <a:round/>
-            <a:headEnd type="none" w="sm" len="sm"/>
-            <a:tailEnd type="none" w="sm" len="sm"/>
-          </a:ln>
-        </p:spPr>
-        <p:txBody>
-          <a:bodyPr spcFirstLastPara="1" wrap="square" lIns="91425" tIns="91425" rIns="91425" bIns="91425" anchor="ctr" anchorCtr="0">
-            <a:noAutofit/>
-          </a:bodyPr>
-          <a:lstStyle/>
-          <a:p>
-            <a:pPr marL="0" lvl="0" indent="0" algn="l" rtl="0">
-              <a:spcBef>
-                <a:spcPts val="0"/>
-              </a:spcBef>
-              <a:spcAft>
-                <a:spcPts val="0"/>
-              </a:spcAft>
-              <a:buNone/>
-            </a:pPr>
-            <a:endParaRPr/>
-          </a:p>
-        </p:txBody>
-      </p:sp>
-      <p:sp>
-        <p:nvSpPr>
-          <p:cNvPr id="123" name="Google Shape;123;p6"/>
-          <p:cNvSpPr txBox="1"/>
-          <p:nvPr/>
-        </p:nvSpPr>
-        <p:spPr>
-          <a:xfrm>
-            <a:off x="2226714" y="2202078"/>
-            <a:ext cx="738300" cy="492600"/>
-          </a:xfrm>
-          <a:prstGeom prst="rect">
-            <a:avLst/>
-          </a:prstGeom>
-          <a:noFill/>
-          <a:ln>
-            <a:noFill/>
-          </a:ln>
-        </p:spPr>
-        <p:txBody>
-          <a:bodyPr spcFirstLastPara="1" wrap="square" lIns="91425" tIns="91425" rIns="91425" bIns="91425" anchor="t" anchorCtr="0">
-            <a:spAutoFit/>
-          </a:bodyPr>
-          <a:lstStyle/>
-          <a:p>
-            <a:pPr marL="0" lvl="0" indent="0" algn="ctr" rtl="0">
-              <a:spcBef>
-                <a:spcPts val="0"/>
-              </a:spcBef>
-              <a:spcAft>
-                <a:spcPts val="0"/>
-              </a:spcAft>
-              <a:buNone/>
-            </a:pPr>
-            <a:r>
-              <a:rPr lang="en-US" sz="1000"/>
-              <a:t>Data Set</a:t>
-            </a:r>
-            <a:endParaRPr sz="1000"/>
           </a:p>
           <a:p>
-            <a:pPr marL="0" lvl="0" indent="0" algn="ctr" rtl="0">
-              <a:spcBef>
-                <a:spcPts val="0"/>
-              </a:spcBef>
-              <a:spcAft>
-                <a:spcPts val="0"/>
-              </a:spcAft>
-              <a:buNone/>
-            </a:pPr>
-            <a:endParaRPr sz="1000"/>
-          </a:p>
-        </p:txBody>
-      </p:sp>
-      <p:sp>
-        <p:nvSpPr>
-          <p:cNvPr id="124" name="Google Shape;124;p6"/>
-          <p:cNvSpPr/>
-          <p:nvPr/>
-        </p:nvSpPr>
-        <p:spPr>
-          <a:xfrm>
-            <a:off x="2486385" y="2514538"/>
-            <a:ext cx="219000" cy="231900"/>
-          </a:xfrm>
-          <a:prstGeom prst="downArrow">
-            <a:avLst>
-              <a:gd name="adj1" fmla="val 50000"/>
-              <a:gd name="adj2" fmla="val 50000"/>
-            </a:avLst>
-          </a:prstGeom>
-          <a:solidFill>
-            <a:srgbClr val="EEEEEE"/>
-          </a:solidFill>
-          <a:ln w="9525" cap="flat" cmpd="sng">
-            <a:solidFill>
-              <a:srgbClr val="595959"/>
-            </a:solidFill>
-            <a:prstDash val="solid"/>
-            <a:round/>
-            <a:headEnd type="none" w="sm" len="sm"/>
-            <a:tailEnd type="none" w="sm" len="sm"/>
-          </a:ln>
-        </p:spPr>
-        <p:txBody>
-          <a:bodyPr spcFirstLastPara="1" wrap="square" lIns="91425" tIns="91425" rIns="91425" bIns="91425" anchor="ctr" anchorCtr="0">
-            <a:noAutofit/>
-          </a:bodyPr>
-          <a:lstStyle/>
-          <a:p>
-            <a:pPr marL="0" lvl="0" indent="0" algn="l" rtl="0">
-              <a:spcBef>
-                <a:spcPts val="0"/>
-              </a:spcBef>
-              <a:spcAft>
-                <a:spcPts val="0"/>
-              </a:spcAft>
-              <a:buNone/>
-            </a:pPr>
-            <a:endParaRPr/>
-          </a:p>
-        </p:txBody>
-      </p:sp>
-      <p:sp>
-        <p:nvSpPr>
-          <p:cNvPr id="125" name="Google Shape;125;p6"/>
-          <p:cNvSpPr/>
-          <p:nvPr/>
-        </p:nvSpPr>
-        <p:spPr>
-          <a:xfrm>
-            <a:off x="2117262" y="2746462"/>
-            <a:ext cx="1020600" cy="439500"/>
-          </a:xfrm>
-          <a:prstGeom prst="rect">
-            <a:avLst/>
-          </a:prstGeom>
-          <a:solidFill>
-            <a:srgbClr val="EEEEEE"/>
-          </a:solidFill>
-          <a:ln w="9525" cap="flat" cmpd="sng">
-            <a:solidFill>
-              <a:srgbClr val="595959"/>
-            </a:solidFill>
-            <a:prstDash val="solid"/>
-            <a:round/>
-            <a:headEnd type="none" w="sm" len="sm"/>
-            <a:tailEnd type="none" w="sm" len="sm"/>
-          </a:ln>
-        </p:spPr>
-        <p:txBody>
-          <a:bodyPr spcFirstLastPara="1" wrap="square" lIns="91425" tIns="91425" rIns="91425" bIns="91425" anchor="ctr" anchorCtr="0">
-            <a:noAutofit/>
-          </a:bodyPr>
-          <a:lstStyle/>
-          <a:p>
-            <a:pPr marL="0" lvl="0" indent="0" algn="ctr" rtl="0">
-              <a:spcBef>
-                <a:spcPts val="0"/>
-              </a:spcBef>
-              <a:spcAft>
-                <a:spcPts val="0"/>
-              </a:spcAft>
-              <a:buNone/>
-            </a:pPr>
-            <a:r>
-              <a:rPr lang="en-US" sz="1000"/>
-              <a:t>Dataset Pre processing</a:t>
-            </a:r>
-            <a:endParaRPr sz="1000"/>
+            <a:endParaRPr lang="en-US" sz="2400" dirty="0"/>
           </a:p>
           <a:p>
-            <a:pPr marL="0" lvl="0" indent="0" algn="ctr" rtl="0">
-              <a:spcBef>
-                <a:spcPts val="0"/>
-              </a:spcBef>
-              <a:spcAft>
-                <a:spcPts val="0"/>
-              </a:spcAft>
-              <a:buNone/>
-            </a:pPr>
-            <a:endParaRPr sz="1000"/>
-          </a:p>
-        </p:txBody>
-      </p:sp>
-      <p:sp>
-        <p:nvSpPr>
-          <p:cNvPr id="126" name="Google Shape;126;p6"/>
-          <p:cNvSpPr/>
-          <p:nvPr/>
-        </p:nvSpPr>
-        <p:spPr>
-          <a:xfrm>
-            <a:off x="3106162" y="2915480"/>
-            <a:ext cx="415500" cy="178200"/>
-          </a:xfrm>
-          <a:prstGeom prst="rightArrow">
-            <a:avLst>
-              <a:gd name="adj1" fmla="val 50000"/>
-              <a:gd name="adj2" fmla="val 50000"/>
-            </a:avLst>
-          </a:prstGeom>
-          <a:solidFill>
-            <a:srgbClr val="EEEEEE"/>
-          </a:solidFill>
-          <a:ln w="9525" cap="flat" cmpd="sng">
-            <a:solidFill>
-              <a:srgbClr val="595959"/>
-            </a:solidFill>
-            <a:prstDash val="solid"/>
-            <a:round/>
-            <a:headEnd type="none" w="sm" len="sm"/>
-            <a:tailEnd type="none" w="sm" len="sm"/>
-          </a:ln>
-        </p:spPr>
-        <p:txBody>
-          <a:bodyPr spcFirstLastPara="1" wrap="square" lIns="91425" tIns="91425" rIns="91425" bIns="91425" anchor="ctr" anchorCtr="0">
-            <a:noAutofit/>
-          </a:bodyPr>
-          <a:lstStyle/>
-          <a:p>
-            <a:pPr marL="0" lvl="0" indent="0" algn="l" rtl="0">
-              <a:spcBef>
-                <a:spcPts val="0"/>
-              </a:spcBef>
-              <a:spcAft>
-                <a:spcPts val="0"/>
-              </a:spcAft>
-              <a:buNone/>
-            </a:pPr>
-            <a:endParaRPr/>
-          </a:p>
-        </p:txBody>
-      </p:sp>
-      <p:sp>
-        <p:nvSpPr>
-          <p:cNvPr id="127" name="Google Shape;127;p6"/>
-          <p:cNvSpPr/>
-          <p:nvPr/>
-        </p:nvSpPr>
-        <p:spPr>
-          <a:xfrm>
-            <a:off x="3512231" y="2202079"/>
-            <a:ext cx="2340000" cy="1528200"/>
-          </a:xfrm>
-          <a:prstGeom prst="roundRect">
-            <a:avLst>
-              <a:gd name="adj" fmla="val 16667"/>
-            </a:avLst>
-          </a:prstGeom>
-          <a:solidFill>
-            <a:srgbClr val="EEEEEE"/>
-          </a:solidFill>
-          <a:ln w="9525" cap="flat" cmpd="sng">
-            <a:solidFill>
-              <a:srgbClr val="595959"/>
-            </a:solidFill>
-            <a:prstDash val="solid"/>
-            <a:round/>
-            <a:headEnd type="none" w="sm" len="sm"/>
-            <a:tailEnd type="none" w="sm" len="sm"/>
-          </a:ln>
-        </p:spPr>
-        <p:txBody>
-          <a:bodyPr spcFirstLastPara="1" wrap="square" lIns="91425" tIns="91425" rIns="91425" bIns="91425" anchor="ctr" anchorCtr="0">
-            <a:noAutofit/>
-          </a:bodyPr>
-          <a:lstStyle/>
-          <a:p>
-            <a:pPr marL="0" lvl="0" indent="0" algn="l" rtl="0">
-              <a:spcBef>
-                <a:spcPts val="0"/>
-              </a:spcBef>
-              <a:spcAft>
-                <a:spcPts val="0"/>
-              </a:spcAft>
-              <a:buNone/>
-            </a:pPr>
-            <a:endParaRPr/>
-          </a:p>
-        </p:txBody>
-      </p:sp>
-      <p:sp>
-        <p:nvSpPr>
-          <p:cNvPr id="128" name="Google Shape;128;p6"/>
-          <p:cNvSpPr txBox="1"/>
-          <p:nvPr/>
-        </p:nvSpPr>
-        <p:spPr>
-          <a:xfrm>
-            <a:off x="4238194" y="2202077"/>
-            <a:ext cx="987600" cy="492600"/>
-          </a:xfrm>
-          <a:prstGeom prst="rect">
-            <a:avLst/>
-          </a:prstGeom>
-          <a:noFill/>
-          <a:ln>
-            <a:noFill/>
-          </a:ln>
-        </p:spPr>
-        <p:txBody>
-          <a:bodyPr spcFirstLastPara="1" wrap="square" lIns="91425" tIns="91425" rIns="91425" bIns="91425" anchor="t" anchorCtr="0">
-            <a:spAutoFit/>
-          </a:bodyPr>
-          <a:lstStyle/>
-          <a:p>
-            <a:pPr marL="0" lvl="0" indent="0" algn="ctr" rtl="0">
-              <a:spcBef>
-                <a:spcPts val="0"/>
-              </a:spcBef>
-              <a:spcAft>
-                <a:spcPts val="0"/>
-              </a:spcAft>
-              <a:buNone/>
-            </a:pPr>
             <a:r>
-              <a:rPr lang="en-US" sz="1000"/>
-              <a:t>Model Building</a:t>
+              <a:rPr lang="en-US" sz="2400" dirty="0"/>
+              <a:t>The model is created using the dataset which is cleaned and normalized. The model is then trained and tested until the accuracy is stable.</a:t>
             </a:r>
-            <a:endParaRPr sz="1000"/>
-          </a:p>
-        </p:txBody>
-      </p:sp>
-      <p:sp>
-        <p:nvSpPr>
-          <p:cNvPr id="129" name="Google Shape;129;p6"/>
-          <p:cNvSpPr/>
-          <p:nvPr/>
-        </p:nvSpPr>
-        <p:spPr>
-          <a:xfrm>
-            <a:off x="4358512" y="2694663"/>
-            <a:ext cx="867300" cy="619800"/>
-          </a:xfrm>
-          <a:prstGeom prst="rect">
-            <a:avLst/>
-          </a:prstGeom>
-          <a:solidFill>
-            <a:srgbClr val="EEEEEE"/>
-          </a:solidFill>
-          <a:ln w="9525" cap="flat" cmpd="sng">
-            <a:solidFill>
-              <a:srgbClr val="595959"/>
-            </a:solidFill>
-            <a:prstDash val="solid"/>
-            <a:round/>
-            <a:headEnd type="none" w="sm" len="sm"/>
-            <a:tailEnd type="none" w="sm" len="sm"/>
-          </a:ln>
-        </p:spPr>
-        <p:txBody>
-          <a:bodyPr spcFirstLastPara="1" wrap="square" lIns="91425" tIns="91425" rIns="91425" bIns="91425" anchor="ctr" anchorCtr="0">
-            <a:noAutofit/>
-          </a:bodyPr>
-          <a:lstStyle/>
-          <a:p>
-            <a:pPr marL="0" lvl="0" indent="0" algn="ctr" rtl="0">
-              <a:spcBef>
-                <a:spcPts val="0"/>
-              </a:spcBef>
-              <a:spcAft>
-                <a:spcPts val="0"/>
-              </a:spcAft>
-              <a:buNone/>
-            </a:pPr>
-            <a:r>
-              <a:rPr lang="en-US" sz="1000"/>
-              <a:t>K-Nearest-Neighbour</a:t>
-            </a:r>
-            <a:endParaRPr sz="1000"/>
           </a:p>
           <a:p>
-            <a:pPr marL="0" lvl="0" indent="0" algn="ctr" rtl="0">
-              <a:spcBef>
-                <a:spcPts val="0"/>
-              </a:spcBef>
-              <a:spcAft>
-                <a:spcPts val="0"/>
-              </a:spcAft>
-              <a:buNone/>
-            </a:pPr>
-            <a:r>
-              <a:rPr lang="en-US" sz="1000"/>
-              <a:t>(KNN)</a:t>
-            </a:r>
-            <a:endParaRPr sz="1000"/>
-          </a:p>
-        </p:txBody>
-      </p:sp>
-      <p:sp>
-        <p:nvSpPr>
-          <p:cNvPr id="130" name="Google Shape;130;p6"/>
-          <p:cNvSpPr/>
-          <p:nvPr/>
-        </p:nvSpPr>
-        <p:spPr>
-          <a:xfrm>
-            <a:off x="6226588" y="2393238"/>
-            <a:ext cx="1316400" cy="1595400"/>
-          </a:xfrm>
-          <a:prstGeom prst="downArrowCallout">
-            <a:avLst>
-              <a:gd name="adj1" fmla="val 22234"/>
-              <a:gd name="adj2" fmla="val 25000"/>
-              <a:gd name="adj3" fmla="val 25000"/>
-              <a:gd name="adj4" fmla="val 64977"/>
-            </a:avLst>
-          </a:prstGeom>
-          <a:solidFill>
-            <a:srgbClr val="EEEEEE"/>
-          </a:solidFill>
-          <a:ln w="9525" cap="flat" cmpd="sng">
-            <a:solidFill>
-              <a:srgbClr val="595959"/>
-            </a:solidFill>
-            <a:prstDash val="solid"/>
-            <a:round/>
-            <a:headEnd type="none" w="sm" len="sm"/>
-            <a:tailEnd type="none" w="sm" len="sm"/>
-          </a:ln>
-        </p:spPr>
-        <p:txBody>
-          <a:bodyPr spcFirstLastPara="1" wrap="square" lIns="91425" tIns="91425" rIns="91425" bIns="91425" anchor="ctr" anchorCtr="0">
-            <a:noAutofit/>
-          </a:bodyPr>
-          <a:lstStyle/>
-          <a:p>
-            <a:pPr marL="0" lvl="0" indent="0" algn="ctr" rtl="0">
-              <a:spcBef>
-                <a:spcPts val="0"/>
-              </a:spcBef>
-              <a:spcAft>
-                <a:spcPts val="0"/>
-              </a:spcAft>
-              <a:buNone/>
-            </a:pPr>
-            <a:r>
-              <a:rPr lang="en-US"/>
-              <a:t>Integrate the model with framework</a:t>
-            </a:r>
-            <a:endParaRPr/>
-          </a:p>
-        </p:txBody>
-      </p:sp>
-      <p:sp>
-        <p:nvSpPr>
-          <p:cNvPr id="131" name="Google Shape;131;p6"/>
-          <p:cNvSpPr/>
-          <p:nvPr/>
-        </p:nvSpPr>
-        <p:spPr>
-          <a:xfrm>
-            <a:off x="7917350" y="1587422"/>
-            <a:ext cx="2189100" cy="2916000"/>
-          </a:xfrm>
-          <a:prstGeom prst="rect">
-            <a:avLst/>
-          </a:prstGeom>
-          <a:solidFill>
-            <a:srgbClr val="EEEEEE"/>
-          </a:solidFill>
-          <a:ln w="9525" cap="flat" cmpd="sng">
-            <a:solidFill>
-              <a:srgbClr val="595959"/>
-            </a:solidFill>
-            <a:prstDash val="solid"/>
-            <a:round/>
-            <a:headEnd type="none" w="sm" len="sm"/>
-            <a:tailEnd type="none" w="sm" len="sm"/>
-          </a:ln>
-        </p:spPr>
-        <p:txBody>
-          <a:bodyPr spcFirstLastPara="1" wrap="square" lIns="91425" tIns="91425" rIns="91425" bIns="91425" anchor="t" anchorCtr="0">
-            <a:noAutofit/>
-          </a:bodyPr>
-          <a:lstStyle/>
-          <a:p>
-            <a:pPr marL="0" lvl="0" indent="0" algn="ctr" rtl="0">
-              <a:spcBef>
-                <a:spcPts val="0"/>
-              </a:spcBef>
-              <a:spcAft>
-                <a:spcPts val="0"/>
-              </a:spcAft>
-              <a:buClr>
-                <a:schemeClr val="dk1"/>
-              </a:buClr>
-              <a:buSzPts val="1100"/>
-              <a:buFont typeface="Arial"/>
-              <a:buNone/>
-            </a:pPr>
-            <a:r>
-              <a:rPr lang="en-US">
-                <a:solidFill>
-                  <a:schemeClr val="dk1"/>
-                </a:solidFill>
-              </a:rPr>
-              <a:t>Frontend</a:t>
-            </a:r>
-            <a:endParaRPr>
-              <a:solidFill>
-                <a:schemeClr val="dk1"/>
-              </a:solidFill>
-            </a:endParaRPr>
+            <a:endParaRPr lang="en-US" sz="2400" dirty="0"/>
           </a:p>
           <a:p>
-            <a:pPr marL="0" lvl="0" indent="0" algn="ctr" rtl="0">
-              <a:spcBef>
-                <a:spcPts val="0"/>
-              </a:spcBef>
-              <a:spcAft>
-                <a:spcPts val="0"/>
-              </a:spcAft>
-              <a:buNone/>
-            </a:pPr>
-            <a:endParaRPr/>
-          </a:p>
-        </p:txBody>
-      </p:sp>
-      <p:sp>
-        <p:nvSpPr>
-          <p:cNvPr id="132" name="Google Shape;132;p6"/>
-          <p:cNvSpPr/>
-          <p:nvPr/>
-        </p:nvSpPr>
-        <p:spPr>
-          <a:xfrm>
-            <a:off x="6059813" y="3988638"/>
-            <a:ext cx="1695300" cy="1065900"/>
-          </a:xfrm>
-          <a:prstGeom prst="roundRect">
-            <a:avLst>
-              <a:gd name="adj" fmla="val 16667"/>
-            </a:avLst>
-          </a:prstGeom>
-          <a:solidFill>
-            <a:srgbClr val="EEEEEE"/>
-          </a:solidFill>
-          <a:ln w="9525" cap="flat" cmpd="sng">
-            <a:solidFill>
-              <a:srgbClr val="595959"/>
-            </a:solidFill>
-            <a:prstDash val="solid"/>
-            <a:round/>
-            <a:headEnd type="none" w="sm" len="sm"/>
-            <a:tailEnd type="none" w="sm" len="sm"/>
-          </a:ln>
-        </p:spPr>
-        <p:txBody>
-          <a:bodyPr spcFirstLastPara="1" wrap="square" lIns="91425" tIns="91425" rIns="91425" bIns="91425" anchor="ctr" anchorCtr="0">
-            <a:noAutofit/>
-          </a:bodyPr>
-          <a:lstStyle/>
-          <a:p>
-            <a:pPr marL="0" lvl="0" indent="0" algn="ctr" rtl="0">
-              <a:spcBef>
-                <a:spcPts val="0"/>
-              </a:spcBef>
-              <a:spcAft>
-                <a:spcPts val="0"/>
-              </a:spcAft>
-              <a:buNone/>
-            </a:pPr>
             <a:r>
-              <a:rPr lang="en-US"/>
-              <a:t>Deploy</a:t>
+              <a:rPr lang="en-US" sz="2400" dirty="0"/>
+              <a:t>Finally the model is integrated with the application using </a:t>
             </a:r>
-            <a:endParaRPr/>
-          </a:p>
-        </p:txBody>
-      </p:sp>
-      <p:sp>
-        <p:nvSpPr>
-          <p:cNvPr id="133" name="Google Shape;133;p6"/>
-          <p:cNvSpPr/>
-          <p:nvPr/>
-        </p:nvSpPr>
-        <p:spPr>
-          <a:xfrm>
-            <a:off x="5831238" y="2899278"/>
-            <a:ext cx="415500" cy="210600"/>
-          </a:xfrm>
-          <a:prstGeom prst="rightArrow">
-            <a:avLst>
-              <a:gd name="adj1" fmla="val 50000"/>
-              <a:gd name="adj2" fmla="val 50000"/>
-            </a:avLst>
-          </a:prstGeom>
-          <a:solidFill>
-            <a:srgbClr val="EEEEEE"/>
-          </a:solidFill>
-          <a:ln w="9525" cap="flat" cmpd="sng">
-            <a:solidFill>
-              <a:srgbClr val="595959"/>
-            </a:solidFill>
-            <a:prstDash val="solid"/>
-            <a:round/>
-            <a:headEnd type="none" w="sm" len="sm"/>
-            <a:tailEnd type="none" w="sm" len="sm"/>
-          </a:ln>
-        </p:spPr>
-        <p:txBody>
-          <a:bodyPr spcFirstLastPara="1" wrap="square" lIns="91425" tIns="91425" rIns="91425" bIns="91425" anchor="ctr" anchorCtr="0">
-            <a:noAutofit/>
-          </a:bodyPr>
-          <a:lstStyle/>
-          <a:p>
-            <a:pPr marL="0" lvl="0" indent="0" algn="l" rtl="0">
-              <a:spcBef>
-                <a:spcPts val="0"/>
-              </a:spcBef>
-              <a:spcAft>
-                <a:spcPts val="0"/>
-              </a:spcAft>
-              <a:buNone/>
-            </a:pPr>
-            <a:endParaRPr/>
-          </a:p>
-        </p:txBody>
-      </p:sp>
-      <p:sp>
-        <p:nvSpPr>
-          <p:cNvPr id="134" name="Google Shape;134;p6"/>
-          <p:cNvSpPr/>
-          <p:nvPr/>
-        </p:nvSpPr>
-        <p:spPr>
-          <a:xfrm flipH="1">
-            <a:off x="7543012" y="3085638"/>
-            <a:ext cx="415500" cy="210600"/>
-          </a:xfrm>
-          <a:prstGeom prst="rightArrow">
-            <a:avLst>
-              <a:gd name="adj1" fmla="val 50000"/>
-              <a:gd name="adj2" fmla="val 50000"/>
-            </a:avLst>
-          </a:prstGeom>
-          <a:solidFill>
-            <a:srgbClr val="EEEEEE"/>
-          </a:solidFill>
-          <a:ln w="9525" cap="flat" cmpd="sng">
-            <a:solidFill>
-              <a:srgbClr val="595959"/>
-            </a:solidFill>
-            <a:prstDash val="solid"/>
-            <a:round/>
-            <a:headEnd type="none" w="sm" len="sm"/>
-            <a:tailEnd type="none" w="sm" len="sm"/>
-          </a:ln>
-        </p:spPr>
-        <p:txBody>
-          <a:bodyPr spcFirstLastPara="1" wrap="square" lIns="91425" tIns="91425" rIns="91425" bIns="91425" anchor="ctr" anchorCtr="0">
-            <a:noAutofit/>
-          </a:bodyPr>
-          <a:lstStyle/>
-          <a:p>
-            <a:pPr marL="0" lvl="0" indent="0" algn="l" rtl="0">
-              <a:spcBef>
-                <a:spcPts val="0"/>
-              </a:spcBef>
-              <a:spcAft>
-                <a:spcPts val="0"/>
-              </a:spcAft>
-              <a:buNone/>
-            </a:pPr>
-            <a:endParaRPr/>
-          </a:p>
-        </p:txBody>
-      </p:sp>
-      <p:sp>
-        <p:nvSpPr>
-          <p:cNvPr id="135" name="Google Shape;135;p6"/>
-          <p:cNvSpPr/>
-          <p:nvPr/>
-        </p:nvSpPr>
-        <p:spPr>
-          <a:xfrm>
-            <a:off x="8061200" y="2905800"/>
-            <a:ext cx="1901400" cy="570300"/>
-          </a:xfrm>
-          <a:prstGeom prst="rect">
-            <a:avLst/>
-          </a:prstGeom>
-          <a:solidFill>
-            <a:schemeClr val="lt2"/>
-          </a:solidFill>
-          <a:ln w="9525" cap="flat" cmpd="sng">
-            <a:solidFill>
-              <a:schemeClr val="dk2"/>
-            </a:solidFill>
-            <a:prstDash val="solid"/>
-            <a:round/>
-            <a:headEnd type="none" w="sm" len="sm"/>
-            <a:tailEnd type="none" w="sm" len="sm"/>
-          </a:ln>
-        </p:spPr>
-        <p:txBody>
-          <a:bodyPr spcFirstLastPara="1" wrap="square" lIns="91425" tIns="91425" rIns="91425" bIns="91425" anchor="ctr" anchorCtr="0">
-            <a:noAutofit/>
-          </a:bodyPr>
-          <a:lstStyle/>
-          <a:p>
-            <a:pPr marL="0" lvl="0" indent="0" algn="ctr" rtl="0">
-              <a:spcBef>
-                <a:spcPts val="0"/>
-              </a:spcBef>
-              <a:spcAft>
-                <a:spcPts val="0"/>
-              </a:spcAft>
-              <a:buNone/>
-            </a:pPr>
             <a:r>
-              <a:rPr lang="en-US">
-                <a:solidFill>
-                  <a:schemeClr val="dk1"/>
-                </a:solidFill>
-              </a:rPr>
-              <a:t>Web Communication</a:t>
+              <a:rPr lang="en-US" sz="2400" dirty="0" err="1"/>
+              <a:t>api</a:t>
             </a:r>
-            <a:endParaRPr/>
-          </a:p>
-        </p:txBody>
-      </p:sp>
-      <p:sp>
-        <p:nvSpPr>
-          <p:cNvPr id="136" name="Google Shape;136;p6"/>
-          <p:cNvSpPr/>
-          <p:nvPr/>
-        </p:nvSpPr>
-        <p:spPr>
-          <a:xfrm>
-            <a:off x="8061200" y="1935175"/>
-            <a:ext cx="1901400" cy="570300"/>
-          </a:xfrm>
-          <a:prstGeom prst="rect">
-            <a:avLst/>
-          </a:prstGeom>
-          <a:solidFill>
-            <a:schemeClr val="lt2"/>
-          </a:solidFill>
-          <a:ln w="9525" cap="flat" cmpd="sng">
-            <a:solidFill>
-              <a:schemeClr val="dk2"/>
-            </a:solidFill>
-            <a:prstDash val="solid"/>
-            <a:round/>
-            <a:headEnd type="none" w="sm" len="sm"/>
-            <a:tailEnd type="none" w="sm" len="sm"/>
-          </a:ln>
-        </p:spPr>
-        <p:txBody>
-          <a:bodyPr spcFirstLastPara="1" wrap="square" lIns="91425" tIns="91425" rIns="91425" bIns="91425" anchor="ctr" anchorCtr="0">
-            <a:noAutofit/>
-          </a:bodyPr>
-          <a:lstStyle/>
-          <a:p>
-            <a:pPr marL="0" lvl="0" indent="0" algn="ctr" rtl="0">
-              <a:spcBef>
-                <a:spcPts val="0"/>
-              </a:spcBef>
-              <a:spcAft>
-                <a:spcPts val="0"/>
-              </a:spcAft>
-              <a:buNone/>
-            </a:pPr>
             <a:r>
-              <a:rPr lang="en-US">
-                <a:solidFill>
-                  <a:schemeClr val="dk1"/>
-                </a:solidFill>
-              </a:rPr>
-              <a:t>Camera</a:t>
+              <a:rPr lang="en-US" sz="2400" dirty="0"/>
+              <a:t> which will be build using the frameworks mentioned below.</a:t>
             </a:r>
-            <a:endParaRPr/>
-          </a:p>
-        </p:txBody>
-      </p:sp>
-      <p:sp>
-        <p:nvSpPr>
-          <p:cNvPr id="137" name="Google Shape;137;p6"/>
-          <p:cNvSpPr/>
-          <p:nvPr/>
-        </p:nvSpPr>
-        <p:spPr>
-          <a:xfrm rot="-5400000" flipH="1">
-            <a:off x="8804162" y="2607913"/>
-            <a:ext cx="415500" cy="210600"/>
-          </a:xfrm>
-          <a:prstGeom prst="rightArrow">
-            <a:avLst>
-              <a:gd name="adj1" fmla="val 50000"/>
-              <a:gd name="adj2" fmla="val 50000"/>
-            </a:avLst>
-          </a:prstGeom>
-          <a:solidFill>
-            <a:srgbClr val="EEEEEE"/>
-          </a:solidFill>
-          <a:ln w="9525" cap="flat" cmpd="sng">
-            <a:solidFill>
-              <a:srgbClr val="595959"/>
-            </a:solidFill>
-            <a:prstDash val="solid"/>
-            <a:round/>
-            <a:headEnd type="none" w="sm" len="sm"/>
-            <a:tailEnd type="none" w="sm" len="sm"/>
-          </a:ln>
-        </p:spPr>
-        <p:txBody>
-          <a:bodyPr spcFirstLastPara="1" wrap="square" lIns="91425" tIns="91425" rIns="91425" bIns="91425" anchor="ctr" anchorCtr="0">
-            <a:noAutofit/>
-          </a:bodyPr>
-          <a:lstStyle/>
-          <a:p>
-            <a:pPr marL="0" lvl="0" indent="0" algn="l" rtl="0">
-              <a:spcBef>
-                <a:spcPts val="0"/>
-              </a:spcBef>
-              <a:spcAft>
-                <a:spcPts val="0"/>
-              </a:spcAft>
-              <a:buNone/>
-            </a:pPr>
-            <a:endParaRPr/>
+            <a:endParaRPr lang="en-IN" sz="2400" dirty="0"/>
           </a:p>
         </p:txBody>
       </p:sp>
     </p:spTree>
+    <p:extLst>
+      <p:ext uri="{BB962C8B-B14F-4D97-AF65-F5344CB8AC3E}">
+        <p14:creationId xmlns:p14="http://schemas.microsoft.com/office/powerpoint/2010/main" val="1158938114"/>
+      </p:ext>
+    </p:extLst>
   </p:cSld>
   <p:clrMapOvr>
     <a:masterClrMapping/>

--- a/final/2nd review/Fake Currency Detection Using Image Processing.pptx
+++ b/final/2nd review/Fake Currency Detection Using Image Processing.pptx
@@ -5,7 +5,7 @@
     <p:sldMasterId id="2147483648" r:id="rId1"/>
   </p:sldMasterIdLst>
   <p:notesMasterIdLst>
-    <p:notesMasterId r:id="rId25"/>
+    <p:notesMasterId r:id="rId28"/>
   </p:notesMasterIdLst>
   <p:sldIdLst>
     <p:sldId id="256" r:id="rId2"/>
@@ -27,10 +27,13 @@
     <p:sldId id="276" r:id="rId18"/>
     <p:sldId id="270" r:id="rId19"/>
     <p:sldId id="271" r:id="rId20"/>
-    <p:sldId id="280" r:id="rId21"/>
-    <p:sldId id="272" r:id="rId22"/>
-    <p:sldId id="267" r:id="rId23"/>
-    <p:sldId id="268" r:id="rId24"/>
+    <p:sldId id="281" r:id="rId21"/>
+    <p:sldId id="282" r:id="rId22"/>
+    <p:sldId id="283" r:id="rId23"/>
+    <p:sldId id="284" r:id="rId24"/>
+    <p:sldId id="272" r:id="rId25"/>
+    <p:sldId id="267" r:id="rId26"/>
+    <p:sldId id="268" r:id="rId27"/>
   </p:sldIdLst>
   <p:sldSz cx="12192000" cy="6858000"/>
   <p:notesSz cx="6858000" cy="9144000"/>
@@ -268,7 +271,7 @@
       <p15:sldGuideLst xmlns:p15="http://schemas.microsoft.com/office/powerpoint/2012/main"/>
     </p:ext>
     <p:ext uri="http://customooxmlschemas.google.com/">
-      <go:slidesCustomData xmlns="" xmlns:mc="http://schemas.openxmlformats.org/markup-compatibility/2006" xmlns:mv="urn:schemas-microsoft-com:mac:vml" xmlns:c="http://schemas.openxmlformats.org/drawingml/2006/chart" xmlns:dgm="http://schemas.openxmlformats.org/drawingml/2006/diagram" xmlns:o="urn:schemas-microsoft-com:office:office" xmlns:v="urn:schemas-microsoft-com:vml" xmlns:pvml="urn:schemas-microsoft-com:office:powerpoint" xmlns:com="http://schemas.openxmlformats.org/drawingml/2006/compatibility" xmlns:p14="http://schemas.microsoft.com/office/powerpoint/2010/main" xmlns:p15="http://schemas.microsoft.com/office/powerpoint/2012/main" xmlns:ahyp="http://schemas.microsoft.com/office/drawing/2018/hyperlinkcolor" xmlns:go="http://customooxmlschemas.google.com/" r:id="rId26" roundtripDataSignature="AMtx7mjB/43COq52bOFiCQ0Kf1DjMl6qGQ=="/>
+      <go:slidesCustomData xmlns="" xmlns:mc="http://schemas.openxmlformats.org/markup-compatibility/2006" xmlns:mv="urn:schemas-microsoft-com:mac:vml" xmlns:c="http://schemas.openxmlformats.org/drawingml/2006/chart" xmlns:dgm="http://schemas.openxmlformats.org/drawingml/2006/diagram" xmlns:o="urn:schemas-microsoft-com:office:office" xmlns:v="urn:schemas-microsoft-com:vml" xmlns:pvml="urn:schemas-microsoft-com:office:powerpoint" xmlns:com="http://schemas.openxmlformats.org/drawingml/2006/compatibility" xmlns:p14="http://schemas.microsoft.com/office/powerpoint/2010/main" xmlns:p15="http://schemas.microsoft.com/office/powerpoint/2012/main" xmlns:ahyp="http://schemas.microsoft.com/office/drawing/2018/hyperlinkcolor" xmlns:go="http://customooxmlschemas.google.com/" r:id="rId29" roundtripDataSignature="AMtx7mjB/43COq52bOFiCQ0Kf1DjMl6qGQ=="/>
     </p:ext>
   </p:extLst>
 </p:presentation>
@@ -19728,289 +19731,243 @@
       </p:grpSpPr>
       <p:sp>
         <p:nvSpPr>
-          <p:cNvPr id="2" name="Google Shape;142;p23">
+          <p:cNvPr id="2" name="Title 1">
             <a:extLst>
               <a:ext uri="{FF2B5EF4-FFF2-40B4-BE49-F238E27FC236}">
-                <a16:creationId xmlns:a16="http://schemas.microsoft.com/office/drawing/2014/main" id="{68FFA841-BC1E-7B9E-3CAF-B854153934C2}"/>
+                <a16:creationId xmlns:a16="http://schemas.microsoft.com/office/drawing/2014/main" id="{8C1F7D56-BBFF-07B9-F921-D2F84578ED62}"/>
               </a:ext>
             </a:extLst>
           </p:cNvPr>
-          <p:cNvSpPr txBox="1">
-            <a:spLocks/>
+          <p:cNvSpPr>
+            <a:spLocks noGrp="1"/>
           </p:cNvSpPr>
-          <p:nvPr/>
+          <p:nvPr>
+            <p:ph type="title"/>
+          </p:nvPr>
         </p:nvSpPr>
-        <p:spPr>
-          <a:xfrm>
-            <a:off x="838200" y="450189"/>
-            <a:ext cx="10515600" cy="1006471"/>
-          </a:xfrm>
-          <a:prstGeom prst="rect">
-            <a:avLst/>
-          </a:prstGeom>
-          <a:noFill/>
-          <a:ln>
-            <a:noFill/>
-          </a:ln>
-        </p:spPr>
+        <p:spPr/>
         <p:txBody>
-          <a:bodyPr spcFirstLastPara="1" wrap="square" lIns="91425" tIns="45700" rIns="91425" bIns="45700" anchor="ctr" anchorCtr="0">
-            <a:normAutofit/>
+          <a:bodyPr>
+            <a:normAutofit fontScale="90000"/>
           </a:bodyPr>
-          <a:lstStyle>
-            <a:defPPr marR="0" lvl="0" algn="l" rtl="0">
-              <a:lnSpc>
-                <a:spcPct val="100000"/>
-              </a:lnSpc>
-              <a:spcBef>
-                <a:spcPts val="0"/>
-              </a:spcBef>
-              <a:spcAft>
-                <a:spcPts val="0"/>
-              </a:spcAft>
-            </a:defPPr>
-            <a:lvl1pPr marR="0" lvl="0" algn="ctr" rtl="0">
-              <a:lnSpc>
-                <a:spcPct val="90000"/>
-              </a:lnSpc>
-              <a:spcBef>
-                <a:spcPts val="0"/>
-              </a:spcBef>
-              <a:spcAft>
-                <a:spcPts val="0"/>
-              </a:spcAft>
-              <a:buClr>
-                <a:schemeClr val="dk1"/>
-              </a:buClr>
-              <a:buSzPts val="6000"/>
-              <a:buFont typeface="Calibri"/>
-              <a:buNone/>
-              <a:defRPr sz="6000" b="0" i="0" u="none" strike="noStrike" cap="none">
-                <a:solidFill>
-                  <a:schemeClr val="dk1"/>
-                </a:solidFill>
-                <a:latin typeface="Calibri"/>
-                <a:ea typeface="Calibri"/>
-                <a:cs typeface="Calibri"/>
-                <a:sym typeface="Calibri"/>
-              </a:defRPr>
-            </a:lvl1pPr>
-            <a:lvl2pPr marR="0" lvl="1" algn="l" rtl="0">
-              <a:lnSpc>
-                <a:spcPct val="100000"/>
-              </a:lnSpc>
-              <a:spcBef>
-                <a:spcPts val="0"/>
-              </a:spcBef>
-              <a:spcAft>
-                <a:spcPts val="0"/>
-              </a:spcAft>
-              <a:buClr>
-                <a:srgbClr val="000000"/>
-              </a:buClr>
-              <a:buSzPts val="1400"/>
-              <a:buFont typeface="Arial"/>
-              <a:buNone/>
-              <a:defRPr sz="1800" b="0" i="0" u="none" strike="noStrike" cap="none">
-                <a:solidFill>
-                  <a:srgbClr val="000000"/>
-                </a:solidFill>
-                <a:latin typeface="Arial"/>
-                <a:ea typeface="Arial"/>
-                <a:cs typeface="Arial"/>
-                <a:sym typeface="Arial"/>
-              </a:defRPr>
-            </a:lvl2pPr>
-            <a:lvl3pPr marR="0" lvl="2" algn="l" rtl="0">
-              <a:lnSpc>
-                <a:spcPct val="100000"/>
-              </a:lnSpc>
-              <a:spcBef>
-                <a:spcPts val="0"/>
-              </a:spcBef>
-              <a:spcAft>
-                <a:spcPts val="0"/>
-              </a:spcAft>
-              <a:buClr>
-                <a:srgbClr val="000000"/>
-              </a:buClr>
-              <a:buSzPts val="1400"/>
-              <a:buFont typeface="Arial"/>
-              <a:buNone/>
-              <a:defRPr sz="1800" b="0" i="0" u="none" strike="noStrike" cap="none">
-                <a:solidFill>
-                  <a:srgbClr val="000000"/>
-                </a:solidFill>
-                <a:latin typeface="Arial"/>
-                <a:ea typeface="Arial"/>
-                <a:cs typeface="Arial"/>
-                <a:sym typeface="Arial"/>
-              </a:defRPr>
-            </a:lvl3pPr>
-            <a:lvl4pPr marR="0" lvl="3" algn="l" rtl="0">
-              <a:lnSpc>
-                <a:spcPct val="100000"/>
-              </a:lnSpc>
-              <a:spcBef>
-                <a:spcPts val="0"/>
-              </a:spcBef>
-              <a:spcAft>
-                <a:spcPts val="0"/>
-              </a:spcAft>
-              <a:buClr>
-                <a:srgbClr val="000000"/>
-              </a:buClr>
-              <a:buSzPts val="1400"/>
-              <a:buFont typeface="Arial"/>
-              <a:buNone/>
-              <a:defRPr sz="1800" b="0" i="0" u="none" strike="noStrike" cap="none">
-                <a:solidFill>
-                  <a:srgbClr val="000000"/>
-                </a:solidFill>
-                <a:latin typeface="Arial"/>
-                <a:ea typeface="Arial"/>
-                <a:cs typeface="Arial"/>
-                <a:sym typeface="Arial"/>
-              </a:defRPr>
-            </a:lvl4pPr>
-            <a:lvl5pPr marR="0" lvl="4" algn="l" rtl="0">
-              <a:lnSpc>
-                <a:spcPct val="100000"/>
-              </a:lnSpc>
-              <a:spcBef>
-                <a:spcPts val="0"/>
-              </a:spcBef>
-              <a:spcAft>
-                <a:spcPts val="0"/>
-              </a:spcAft>
-              <a:buClr>
-                <a:srgbClr val="000000"/>
-              </a:buClr>
-              <a:buSzPts val="1400"/>
-              <a:buFont typeface="Arial"/>
-              <a:buNone/>
-              <a:defRPr sz="1800" b="0" i="0" u="none" strike="noStrike" cap="none">
-                <a:solidFill>
-                  <a:srgbClr val="000000"/>
-                </a:solidFill>
-                <a:latin typeface="Arial"/>
-                <a:ea typeface="Arial"/>
-                <a:cs typeface="Arial"/>
-                <a:sym typeface="Arial"/>
-              </a:defRPr>
-            </a:lvl5pPr>
-            <a:lvl6pPr marR="0" lvl="5" algn="l" rtl="0">
-              <a:lnSpc>
-                <a:spcPct val="100000"/>
-              </a:lnSpc>
-              <a:spcBef>
-                <a:spcPts val="0"/>
-              </a:spcBef>
-              <a:spcAft>
-                <a:spcPts val="0"/>
-              </a:spcAft>
-              <a:buClr>
-                <a:srgbClr val="000000"/>
-              </a:buClr>
-              <a:buSzPts val="1400"/>
-              <a:buFont typeface="Arial"/>
-              <a:buNone/>
-              <a:defRPr sz="1800" b="0" i="0" u="none" strike="noStrike" cap="none">
-                <a:solidFill>
-                  <a:srgbClr val="000000"/>
-                </a:solidFill>
-                <a:latin typeface="Arial"/>
-                <a:ea typeface="Arial"/>
-                <a:cs typeface="Arial"/>
-                <a:sym typeface="Arial"/>
-              </a:defRPr>
-            </a:lvl6pPr>
-            <a:lvl7pPr marR="0" lvl="6" algn="l" rtl="0">
-              <a:lnSpc>
-                <a:spcPct val="100000"/>
-              </a:lnSpc>
-              <a:spcBef>
-                <a:spcPts val="0"/>
-              </a:spcBef>
-              <a:spcAft>
-                <a:spcPts val="0"/>
-              </a:spcAft>
-              <a:buClr>
-                <a:srgbClr val="000000"/>
-              </a:buClr>
-              <a:buSzPts val="1400"/>
-              <a:buFont typeface="Arial"/>
-              <a:buNone/>
-              <a:defRPr sz="1800" b="0" i="0" u="none" strike="noStrike" cap="none">
-                <a:solidFill>
-                  <a:srgbClr val="000000"/>
-                </a:solidFill>
-                <a:latin typeface="Arial"/>
-                <a:ea typeface="Arial"/>
-                <a:cs typeface="Arial"/>
-                <a:sym typeface="Arial"/>
-              </a:defRPr>
-            </a:lvl7pPr>
-            <a:lvl8pPr marR="0" lvl="7" algn="l" rtl="0">
-              <a:lnSpc>
-                <a:spcPct val="100000"/>
-              </a:lnSpc>
-              <a:spcBef>
-                <a:spcPts val="0"/>
-              </a:spcBef>
-              <a:spcAft>
-                <a:spcPts val="0"/>
-              </a:spcAft>
-              <a:buClr>
-                <a:srgbClr val="000000"/>
-              </a:buClr>
-              <a:buSzPts val="1400"/>
-              <a:buFont typeface="Arial"/>
-              <a:buNone/>
-              <a:defRPr sz="1800" b="0" i="0" u="none" strike="noStrike" cap="none">
-                <a:solidFill>
-                  <a:srgbClr val="000000"/>
-                </a:solidFill>
-                <a:latin typeface="Arial"/>
-                <a:ea typeface="Arial"/>
-                <a:cs typeface="Arial"/>
-                <a:sym typeface="Arial"/>
-              </a:defRPr>
-            </a:lvl8pPr>
-            <a:lvl9pPr marR="0" lvl="8" algn="l" rtl="0">
-              <a:lnSpc>
-                <a:spcPct val="100000"/>
-              </a:lnSpc>
-              <a:spcBef>
-                <a:spcPts val="0"/>
-              </a:spcBef>
-              <a:spcAft>
-                <a:spcPts val="0"/>
-              </a:spcAft>
-              <a:buClr>
-                <a:srgbClr val="000000"/>
-              </a:buClr>
-              <a:buSzPts val="1400"/>
-              <a:buFont typeface="Arial"/>
-              <a:buNone/>
-              <a:defRPr sz="1800" b="0" i="0" u="none" strike="noStrike" cap="none">
-                <a:solidFill>
-                  <a:srgbClr val="000000"/>
-                </a:solidFill>
-                <a:latin typeface="Arial"/>
-                <a:ea typeface="Arial"/>
-                <a:cs typeface="Arial"/>
-                <a:sym typeface="Arial"/>
-              </a:defRPr>
-            </a:lvl9pPr>
-          </a:lstStyle>
-          <a:p>
-            <a:pPr>
-              <a:buSzPts val="1800"/>
+          <a:lstStyle/>
+          <a:p>
+            <a:pPr algn="ctr"/>
+            <a:br>
+              <a:rPr lang="en-US" sz="4400" dirty="0"/>
+            </a:br>
+            <a:r>
+              <a:rPr lang="en-US" sz="4400" dirty="0"/>
+              <a:t> </a:t>
+            </a:r>
+            <a:r>
+              <a:rPr lang="en-US" sz="6000" dirty="0"/>
+              <a:t>Coding</a:t>
+            </a:r>
+            <a:br>
+              <a:rPr lang="en-US" sz="4400" dirty="0"/>
+            </a:br>
+            <a:endParaRPr lang="en-IN" dirty="0"/>
+          </a:p>
+        </p:txBody>
+      </p:sp>
+      <p:sp>
+        <p:nvSpPr>
+          <p:cNvPr id="3" name="Text Placeholder 2">
+            <a:extLst>
+              <a:ext uri="{FF2B5EF4-FFF2-40B4-BE49-F238E27FC236}">
+                <a16:creationId xmlns:a16="http://schemas.microsoft.com/office/drawing/2014/main" id="{664D29B3-7BEF-D433-9A8F-AE14E8E4019C}"/>
+              </a:ext>
+            </a:extLst>
+          </p:cNvPr>
+          <p:cNvSpPr>
+            <a:spLocks noGrp="1"/>
+          </p:cNvSpPr>
+          <p:nvPr>
+            <p:ph type="body" idx="1"/>
+          </p:nvPr>
+        </p:nvSpPr>
+        <p:spPr/>
+        <p:txBody>
+          <a:bodyPr>
+            <a:normAutofit fontScale="62500" lnSpcReduction="20000"/>
+          </a:bodyPr>
+          <a:lstStyle/>
+          <a:p>
+            <a:pPr marL="114300" indent="0">
+              <a:buNone/>
             </a:pPr>
             <a:r>
-              <a:rPr lang="en-US" sz="5400" dirty="0"/>
-              <a:t>Coding</a:t>
+              <a:rPr lang="en-US" sz="2800" b="1" dirty="0"/>
+              <a:t>import </a:t>
+            </a:r>
+            <a:r>
+              <a:rPr lang="en-US" sz="2800" b="1" dirty="0" err="1"/>
+              <a:t>matplotlib.pyplot</a:t>
+            </a:r>
+            <a:r>
+              <a:rPr lang="en-US" sz="2800" b="1" dirty="0"/>
+              <a:t> as </a:t>
+            </a:r>
+            <a:r>
+              <a:rPr lang="en-US" sz="2800" b="1" dirty="0" err="1"/>
+              <a:t>plt</a:t>
+            </a:r>
+            <a:endParaRPr lang="en-US" sz="2800" b="1" dirty="0"/>
+          </a:p>
+          <a:p>
+            <a:pPr marL="114300" indent="0">
+              <a:buNone/>
+            </a:pPr>
+            <a:r>
+              <a:rPr lang="en-US" sz="2800" b="1" dirty="0"/>
+              <a:t>import seaborn as </a:t>
+            </a:r>
+            <a:r>
+              <a:rPr lang="en-US" sz="2800" b="1" dirty="0" err="1"/>
+              <a:t>sns</a:t>
+            </a:r>
+            <a:endParaRPr lang="en-US" sz="2800" b="1" dirty="0"/>
+          </a:p>
+          <a:p>
+            <a:pPr marL="114300" indent="0">
+              <a:buNone/>
+            </a:pPr>
+            <a:r>
+              <a:rPr lang="en-US" sz="2800" b="1" dirty="0"/>
+              <a:t>import </a:t>
+            </a:r>
+            <a:r>
+              <a:rPr lang="en-US" sz="2800" b="1" dirty="0" err="1"/>
+              <a:t>numpy</a:t>
+            </a:r>
+            <a:r>
+              <a:rPr lang="en-US" sz="2800" b="1" dirty="0"/>
+              <a:t> as np</a:t>
+            </a:r>
+          </a:p>
+          <a:p>
+            <a:pPr marL="114300" indent="0">
+              <a:buNone/>
+            </a:pPr>
+            <a:r>
+              <a:rPr lang="en-US" sz="2800" b="1" dirty="0"/>
+              <a:t>import pandas as pd</a:t>
+            </a:r>
+          </a:p>
+          <a:p>
+            <a:pPr marL="114300" indent="0">
+              <a:buNone/>
+            </a:pPr>
+            <a:r>
+              <a:rPr lang="en-US" sz="2800" b="1" dirty="0" err="1"/>
+              <a:t>df</a:t>
+            </a:r>
+            <a:r>
+              <a:rPr lang="en-US" sz="2800" b="1" dirty="0"/>
+              <a:t>=</a:t>
+            </a:r>
+            <a:r>
+              <a:rPr lang="en-US" sz="2800" b="1" dirty="0" err="1"/>
+              <a:t>pd.read_csv</a:t>
+            </a:r>
+            <a:r>
+              <a:rPr lang="en-US" sz="2800" b="1" dirty="0"/>
+              <a:t>('BankNote_Authentication.csv')</a:t>
+            </a:r>
+          </a:p>
+          <a:p>
+            <a:pPr marL="114300" indent="0">
+              <a:buNone/>
+            </a:pPr>
+            <a:r>
+              <a:rPr lang="en-US" sz="2800" b="1" dirty="0" err="1"/>
+              <a:t>df.head</a:t>
+            </a:r>
+            <a:r>
+              <a:rPr lang="en-US" sz="2800" b="1" dirty="0"/>
+              <a:t>()</a:t>
+            </a:r>
+          </a:p>
+          <a:p>
+            <a:pPr marL="114300" indent="0">
+              <a:buNone/>
+            </a:pPr>
+            <a:r>
+              <a:rPr lang="en-US" sz="2800" b="1" dirty="0" err="1"/>
+              <a:t>df.shape</a:t>
+            </a:r>
+            <a:endParaRPr lang="en-US" sz="2800" b="1" dirty="0"/>
+          </a:p>
+          <a:p>
+            <a:pPr marL="114300" indent="0">
+              <a:buNone/>
+            </a:pPr>
+            <a:r>
+              <a:rPr lang="en-US" sz="2800" b="1" dirty="0" err="1"/>
+              <a:t>df.describe</a:t>
+            </a:r>
+            <a:r>
+              <a:rPr lang="en-US" sz="2800" b="1" dirty="0"/>
+              <a:t>()</a:t>
+            </a:r>
+          </a:p>
+          <a:p>
+            <a:pPr marL="114300" indent="0">
+              <a:buNone/>
+            </a:pPr>
+            <a:r>
+              <a:rPr lang="en-US" sz="2800" b="1" dirty="0" err="1"/>
+              <a:t>df.isnull</a:t>
+            </a:r>
+            <a:r>
+              <a:rPr lang="en-US" sz="2800" b="1" dirty="0"/>
+              <a:t>().sum()  </a:t>
+            </a:r>
+          </a:p>
+          <a:p>
+            <a:pPr marL="114300" indent="0">
+              <a:buNone/>
+            </a:pPr>
+            <a:r>
+              <a:rPr lang="en-US" sz="2800" b="1" dirty="0" err="1"/>
+              <a:t>df.isna</a:t>
+            </a:r>
+            <a:r>
+              <a:rPr lang="en-US" sz="2800" b="1" dirty="0"/>
+              <a:t>().sum()</a:t>
+            </a:r>
+          </a:p>
+          <a:p>
+            <a:pPr marL="114300" indent="0">
+              <a:buNone/>
+            </a:pPr>
+            <a:r>
+              <a:rPr lang="en-US" sz="2800" b="1" dirty="0" err="1"/>
+              <a:t>df.columns</a:t>
+            </a:r>
+            <a:endParaRPr lang="en-US" sz="2800" b="1" dirty="0"/>
+          </a:p>
+          <a:p>
+            <a:pPr marL="114300" indent="0">
+              <a:buNone/>
+            </a:pPr>
+            <a:r>
+              <a:rPr lang="en-US" sz="2800" b="1" dirty="0" err="1"/>
+              <a:t>df.describe</a:t>
+            </a:r>
+            <a:r>
+              <a:rPr lang="en-US" sz="2800" b="1" dirty="0"/>
+              <a:t>().T</a:t>
+            </a:r>
+          </a:p>
+          <a:p>
+            <a:pPr marL="114300" indent="0">
+              <a:buNone/>
+            </a:pPr>
+            <a:r>
+              <a:rPr lang="en-US" sz="2800" b="1" dirty="0"/>
+              <a:t>df.info()</a:t>
             </a:r>
           </a:p>
         </p:txBody>
@@ -20018,7 +19975,7 @@
     </p:spTree>
     <p:extLst>
       <p:ext uri="{BB962C8B-B14F-4D97-AF65-F5344CB8AC3E}">
-        <p14:creationId xmlns:p14="http://schemas.microsoft.com/office/powerpoint/2010/main" val="3441378291"/>
+        <p14:creationId xmlns:p14="http://schemas.microsoft.com/office/powerpoint/2010/main" val="1155806705"/>
       </p:ext>
     </p:extLst>
   </p:cSld>
@@ -20029,6 +19986,1218 @@
 </file>
 
 <file path=ppt/slides/slide21.xml><?xml version="1.0" encoding="utf-8"?>
+<p:sld xmlns:a="http://schemas.openxmlformats.org/drawingml/2006/main" xmlns:r="http://schemas.openxmlformats.org/officeDocument/2006/relationships" xmlns:p="http://schemas.openxmlformats.org/presentationml/2006/main">
+  <p:cSld>
+    <p:spTree>
+      <p:nvGrpSpPr>
+        <p:cNvPr id="1" name=""/>
+        <p:cNvGrpSpPr/>
+        <p:nvPr/>
+      </p:nvGrpSpPr>
+      <p:grpSpPr>
+        <a:xfrm>
+          <a:off x="0" y="0"/>
+          <a:ext cx="0" cy="0"/>
+          <a:chOff x="0" y="0"/>
+          <a:chExt cx="0" cy="0"/>
+        </a:xfrm>
+      </p:grpSpPr>
+      <p:sp>
+        <p:nvSpPr>
+          <p:cNvPr id="3" name="Text Placeholder 2">
+            <a:extLst>
+              <a:ext uri="{FF2B5EF4-FFF2-40B4-BE49-F238E27FC236}">
+                <a16:creationId xmlns:a16="http://schemas.microsoft.com/office/drawing/2014/main" id="{59376BF7-4B5A-7AFE-49A6-B53782E262C1}"/>
+              </a:ext>
+            </a:extLst>
+          </p:cNvPr>
+          <p:cNvSpPr>
+            <a:spLocks noGrp="1"/>
+          </p:cNvSpPr>
+          <p:nvPr>
+            <p:ph type="body" idx="1"/>
+          </p:nvPr>
+        </p:nvSpPr>
+        <p:spPr>
+          <a:xfrm>
+            <a:off x="376287" y="355043"/>
+            <a:ext cx="10515600" cy="6036330"/>
+          </a:xfrm>
+        </p:spPr>
+        <p:txBody>
+          <a:bodyPr>
+            <a:normAutofit fontScale="55000" lnSpcReduction="20000"/>
+          </a:bodyPr>
+          <a:lstStyle/>
+          <a:p>
+            <a:pPr marL="114300" indent="0">
+              <a:buNone/>
+            </a:pPr>
+            <a:r>
+              <a:rPr lang="en-IN" dirty="0"/>
+              <a:t>target = 'class'</a:t>
+            </a:r>
+          </a:p>
+          <a:p>
+            <a:pPr marL="114300" indent="0">
+              <a:buNone/>
+            </a:pPr>
+            <a:r>
+              <a:rPr lang="en-IN" dirty="0" err="1"/>
+              <a:t>ax</a:t>
+            </a:r>
+            <a:r>
+              <a:rPr lang="en-IN" dirty="0"/>
+              <a:t> = </a:t>
+            </a:r>
+            <a:r>
+              <a:rPr lang="en-IN" dirty="0" err="1"/>
+              <a:t>sns.countplot</a:t>
+            </a:r>
+            <a:r>
+              <a:rPr lang="en-IN" dirty="0"/>
+              <a:t>(x = target, data = </a:t>
+            </a:r>
+            <a:r>
+              <a:rPr lang="en-IN" dirty="0" err="1"/>
+              <a:t>df</a:t>
+            </a:r>
+            <a:r>
+              <a:rPr lang="en-IN" dirty="0"/>
+              <a:t>)</a:t>
+            </a:r>
+          </a:p>
+          <a:p>
+            <a:pPr marL="114300" indent="0">
+              <a:buNone/>
+            </a:pPr>
+            <a:r>
+              <a:rPr lang="en-IN" dirty="0"/>
+              <a:t>print(</a:t>
+            </a:r>
+            <a:r>
+              <a:rPr lang="en-IN" dirty="0" err="1"/>
+              <a:t>df</a:t>
+            </a:r>
+            <a:r>
+              <a:rPr lang="en-IN" dirty="0"/>
+              <a:t>[target].</a:t>
+            </a:r>
+            <a:r>
+              <a:rPr lang="en-IN" dirty="0" err="1"/>
+              <a:t>value_counts</a:t>
+            </a:r>
+            <a:r>
+              <a:rPr lang="en-IN" dirty="0"/>
+              <a:t>())</a:t>
+            </a:r>
+          </a:p>
+          <a:p>
+            <a:pPr marL="114300" indent="0">
+              <a:buNone/>
+            </a:pPr>
+            <a:r>
+              <a:rPr lang="en-IN" dirty="0" err="1"/>
+              <a:t>sns.heatmap</a:t>
+            </a:r>
+            <a:r>
+              <a:rPr lang="en-IN" dirty="0"/>
+              <a:t>(</a:t>
+            </a:r>
+            <a:r>
+              <a:rPr lang="en-IN" dirty="0" err="1"/>
+              <a:t>df.corr</a:t>
+            </a:r>
+            <a:r>
+              <a:rPr lang="en-IN" dirty="0"/>
+              <a:t>(),</a:t>
+            </a:r>
+            <a:r>
+              <a:rPr lang="en-IN" dirty="0" err="1"/>
+              <a:t>annot</a:t>
+            </a:r>
+            <a:r>
+              <a:rPr lang="en-IN" dirty="0"/>
+              <a:t> = </a:t>
+            </a:r>
+            <a:r>
+              <a:rPr lang="en-IN" dirty="0" err="1"/>
+              <a:t>True,cmap</a:t>
+            </a:r>
+            <a:r>
+              <a:rPr lang="en-IN" dirty="0"/>
+              <a:t> = '</a:t>
+            </a:r>
+            <a:r>
+              <a:rPr lang="en-IN" dirty="0" err="1"/>
+              <a:t>mako',cbar</a:t>
+            </a:r>
+            <a:r>
+              <a:rPr lang="en-IN" dirty="0"/>
+              <a:t> = </a:t>
+            </a:r>
+            <a:r>
+              <a:rPr lang="en-IN" dirty="0" err="1"/>
+              <a:t>True,linewidths</a:t>
+            </a:r>
+            <a:r>
+              <a:rPr lang="en-IN" dirty="0"/>
+              <a:t> = 0.2)</a:t>
+            </a:r>
+          </a:p>
+          <a:p>
+            <a:pPr marL="114300" indent="0">
+              <a:buNone/>
+            </a:pPr>
+            <a:r>
+              <a:rPr lang="en-IN" dirty="0"/>
+              <a:t>fig = </a:t>
+            </a:r>
+            <a:r>
+              <a:rPr lang="en-IN" dirty="0" err="1"/>
+              <a:t>plt.gcf</a:t>
+            </a:r>
+            <a:r>
+              <a:rPr lang="en-IN" dirty="0"/>
+              <a:t>()</a:t>
+            </a:r>
+          </a:p>
+          <a:p>
+            <a:pPr marL="114300" indent="0">
+              <a:buNone/>
+            </a:pPr>
+            <a:r>
+              <a:rPr lang="en-IN" dirty="0" err="1"/>
+              <a:t>plt.show</a:t>
+            </a:r>
+            <a:r>
+              <a:rPr lang="en-IN" dirty="0"/>
+              <a:t>()</a:t>
+            </a:r>
+          </a:p>
+          <a:p>
+            <a:pPr marL="114300" indent="0">
+              <a:buNone/>
+            </a:pPr>
+            <a:r>
+              <a:rPr lang="en-IN" dirty="0" err="1"/>
+              <a:t>sns.pairplot</a:t>
+            </a:r>
+            <a:r>
+              <a:rPr lang="en-IN" dirty="0"/>
+              <a:t>(</a:t>
+            </a:r>
+            <a:r>
+              <a:rPr lang="en-IN" dirty="0" err="1"/>
+              <a:t>df,hue</a:t>
+            </a:r>
+            <a:r>
+              <a:rPr lang="en-IN" dirty="0"/>
+              <a:t> ="class")</a:t>
+            </a:r>
+          </a:p>
+          <a:p>
+            <a:pPr marL="114300" indent="0">
+              <a:buNone/>
+            </a:pPr>
+            <a:r>
+              <a:rPr lang="en-IN" dirty="0" err="1"/>
+              <a:t>sns.displot</a:t>
+            </a:r>
+            <a:r>
+              <a:rPr lang="en-IN" dirty="0"/>
+              <a:t>(</a:t>
+            </a:r>
+            <a:r>
+              <a:rPr lang="en-IN" dirty="0" err="1"/>
+              <a:t>df</a:t>
+            </a:r>
+            <a:r>
+              <a:rPr lang="en-IN" dirty="0"/>
+              <a:t>["variance"], height = 4, aspect =  1.5)</a:t>
+            </a:r>
+          </a:p>
+          <a:p>
+            <a:pPr marL="114300" indent="0">
+              <a:buNone/>
+            </a:pPr>
+            <a:r>
+              <a:rPr lang="en-IN" dirty="0" err="1"/>
+              <a:t>plt.xlabel</a:t>
+            </a:r>
+            <a:r>
+              <a:rPr lang="en-IN" dirty="0"/>
+              <a:t>("Variance")</a:t>
+            </a:r>
+          </a:p>
+          <a:p>
+            <a:pPr marL="114300" indent="0">
+              <a:buNone/>
+            </a:pPr>
+            <a:r>
+              <a:rPr lang="en-IN" dirty="0" err="1"/>
+              <a:t>sns.displot</a:t>
+            </a:r>
+            <a:r>
+              <a:rPr lang="en-IN" dirty="0"/>
+              <a:t>(</a:t>
+            </a:r>
+            <a:r>
+              <a:rPr lang="en-IN" dirty="0" err="1"/>
+              <a:t>df</a:t>
+            </a:r>
+            <a:r>
+              <a:rPr lang="en-IN" dirty="0"/>
+              <a:t>["</a:t>
+            </a:r>
+            <a:r>
+              <a:rPr lang="en-IN" dirty="0" err="1"/>
+              <a:t>curtosis</a:t>
+            </a:r>
+            <a:r>
+              <a:rPr lang="en-IN" dirty="0"/>
+              <a:t>"], height = 4, aspect =  1.5)</a:t>
+            </a:r>
+          </a:p>
+          <a:p>
+            <a:pPr marL="114300" indent="0">
+              <a:buNone/>
+            </a:pPr>
+            <a:r>
+              <a:rPr lang="en-IN" dirty="0" err="1"/>
+              <a:t>plt.xlabel</a:t>
+            </a:r>
+            <a:r>
+              <a:rPr lang="en-IN" dirty="0"/>
+              <a:t>("</a:t>
+            </a:r>
+            <a:r>
+              <a:rPr lang="en-IN" dirty="0" err="1"/>
+              <a:t>Curtosis</a:t>
+            </a:r>
+            <a:r>
+              <a:rPr lang="en-IN" dirty="0"/>
+              <a:t>")</a:t>
+            </a:r>
+          </a:p>
+          <a:p>
+            <a:pPr marL="114300" indent="0">
+              <a:buNone/>
+            </a:pPr>
+            <a:r>
+              <a:rPr lang="en-IN" dirty="0" err="1"/>
+              <a:t>sns.displot</a:t>
+            </a:r>
+            <a:r>
+              <a:rPr lang="en-IN" dirty="0"/>
+              <a:t>(</a:t>
+            </a:r>
+            <a:r>
+              <a:rPr lang="en-IN" dirty="0" err="1"/>
+              <a:t>df</a:t>
+            </a:r>
+            <a:r>
+              <a:rPr lang="en-IN" dirty="0"/>
+              <a:t>["skewness"], height = 4, aspect =  1.75)</a:t>
+            </a:r>
+          </a:p>
+          <a:p>
+            <a:pPr marL="114300" indent="0">
+              <a:buNone/>
+            </a:pPr>
+            <a:r>
+              <a:rPr lang="en-IN" dirty="0" err="1"/>
+              <a:t>plt.xlabel</a:t>
+            </a:r>
+            <a:r>
+              <a:rPr lang="en-IN" dirty="0"/>
+              <a:t>("Skewness")</a:t>
+            </a:r>
+          </a:p>
+          <a:p>
+            <a:pPr marL="114300" indent="0">
+              <a:buNone/>
+            </a:pPr>
+            <a:r>
+              <a:rPr lang="en-IN" dirty="0" err="1"/>
+              <a:t>sns.displot</a:t>
+            </a:r>
+            <a:r>
+              <a:rPr lang="en-IN" dirty="0"/>
+              <a:t>(</a:t>
+            </a:r>
+            <a:r>
+              <a:rPr lang="en-IN" dirty="0" err="1"/>
+              <a:t>df</a:t>
+            </a:r>
+            <a:r>
+              <a:rPr lang="en-IN" dirty="0"/>
+              <a:t>["entropy"], height = 4, aspect =  1.75)</a:t>
+            </a:r>
+          </a:p>
+          <a:p>
+            <a:pPr marL="114300" indent="0">
+              <a:buNone/>
+            </a:pPr>
+            <a:r>
+              <a:rPr lang="en-IN" dirty="0" err="1"/>
+              <a:t>plt.xlabel</a:t>
+            </a:r>
+            <a:r>
+              <a:rPr lang="en-IN" dirty="0"/>
+              <a:t>("Entropy")</a:t>
+            </a:r>
+          </a:p>
+          <a:p>
+            <a:pPr marL="114300" indent="0">
+              <a:buNone/>
+            </a:pPr>
+            <a:r>
+              <a:rPr lang="en-IN" dirty="0" err="1"/>
+              <a:t>sns.histplot</a:t>
+            </a:r>
+            <a:r>
+              <a:rPr lang="en-IN" dirty="0"/>
+              <a:t>(data=</a:t>
+            </a:r>
+            <a:r>
+              <a:rPr lang="en-IN" dirty="0" err="1"/>
+              <a:t>df</a:t>
+            </a:r>
+            <a:r>
+              <a:rPr lang="en-IN" dirty="0"/>
+              <a:t>)</a:t>
+            </a:r>
+          </a:p>
+          <a:p>
+            <a:pPr marL="114300" indent="0">
+              <a:buNone/>
+            </a:pPr>
+            <a:r>
+              <a:rPr lang="en-IN" dirty="0" err="1"/>
+              <a:t>sns.jointplot</a:t>
+            </a:r>
+            <a:r>
+              <a:rPr lang="en-IN" dirty="0"/>
+              <a:t>(data=</a:t>
+            </a:r>
+            <a:r>
+              <a:rPr lang="en-IN" dirty="0" err="1"/>
+              <a:t>df</a:t>
+            </a:r>
+            <a:r>
+              <a:rPr lang="en-IN" dirty="0"/>
+              <a:t>, x="variance", y="class")</a:t>
+            </a:r>
+          </a:p>
+          <a:p>
+            <a:pPr marL="114300" indent="0">
+              <a:buNone/>
+            </a:pPr>
+            <a:r>
+              <a:rPr lang="en-IN" dirty="0" err="1"/>
+              <a:t>sns.jointplot</a:t>
+            </a:r>
+            <a:r>
+              <a:rPr lang="en-IN" dirty="0"/>
+              <a:t>(data=</a:t>
+            </a:r>
+            <a:r>
+              <a:rPr lang="en-IN" dirty="0" err="1"/>
+              <a:t>df,x</a:t>
+            </a:r>
+            <a:r>
+              <a:rPr lang="en-IN" dirty="0"/>
+              <a:t>='</a:t>
+            </a:r>
+            <a:r>
+              <a:rPr lang="en-IN" dirty="0" err="1"/>
+              <a:t>curtosis</a:t>
+            </a:r>
+            <a:r>
+              <a:rPr lang="en-IN" dirty="0"/>
+              <a:t>',y='class')</a:t>
+            </a:r>
+          </a:p>
+          <a:p>
+            <a:pPr marL="114300" indent="0">
+              <a:buNone/>
+            </a:pPr>
+            <a:r>
+              <a:rPr lang="en-IN" dirty="0" err="1"/>
+              <a:t>sns.jointplot</a:t>
+            </a:r>
+            <a:r>
+              <a:rPr lang="en-IN" dirty="0"/>
+              <a:t>(data=</a:t>
+            </a:r>
+            <a:r>
+              <a:rPr lang="en-IN" dirty="0" err="1"/>
+              <a:t>df,x</a:t>
+            </a:r>
+            <a:r>
+              <a:rPr lang="en-IN" dirty="0"/>
+              <a:t>='</a:t>
+            </a:r>
+            <a:r>
+              <a:rPr lang="en-IN" dirty="0" err="1"/>
+              <a:t>entropy',y</a:t>
+            </a:r>
+            <a:r>
+              <a:rPr lang="en-IN" dirty="0"/>
+              <a:t>='class')</a:t>
+            </a:r>
+          </a:p>
+          <a:p>
+            <a:endParaRPr lang="en-IN" dirty="0"/>
+          </a:p>
+        </p:txBody>
+      </p:sp>
+    </p:spTree>
+    <p:extLst>
+      <p:ext uri="{BB962C8B-B14F-4D97-AF65-F5344CB8AC3E}">
+        <p14:creationId xmlns:p14="http://schemas.microsoft.com/office/powerpoint/2010/main" val="1529507371"/>
+      </p:ext>
+    </p:extLst>
+  </p:cSld>
+  <p:clrMapOvr>
+    <a:masterClrMapping/>
+  </p:clrMapOvr>
+</p:sld>
+</file>
+
+<file path=ppt/slides/slide22.xml><?xml version="1.0" encoding="utf-8"?>
+<p:sld xmlns:a="http://schemas.openxmlformats.org/drawingml/2006/main" xmlns:r="http://schemas.openxmlformats.org/officeDocument/2006/relationships" xmlns:p="http://schemas.openxmlformats.org/presentationml/2006/main">
+  <p:cSld>
+    <p:spTree>
+      <p:nvGrpSpPr>
+        <p:cNvPr id="1" name=""/>
+        <p:cNvGrpSpPr/>
+        <p:nvPr/>
+      </p:nvGrpSpPr>
+      <p:grpSpPr>
+        <a:xfrm>
+          <a:off x="0" y="0"/>
+          <a:ext cx="0" cy="0"/>
+          <a:chOff x="0" y="0"/>
+          <a:chExt cx="0" cy="0"/>
+        </a:xfrm>
+      </p:grpSpPr>
+      <p:sp>
+        <p:nvSpPr>
+          <p:cNvPr id="3" name="Text Placeholder 2">
+            <a:extLst>
+              <a:ext uri="{FF2B5EF4-FFF2-40B4-BE49-F238E27FC236}">
+                <a16:creationId xmlns:a16="http://schemas.microsoft.com/office/drawing/2014/main" id="{BDAE1506-E1E9-697B-22A3-0B43265A8C7F}"/>
+              </a:ext>
+            </a:extLst>
+          </p:cNvPr>
+          <p:cNvSpPr>
+            <a:spLocks noGrp="1"/>
+          </p:cNvSpPr>
+          <p:nvPr>
+            <p:ph type="body" idx="1"/>
+          </p:nvPr>
+        </p:nvSpPr>
+        <p:spPr>
+          <a:xfrm>
+            <a:off x="838200" y="273377"/>
+            <a:ext cx="10515600" cy="5903586"/>
+          </a:xfrm>
+        </p:spPr>
+        <p:txBody>
+          <a:bodyPr>
+            <a:normAutofit fontScale="92500" lnSpcReduction="20000"/>
+          </a:bodyPr>
+          <a:lstStyle/>
+          <a:p>
+            <a:pPr marL="114300" indent="0">
+              <a:buNone/>
+            </a:pPr>
+            <a:r>
+              <a:rPr lang="en-IN" sz="2400" dirty="0"/>
+              <a:t>x=</a:t>
+            </a:r>
+            <a:r>
+              <a:rPr lang="en-IN" sz="2400" dirty="0" err="1"/>
+              <a:t>df.drop</a:t>
+            </a:r>
+            <a:r>
+              <a:rPr lang="en-IN" sz="2400" dirty="0"/>
+              <a:t>('</a:t>
+            </a:r>
+            <a:r>
+              <a:rPr lang="en-IN" sz="2400" dirty="0" err="1"/>
+              <a:t>class',axis</a:t>
+            </a:r>
+            <a:r>
+              <a:rPr lang="en-IN" sz="2400" dirty="0"/>
+              <a:t>=1)</a:t>
+            </a:r>
+          </a:p>
+          <a:p>
+            <a:pPr marL="114300" indent="0">
+              <a:buNone/>
+            </a:pPr>
+            <a:r>
+              <a:rPr lang="en-IN" sz="2400" dirty="0"/>
+              <a:t>y=</a:t>
+            </a:r>
+            <a:r>
+              <a:rPr lang="en-IN" sz="2400" dirty="0" err="1"/>
+              <a:t>df</a:t>
+            </a:r>
+            <a:r>
+              <a:rPr lang="en-IN" sz="2400" dirty="0"/>
+              <a:t>['class']</a:t>
+            </a:r>
+          </a:p>
+          <a:p>
+            <a:pPr marL="114300" indent="0">
+              <a:buNone/>
+            </a:pPr>
+            <a:r>
+              <a:rPr lang="en-IN" sz="2400" dirty="0"/>
+              <a:t>from </a:t>
+            </a:r>
+            <a:r>
+              <a:rPr lang="en-IN" sz="2400" dirty="0" err="1"/>
+              <a:t>sklearn.model_selection</a:t>
+            </a:r>
+            <a:r>
+              <a:rPr lang="en-IN" sz="2400" dirty="0"/>
+              <a:t> import </a:t>
+            </a:r>
+            <a:r>
+              <a:rPr lang="en-IN" sz="2400" dirty="0" err="1"/>
+              <a:t>train_test_split</a:t>
+            </a:r>
+            <a:endParaRPr lang="en-IN" sz="2400" dirty="0"/>
+          </a:p>
+          <a:p>
+            <a:pPr marL="114300" indent="0">
+              <a:buNone/>
+            </a:pPr>
+            <a:r>
+              <a:rPr lang="en-IN" sz="2400" dirty="0" err="1"/>
+              <a:t>x_train</a:t>
+            </a:r>
+            <a:r>
+              <a:rPr lang="en-IN" sz="2400" dirty="0"/>
+              <a:t>, </a:t>
+            </a:r>
+            <a:r>
+              <a:rPr lang="en-IN" sz="2400" dirty="0" err="1"/>
+              <a:t>x_test</a:t>
+            </a:r>
+            <a:r>
+              <a:rPr lang="en-IN" sz="2400" dirty="0"/>
+              <a:t>, </a:t>
+            </a:r>
+            <a:r>
+              <a:rPr lang="en-IN" sz="2400" dirty="0" err="1"/>
+              <a:t>y_train</a:t>
+            </a:r>
+            <a:r>
+              <a:rPr lang="en-IN" sz="2400" dirty="0"/>
+              <a:t>, </a:t>
+            </a:r>
+            <a:r>
+              <a:rPr lang="en-IN" sz="2400" dirty="0" err="1"/>
+              <a:t>y_test</a:t>
+            </a:r>
+            <a:r>
+              <a:rPr lang="en-IN" sz="2400" dirty="0"/>
+              <a:t> = </a:t>
+            </a:r>
+            <a:r>
+              <a:rPr lang="en-IN" sz="2400" dirty="0" err="1"/>
+              <a:t>train_test_split</a:t>
+            </a:r>
+            <a:r>
+              <a:rPr lang="en-IN" sz="2400" dirty="0"/>
+              <a:t>(x, y, </a:t>
+            </a:r>
+            <a:r>
+              <a:rPr lang="en-IN" sz="2400" dirty="0" err="1"/>
+              <a:t>test_size</a:t>
+            </a:r>
+            <a:r>
+              <a:rPr lang="en-IN" sz="2400" dirty="0"/>
+              <a:t> = .20, </a:t>
+            </a:r>
+            <a:r>
+              <a:rPr lang="en-IN" sz="2400" dirty="0" err="1"/>
+              <a:t>random_state</a:t>
+            </a:r>
+            <a:r>
+              <a:rPr lang="en-IN" sz="2400" dirty="0"/>
+              <a:t> = </a:t>
+            </a:r>
+            <a:r>
+              <a:rPr lang="en-IN" sz="2400"/>
+              <a:t>1)</a:t>
+            </a:r>
+            <a:endParaRPr lang="en-IN" sz="2400" dirty="0"/>
+          </a:p>
+          <a:p>
+            <a:pPr marL="114300" indent="0">
+              <a:buNone/>
+            </a:pPr>
+            <a:r>
+              <a:rPr lang="en-IN" sz="2400" dirty="0"/>
+              <a:t>#LINEAR SUPPORT VECTOR CLASSIFIER</a:t>
+            </a:r>
+          </a:p>
+          <a:p>
+            <a:pPr marL="114300" indent="0">
+              <a:buNone/>
+            </a:pPr>
+            <a:r>
+              <a:rPr lang="en-IN" sz="2400" dirty="0"/>
+              <a:t>from </a:t>
+            </a:r>
+            <a:r>
+              <a:rPr lang="en-IN" sz="2400" dirty="0" err="1"/>
+              <a:t>sklearn.svm</a:t>
+            </a:r>
+            <a:r>
+              <a:rPr lang="en-IN" sz="2400" dirty="0"/>
+              <a:t> import SVC</a:t>
+            </a:r>
+          </a:p>
+          <a:p>
+            <a:pPr marL="114300" indent="0">
+              <a:buNone/>
+            </a:pPr>
+            <a:r>
+              <a:rPr lang="en-IN" sz="2400" dirty="0"/>
+              <a:t>## Instantiate the model</a:t>
+            </a:r>
+          </a:p>
+          <a:p>
+            <a:pPr marL="114300" indent="0">
+              <a:buNone/>
+            </a:pPr>
+            <a:r>
+              <a:rPr lang="en-IN" sz="2400" dirty="0"/>
+              <a:t>svc = SVC()</a:t>
+            </a:r>
+          </a:p>
+          <a:p>
+            <a:pPr marL="114300" indent="0">
+              <a:buNone/>
+            </a:pPr>
+            <a:r>
+              <a:rPr lang="en-IN" sz="2400" dirty="0"/>
+              <a:t># Fit the model on training data</a:t>
+            </a:r>
+          </a:p>
+          <a:p>
+            <a:pPr marL="114300" indent="0">
+              <a:buNone/>
+            </a:pPr>
+            <a:r>
+              <a:rPr lang="en-IN" sz="2400" dirty="0" err="1"/>
+              <a:t>svc.fit</a:t>
+            </a:r>
+            <a:r>
+              <a:rPr lang="en-IN" sz="2400" dirty="0"/>
+              <a:t>(</a:t>
+            </a:r>
+            <a:r>
+              <a:rPr lang="en-IN" sz="2400" dirty="0" err="1"/>
+              <a:t>x_train</a:t>
+            </a:r>
+            <a:r>
+              <a:rPr lang="en-IN" sz="2400" dirty="0"/>
+              <a:t>, </a:t>
+            </a:r>
+            <a:r>
+              <a:rPr lang="en-IN" sz="2400" dirty="0" err="1"/>
+              <a:t>y_train</a:t>
+            </a:r>
+            <a:r>
+              <a:rPr lang="en-IN" sz="2400" dirty="0"/>
+              <a:t>)</a:t>
+            </a:r>
+          </a:p>
+          <a:p>
+            <a:pPr marL="114300" indent="0">
+              <a:buNone/>
+            </a:pPr>
+            <a:r>
+              <a:rPr lang="en-IN" sz="2400" dirty="0"/>
+              <a:t>## Getting the predictions for </a:t>
+            </a:r>
+            <a:r>
+              <a:rPr lang="en-IN" sz="2400" dirty="0" err="1"/>
+              <a:t>x_test</a:t>
+            </a:r>
+            <a:endParaRPr lang="en-IN" sz="2400" dirty="0"/>
+          </a:p>
+          <a:p>
+            <a:pPr marL="114300" indent="0">
+              <a:buNone/>
+            </a:pPr>
+            <a:r>
+              <a:rPr lang="en-IN" sz="2400" dirty="0" err="1"/>
+              <a:t>y_pred_svc</a:t>
+            </a:r>
+            <a:r>
+              <a:rPr lang="en-IN" sz="2400" dirty="0"/>
+              <a:t> = </a:t>
+            </a:r>
+            <a:r>
+              <a:rPr lang="en-IN" sz="2400" dirty="0" err="1"/>
+              <a:t>svc.predict</a:t>
+            </a:r>
+            <a:r>
+              <a:rPr lang="en-IN" sz="2400" dirty="0"/>
+              <a:t>(</a:t>
+            </a:r>
+            <a:r>
+              <a:rPr lang="en-IN" sz="2400" dirty="0" err="1"/>
+              <a:t>x_test</a:t>
+            </a:r>
+            <a:r>
+              <a:rPr lang="en-IN" sz="2400" dirty="0"/>
+              <a:t>)</a:t>
+            </a:r>
+          </a:p>
+          <a:p>
+            <a:pPr marL="114300" indent="0">
+              <a:buNone/>
+            </a:pPr>
+            <a:r>
+              <a:rPr lang="en-US" sz="2400" dirty="0"/>
+              <a:t>print('--'*50)</a:t>
+            </a:r>
+          </a:p>
+          <a:p>
+            <a:pPr marL="114300" indent="0">
+              <a:buNone/>
+            </a:pPr>
+            <a:r>
+              <a:rPr lang="en-US" sz="2400" dirty="0" err="1"/>
+              <a:t>svc_accuracy</a:t>
+            </a:r>
+            <a:r>
+              <a:rPr lang="en-US" sz="2400" dirty="0"/>
+              <a:t> = round(</a:t>
+            </a:r>
+            <a:r>
+              <a:rPr lang="en-US" sz="2400" dirty="0" err="1"/>
+              <a:t>accuracy_score</a:t>
+            </a:r>
+            <a:r>
+              <a:rPr lang="en-US" sz="2400" dirty="0"/>
+              <a:t>(</a:t>
+            </a:r>
+            <a:r>
+              <a:rPr lang="en-US" sz="2400" dirty="0" err="1"/>
+              <a:t>y_test</a:t>
+            </a:r>
+            <a:r>
+              <a:rPr lang="en-US" sz="2400" dirty="0"/>
+              <a:t>, </a:t>
+            </a:r>
+            <a:r>
+              <a:rPr lang="en-US" sz="2400" dirty="0" err="1"/>
+              <a:t>y_pred_svc</a:t>
+            </a:r>
+            <a:r>
+              <a:rPr lang="en-US" sz="2400" dirty="0"/>
+              <a:t>)*100,8)</a:t>
+            </a:r>
+          </a:p>
+          <a:p>
+            <a:pPr marL="114300" indent="0">
+              <a:buNone/>
+            </a:pPr>
+            <a:r>
+              <a:rPr lang="en-US" sz="2400" dirty="0"/>
+              <a:t>print('Accuracy = ', </a:t>
+            </a:r>
+            <a:r>
+              <a:rPr lang="en-US" sz="2400" dirty="0" err="1"/>
+              <a:t>svc_accuracy</a:t>
+            </a:r>
+            <a:r>
+              <a:rPr lang="en-US" sz="2400" dirty="0"/>
+              <a:t>,'%')</a:t>
+            </a:r>
+          </a:p>
+          <a:p>
+            <a:pPr marL="114300" indent="0">
+              <a:buNone/>
+            </a:pPr>
+            <a:endParaRPr lang="en-IN" sz="2400" dirty="0"/>
+          </a:p>
+          <a:p>
+            <a:pPr marL="114300" indent="0">
+              <a:buNone/>
+            </a:pPr>
+            <a:endParaRPr lang="en-IN" sz="2400" dirty="0"/>
+          </a:p>
+        </p:txBody>
+      </p:sp>
+    </p:spTree>
+    <p:extLst>
+      <p:ext uri="{BB962C8B-B14F-4D97-AF65-F5344CB8AC3E}">
+        <p14:creationId xmlns:p14="http://schemas.microsoft.com/office/powerpoint/2010/main" val="716640567"/>
+      </p:ext>
+    </p:extLst>
+  </p:cSld>
+  <p:clrMapOvr>
+    <a:masterClrMapping/>
+  </p:clrMapOvr>
+</p:sld>
+</file>
+
+<file path=ppt/slides/slide23.xml><?xml version="1.0" encoding="utf-8"?>
+<p:sld xmlns:a="http://schemas.openxmlformats.org/drawingml/2006/main" xmlns:r="http://schemas.openxmlformats.org/officeDocument/2006/relationships" xmlns:p="http://schemas.openxmlformats.org/presentationml/2006/main">
+  <p:cSld>
+    <p:spTree>
+      <p:nvGrpSpPr>
+        <p:cNvPr id="1" name=""/>
+        <p:cNvGrpSpPr/>
+        <p:nvPr/>
+      </p:nvGrpSpPr>
+      <p:grpSpPr>
+        <a:xfrm>
+          <a:off x="0" y="0"/>
+          <a:ext cx="0" cy="0"/>
+          <a:chOff x="0" y="0"/>
+          <a:chExt cx="0" cy="0"/>
+        </a:xfrm>
+      </p:grpSpPr>
+      <p:sp>
+        <p:nvSpPr>
+          <p:cNvPr id="3" name="Text Placeholder 2">
+            <a:extLst>
+              <a:ext uri="{FF2B5EF4-FFF2-40B4-BE49-F238E27FC236}">
+                <a16:creationId xmlns:a16="http://schemas.microsoft.com/office/drawing/2014/main" id="{55D23482-DF18-30BF-5074-D47009B29B86}"/>
+              </a:ext>
+            </a:extLst>
+          </p:cNvPr>
+          <p:cNvSpPr>
+            <a:spLocks noGrp="1"/>
+          </p:cNvSpPr>
+          <p:nvPr>
+            <p:ph type="body" idx="1"/>
+          </p:nvPr>
+        </p:nvSpPr>
+        <p:spPr>
+          <a:xfrm>
+            <a:off x="838200" y="207390"/>
+            <a:ext cx="10515600" cy="6485641"/>
+          </a:xfrm>
+        </p:spPr>
+        <p:txBody>
+          <a:bodyPr>
+            <a:normAutofit lnSpcReduction="10000"/>
+          </a:bodyPr>
+          <a:lstStyle/>
+          <a:p>
+            <a:pPr marL="114300" indent="0">
+              <a:buNone/>
+            </a:pPr>
+            <a:r>
+              <a:rPr lang="en-IN" dirty="0"/>
+              <a:t>#KNN</a:t>
+            </a:r>
+          </a:p>
+          <a:p>
+            <a:pPr marL="114300" indent="0">
+              <a:buNone/>
+            </a:pPr>
+            <a:r>
+              <a:rPr lang="en-IN" dirty="0"/>
+              <a:t>from </a:t>
+            </a:r>
+            <a:r>
+              <a:rPr lang="en-IN" dirty="0" err="1"/>
+              <a:t>sklearn.neighbors</a:t>
+            </a:r>
+            <a:r>
+              <a:rPr lang="en-IN" dirty="0"/>
+              <a:t> import </a:t>
+            </a:r>
+            <a:r>
+              <a:rPr lang="en-IN" dirty="0" err="1"/>
+              <a:t>KNeighborsClassifier</a:t>
+            </a:r>
+            <a:endParaRPr lang="en-IN" dirty="0"/>
+          </a:p>
+          <a:p>
+            <a:pPr marL="114300" indent="0">
+              <a:buNone/>
+            </a:pPr>
+            <a:r>
+              <a:rPr lang="en-IN" dirty="0"/>
+              <a:t>from </a:t>
+            </a:r>
+            <a:r>
+              <a:rPr lang="en-IN" dirty="0" err="1"/>
+              <a:t>sklearn.model_selection</a:t>
+            </a:r>
+            <a:r>
+              <a:rPr lang="en-IN" dirty="0"/>
+              <a:t> import </a:t>
+            </a:r>
+            <a:r>
+              <a:rPr lang="en-IN" dirty="0" err="1"/>
+              <a:t>KFold,GridSearchCV</a:t>
+            </a:r>
+            <a:endParaRPr lang="en-IN" dirty="0"/>
+          </a:p>
+          <a:p>
+            <a:pPr marL="114300" indent="0">
+              <a:buNone/>
+            </a:pPr>
+            <a:r>
+              <a:rPr lang="en-IN" dirty="0" err="1"/>
+              <a:t>param_grid</a:t>
+            </a:r>
+            <a:r>
+              <a:rPr lang="en-IN" dirty="0"/>
+              <a:t>={'</a:t>
+            </a:r>
+            <a:r>
+              <a:rPr lang="en-IN" dirty="0" err="1"/>
+              <a:t>leaf_size</a:t>
+            </a:r>
+            <a:r>
+              <a:rPr lang="en-IN" dirty="0"/>
+              <a:t>':[2,5,7,9,11],'</a:t>
+            </a:r>
+            <a:r>
+              <a:rPr lang="en-IN" dirty="0" err="1"/>
+              <a:t>n_neighbors</a:t>
+            </a:r>
+            <a:r>
+              <a:rPr lang="en-IN" dirty="0"/>
+              <a:t>':[2,5,7,9,11],'p':[1,2]}</a:t>
+            </a:r>
+          </a:p>
+          <a:p>
+            <a:pPr marL="114300" indent="0">
+              <a:buNone/>
+            </a:pPr>
+            <a:r>
+              <a:rPr lang="en-IN" dirty="0"/>
+              <a:t>grid=</a:t>
+            </a:r>
+            <a:r>
+              <a:rPr lang="en-IN" dirty="0" err="1"/>
+              <a:t>GridSearchCV</a:t>
+            </a:r>
+            <a:r>
+              <a:rPr lang="en-IN" dirty="0"/>
+              <a:t>(</a:t>
+            </a:r>
+            <a:r>
+              <a:rPr lang="en-IN" dirty="0" err="1"/>
+              <a:t>KNeighborsClassifier</a:t>
+            </a:r>
+            <a:r>
+              <a:rPr lang="en-IN" dirty="0"/>
+              <a:t>(),</a:t>
+            </a:r>
+            <a:r>
+              <a:rPr lang="en-IN" dirty="0" err="1"/>
+              <a:t>param_grid</a:t>
+            </a:r>
+            <a:r>
+              <a:rPr lang="en-IN" dirty="0"/>
+              <a:t>=</a:t>
+            </a:r>
+            <a:r>
+              <a:rPr lang="en-IN" dirty="0" err="1"/>
+              <a:t>param_grid</a:t>
+            </a:r>
+            <a:r>
+              <a:rPr lang="en-IN" dirty="0"/>
+              <a:t>)</a:t>
+            </a:r>
+          </a:p>
+          <a:p>
+            <a:pPr marL="114300" indent="0">
+              <a:buNone/>
+            </a:pPr>
+            <a:r>
+              <a:rPr lang="en-IN" dirty="0" err="1"/>
+              <a:t>grid.fit</a:t>
+            </a:r>
+            <a:r>
+              <a:rPr lang="en-IN" dirty="0"/>
+              <a:t>(</a:t>
+            </a:r>
+            <a:r>
+              <a:rPr lang="en-IN" dirty="0" err="1"/>
+              <a:t>x_train,y_train</a:t>
+            </a:r>
+            <a:r>
+              <a:rPr lang="en-IN" dirty="0"/>
+              <a:t>)</a:t>
+            </a:r>
+          </a:p>
+          <a:p>
+            <a:pPr marL="114300" indent="0">
+              <a:buNone/>
+            </a:pPr>
+            <a:r>
+              <a:rPr lang="en-IN" dirty="0"/>
+              <a:t>KNN=</a:t>
+            </a:r>
+            <a:r>
+              <a:rPr lang="en-IN" dirty="0" err="1"/>
+              <a:t>KNeighborsClassifier</a:t>
+            </a:r>
+            <a:r>
+              <a:rPr lang="en-IN" dirty="0"/>
+              <a:t>(</a:t>
+            </a:r>
+            <a:r>
+              <a:rPr lang="en-IN" dirty="0" err="1"/>
+              <a:t>n_neighbors</a:t>
+            </a:r>
+            <a:r>
+              <a:rPr lang="en-IN" dirty="0"/>
+              <a:t>=11,p=2,leaf_size=5)</a:t>
+            </a:r>
+          </a:p>
+          <a:p>
+            <a:pPr marL="114300" indent="0">
+              <a:buNone/>
+            </a:pPr>
+            <a:r>
+              <a:rPr lang="en-IN" dirty="0" err="1"/>
+              <a:t>KNN.fit</a:t>
+            </a:r>
+            <a:r>
+              <a:rPr lang="en-IN" dirty="0"/>
+              <a:t>(</a:t>
+            </a:r>
+            <a:r>
+              <a:rPr lang="en-IN" dirty="0" err="1"/>
+              <a:t>x_train,y_train</a:t>
+            </a:r>
+            <a:r>
+              <a:rPr lang="en-IN" dirty="0"/>
+              <a:t>)</a:t>
+            </a:r>
+          </a:p>
+          <a:p>
+            <a:pPr marL="114300" indent="0">
+              <a:buNone/>
+            </a:pPr>
+            <a:r>
+              <a:rPr lang="en-IN" dirty="0" err="1"/>
+              <a:t>KNN_pred</a:t>
+            </a:r>
+            <a:r>
+              <a:rPr lang="en-IN" dirty="0"/>
+              <a:t>=</a:t>
+            </a:r>
+            <a:r>
+              <a:rPr lang="en-IN" dirty="0" err="1"/>
+              <a:t>KNN.predict</a:t>
+            </a:r>
+            <a:r>
+              <a:rPr lang="en-IN" dirty="0"/>
+              <a:t>(</a:t>
+            </a:r>
+            <a:r>
+              <a:rPr lang="en-IN" dirty="0" err="1"/>
+              <a:t>x_test</a:t>
+            </a:r>
+            <a:r>
+              <a:rPr lang="en-IN" dirty="0"/>
+              <a:t>)</a:t>
+            </a:r>
+          </a:p>
+          <a:p>
+            <a:pPr marL="114300" indent="0">
+              <a:buNone/>
+            </a:pPr>
+            <a:r>
+              <a:rPr lang="en-IN" dirty="0" err="1"/>
+              <a:t>KNN_pred</a:t>
+            </a:r>
+            <a:endParaRPr lang="en-IN" dirty="0"/>
+          </a:p>
+          <a:p>
+            <a:pPr marL="114300" indent="0">
+              <a:buNone/>
+            </a:pPr>
+            <a:r>
+              <a:rPr lang="en-IN" dirty="0" err="1"/>
+              <a:t>knn_accuracy</a:t>
+            </a:r>
+            <a:r>
+              <a:rPr lang="en-IN" dirty="0"/>
+              <a:t> = round(</a:t>
+            </a:r>
+            <a:r>
+              <a:rPr lang="en-IN" dirty="0" err="1"/>
+              <a:t>accuracy_score</a:t>
+            </a:r>
+            <a:r>
+              <a:rPr lang="en-IN" dirty="0"/>
+              <a:t>(</a:t>
+            </a:r>
+            <a:r>
+              <a:rPr lang="en-IN" dirty="0" err="1"/>
+              <a:t>y_test</a:t>
+            </a:r>
+            <a:r>
+              <a:rPr lang="en-IN" dirty="0"/>
+              <a:t>, </a:t>
+            </a:r>
+            <a:r>
+              <a:rPr lang="en-IN" dirty="0" err="1"/>
+              <a:t>KNN_pred</a:t>
+            </a:r>
+            <a:r>
+              <a:rPr lang="en-IN" dirty="0"/>
+              <a:t>)*100,8)</a:t>
+            </a:r>
+          </a:p>
+          <a:p>
+            <a:pPr marL="114300" indent="0">
+              <a:buNone/>
+            </a:pPr>
+            <a:r>
+              <a:rPr lang="en-IN" dirty="0"/>
+              <a:t>print('Accuracy = ',</a:t>
+            </a:r>
+            <a:r>
+              <a:rPr lang="en-IN" dirty="0" err="1"/>
+              <a:t>knn_accuracy</a:t>
+            </a:r>
+            <a:r>
+              <a:rPr lang="en-IN" dirty="0"/>
+              <a:t>,'%')</a:t>
+            </a:r>
+          </a:p>
+        </p:txBody>
+      </p:sp>
+    </p:spTree>
+    <p:extLst>
+      <p:ext uri="{BB962C8B-B14F-4D97-AF65-F5344CB8AC3E}">
+        <p14:creationId xmlns:p14="http://schemas.microsoft.com/office/powerpoint/2010/main" val="1563131513"/>
+      </p:ext>
+    </p:extLst>
+  </p:cSld>
+  <p:clrMapOvr>
+    <a:masterClrMapping/>
+  </p:clrMapOvr>
+</p:sld>
+</file>
+
+<file path=ppt/slides/slide24.xml><?xml version="1.0" encoding="utf-8"?>
 <p:sld xmlns:a="http://schemas.openxmlformats.org/drawingml/2006/main" xmlns:r="http://schemas.openxmlformats.org/officeDocument/2006/relationships" xmlns:p="http://schemas.openxmlformats.org/presentationml/2006/main">
   <p:cSld>
     <p:spTree>
@@ -20378,7 +21547,7 @@
 </p:sld>
 </file>
 
-<file path=ppt/slides/slide22.xml><?xml version="1.0" encoding="utf-8"?>
+<file path=ppt/slides/slide25.xml><?xml version="1.0" encoding="utf-8"?>
 <p:sld xmlns:a="http://schemas.openxmlformats.org/drawingml/2006/main" xmlns:r="http://schemas.openxmlformats.org/officeDocument/2006/relationships" xmlns:p="http://schemas.openxmlformats.org/presentationml/2006/main">
   <p:cSld>
     <p:spTree>
@@ -20699,7 +21868,7 @@
 </p:sld>
 </file>
 
-<file path=ppt/slides/slide23.xml><?xml version="1.0" encoding="utf-8"?>
+<file path=ppt/slides/slide26.xml><?xml version="1.0" encoding="utf-8"?>
 <p:sld xmlns:a="http://schemas.openxmlformats.org/drawingml/2006/main" xmlns:r="http://schemas.openxmlformats.org/officeDocument/2006/relationships" xmlns:p="http://schemas.openxmlformats.org/presentationml/2006/main">
   <p:cSld>
     <p:spTree>
